--- a/documentacao/SPRINT-2-diagrama-solucao-v2.pptx
+++ b/documentacao/SPRINT-2-diagrama-solucao-v2.pptx
@@ -6,7 +6,6 @@
   </p:sldMasterIdLst>
   <p:sldIdLst>
     <p:sldId id="258" r:id="rId2"/>
-    <p:sldId id="259" r:id="rId3"/>
   </p:sldIdLst>
   <p:sldSz cx="12192000" cy="6858000"/>
   <p:notesSz cx="6858000" cy="9144000"/>
@@ -260,7 +259,7 @@
           <a:p>
             <a:fld id="{DE8C9FCB-EA41-43C3-8D3E-1B7560132E20}" type="datetimeFigureOut">
               <a:rPr lang="pt-BR" smtClean="0"/>
-              <a:t>03/10/2019</a:t>
+              <a:t>10/10/2019</a:t>
             </a:fld>
             <a:endParaRPr lang="pt-BR"/>
           </a:p>
@@ -458,7 +457,7 @@
           <a:p>
             <a:fld id="{DE8C9FCB-EA41-43C3-8D3E-1B7560132E20}" type="datetimeFigureOut">
               <a:rPr lang="pt-BR" smtClean="0"/>
-              <a:t>03/10/2019</a:t>
+              <a:t>10/10/2019</a:t>
             </a:fld>
             <a:endParaRPr lang="pt-BR"/>
           </a:p>
@@ -666,7 +665,7 @@
           <a:p>
             <a:fld id="{DE8C9FCB-EA41-43C3-8D3E-1B7560132E20}" type="datetimeFigureOut">
               <a:rPr lang="pt-BR" smtClean="0"/>
-              <a:t>03/10/2019</a:t>
+              <a:t>10/10/2019</a:t>
             </a:fld>
             <a:endParaRPr lang="pt-BR"/>
           </a:p>
@@ -864,7 +863,7 @@
           <a:p>
             <a:fld id="{DE8C9FCB-EA41-43C3-8D3E-1B7560132E20}" type="datetimeFigureOut">
               <a:rPr lang="pt-BR" smtClean="0"/>
-              <a:t>03/10/2019</a:t>
+              <a:t>10/10/2019</a:t>
             </a:fld>
             <a:endParaRPr lang="pt-BR"/>
           </a:p>
@@ -1139,7 +1138,7 @@
           <a:p>
             <a:fld id="{DE8C9FCB-EA41-43C3-8D3E-1B7560132E20}" type="datetimeFigureOut">
               <a:rPr lang="pt-BR" smtClean="0"/>
-              <a:t>03/10/2019</a:t>
+              <a:t>10/10/2019</a:t>
             </a:fld>
             <a:endParaRPr lang="pt-BR"/>
           </a:p>
@@ -1404,7 +1403,7 @@
           <a:p>
             <a:fld id="{DE8C9FCB-EA41-43C3-8D3E-1B7560132E20}" type="datetimeFigureOut">
               <a:rPr lang="pt-BR" smtClean="0"/>
-              <a:t>03/10/2019</a:t>
+              <a:t>10/10/2019</a:t>
             </a:fld>
             <a:endParaRPr lang="pt-BR"/>
           </a:p>
@@ -1816,7 +1815,7 @@
           <a:p>
             <a:fld id="{DE8C9FCB-EA41-43C3-8D3E-1B7560132E20}" type="datetimeFigureOut">
               <a:rPr lang="pt-BR" smtClean="0"/>
-              <a:t>03/10/2019</a:t>
+              <a:t>10/10/2019</a:t>
             </a:fld>
             <a:endParaRPr lang="pt-BR"/>
           </a:p>
@@ -1957,7 +1956,7 @@
           <a:p>
             <a:fld id="{DE8C9FCB-EA41-43C3-8D3E-1B7560132E20}" type="datetimeFigureOut">
               <a:rPr lang="pt-BR" smtClean="0"/>
-              <a:t>03/10/2019</a:t>
+              <a:t>10/10/2019</a:t>
             </a:fld>
             <a:endParaRPr lang="pt-BR"/>
           </a:p>
@@ -2070,7 +2069,7 @@
           <a:p>
             <a:fld id="{DE8C9FCB-EA41-43C3-8D3E-1B7560132E20}" type="datetimeFigureOut">
               <a:rPr lang="pt-BR" smtClean="0"/>
-              <a:t>03/10/2019</a:t>
+              <a:t>10/10/2019</a:t>
             </a:fld>
             <a:endParaRPr lang="pt-BR"/>
           </a:p>
@@ -2381,7 +2380,7 @@
           <a:p>
             <a:fld id="{DE8C9FCB-EA41-43C3-8D3E-1B7560132E20}" type="datetimeFigureOut">
               <a:rPr lang="pt-BR" smtClean="0"/>
-              <a:t>03/10/2019</a:t>
+              <a:t>10/10/2019</a:t>
             </a:fld>
             <a:endParaRPr lang="pt-BR"/>
           </a:p>
@@ -2669,7 +2668,7 @@
           <a:p>
             <a:fld id="{DE8C9FCB-EA41-43C3-8D3E-1B7560132E20}" type="datetimeFigureOut">
               <a:rPr lang="pt-BR" smtClean="0"/>
-              <a:t>03/10/2019</a:t>
+              <a:t>10/10/2019</a:t>
             </a:fld>
             <a:endParaRPr lang="pt-BR"/>
           </a:p>
@@ -2910,7 +2909,7 @@
           <a:p>
             <a:fld id="{DE8C9FCB-EA41-43C3-8D3E-1B7560132E20}" type="datetimeFigureOut">
               <a:rPr lang="pt-BR" smtClean="0"/>
-              <a:t>03/10/2019</a:t>
+              <a:t>10/10/2019</a:t>
             </a:fld>
             <a:endParaRPr lang="pt-BR"/>
           </a:p>
@@ -3327,2694 +3326,6 @@
           <a:chExt cx="0" cy="0"/>
         </a:xfrm>
       </p:grpSpPr>
-      <p:pic>
-        <p:nvPicPr>
-          <p:cNvPr id="102" name="Imagem 101"/>
-          <p:cNvPicPr>
-            <a:picLocks noChangeAspect="1"/>
-          </p:cNvPicPr>
-          <p:nvPr/>
-        </p:nvPicPr>
-        <p:blipFill>
-          <a:blip r:embed="rId2" cstate="hqprint">
-            <a:duotone>
-              <a:prstClr val="black"/>
-              <a:schemeClr val="accent1">
-                <a:tint val="45000"/>
-                <a:satMod val="400000"/>
-              </a:schemeClr>
-            </a:duotone>
-            <a:extLst>
-              <a:ext uri="{28A0092B-C50C-407E-A947-70E740481C1C}">
-                <a14:useLocalDpi xmlns:a14="http://schemas.microsoft.com/office/drawing/2010/main" val="0"/>
-              </a:ext>
-            </a:extLst>
-          </a:blip>
-          <a:stretch>
-            <a:fillRect/>
-          </a:stretch>
-        </p:blipFill>
-        <p:spPr>
-          <a:xfrm>
-            <a:off x="6206907" y="5107141"/>
-            <a:ext cx="513904" cy="513904"/>
-          </a:xfrm>
-          <a:prstGeom prst="rect">
-            <a:avLst/>
-          </a:prstGeom>
-        </p:spPr>
-      </p:pic>
-      <p:pic>
-        <p:nvPicPr>
-          <p:cNvPr id="67" name="Imagem 66">
-            <a:extLst>
-              <a:ext uri="{FF2B5EF4-FFF2-40B4-BE49-F238E27FC236}">
-                <a16:creationId xmlns:a16="http://schemas.microsoft.com/office/drawing/2014/main" id="{677AA328-A16E-4537-9409-936ABFD3C43E}"/>
-              </a:ext>
-            </a:extLst>
-          </p:cNvPr>
-          <p:cNvPicPr>
-            <a:picLocks noChangeAspect="1"/>
-          </p:cNvPicPr>
-          <p:nvPr/>
-        </p:nvPicPr>
-        <p:blipFill>
-          <a:blip r:embed="rId3" cstate="hqprint">
-            <a:extLst>
-              <a:ext uri="{28A0092B-C50C-407E-A947-70E740481C1C}">
-                <a14:useLocalDpi xmlns:a14="http://schemas.microsoft.com/office/drawing/2010/main" val="0"/>
-              </a:ext>
-            </a:extLst>
-          </a:blip>
-          <a:stretch>
-            <a:fillRect/>
-          </a:stretch>
-        </p:blipFill>
-        <p:spPr>
-          <a:xfrm>
-            <a:off x="6050462" y="5297823"/>
-            <a:ext cx="905597" cy="905597"/>
-          </a:xfrm>
-          <a:prstGeom prst="rect">
-            <a:avLst/>
-          </a:prstGeom>
-        </p:spPr>
-      </p:pic>
-      <p:sp>
-        <p:nvSpPr>
-          <p:cNvPr id="75" name="CaixaDeTexto 74">
-            <a:extLst>
-              <a:ext uri="{FF2B5EF4-FFF2-40B4-BE49-F238E27FC236}">
-                <a16:creationId xmlns:a16="http://schemas.microsoft.com/office/drawing/2014/main" id="{3AF629E6-B76D-4A04-98F8-80E207162F78}"/>
-              </a:ext>
-            </a:extLst>
-          </p:cNvPr>
-          <p:cNvSpPr txBox="1"/>
-          <p:nvPr/>
-        </p:nvSpPr>
-        <p:spPr>
-          <a:xfrm>
-            <a:off x="5876326" y="6048873"/>
-            <a:ext cx="1253868" cy="261610"/>
-          </a:xfrm>
-          <a:prstGeom prst="rect">
-            <a:avLst/>
-          </a:prstGeom>
-          <a:noFill/>
-        </p:spPr>
-        <p:txBody>
-          <a:bodyPr wrap="none" rtlCol="0">
-            <a:spAutoFit/>
-          </a:bodyPr>
-          <a:lstStyle/>
-          <a:p>
-            <a:pPr algn="ctr"/>
-            <a:r>
-              <a:rPr lang="pt-BR" sz="1100" b="1" dirty="0">
-                <a:solidFill>
-                  <a:schemeClr val="accent5">
-                    <a:lumMod val="75000"/>
-                  </a:schemeClr>
-                </a:solidFill>
-                <a:latin typeface="Arial" panose="020B0604020202020204" pitchFamily="34" charset="0"/>
-                <a:cs typeface="Arial" panose="020B0604020202020204" pitchFamily="34" charset="0"/>
-              </a:rPr>
-              <a:t>ANALISTA NOC</a:t>
-            </a:r>
-            <a:endParaRPr lang="pt-BR" sz="1100" dirty="0">
-              <a:latin typeface="Arial" panose="020B0604020202020204" pitchFamily="34" charset="0"/>
-              <a:cs typeface="Arial" panose="020B0604020202020204" pitchFamily="34" charset="0"/>
-            </a:endParaRPr>
-          </a:p>
-        </p:txBody>
-      </p:sp>
-      <p:pic>
-        <p:nvPicPr>
-          <p:cNvPr id="97" name="Imagem 96">
-            <a:extLst>
-              <a:ext uri="{FF2B5EF4-FFF2-40B4-BE49-F238E27FC236}">
-                <a16:creationId xmlns:a16="http://schemas.microsoft.com/office/drawing/2014/main" id="{93DBE4A3-F13A-424D-AB4D-0AC384D4C749}"/>
-              </a:ext>
-            </a:extLst>
-          </p:cNvPr>
-          <p:cNvPicPr>
-            <a:picLocks noChangeAspect="1"/>
-          </p:cNvPicPr>
-          <p:nvPr/>
-        </p:nvPicPr>
-        <p:blipFill>
-          <a:blip r:embed="rId4" cstate="hqprint">
-            <a:duotone>
-              <a:schemeClr val="accent3">
-                <a:shade val="45000"/>
-                <a:satMod val="135000"/>
-              </a:schemeClr>
-              <a:prstClr val="white"/>
-            </a:duotone>
-            <a:extLst>
-              <a:ext uri="{28A0092B-C50C-407E-A947-70E740481C1C}">
-                <a14:useLocalDpi xmlns:a14="http://schemas.microsoft.com/office/drawing/2010/main" val="0"/>
-              </a:ext>
-            </a:extLst>
-          </a:blip>
-          <a:stretch>
-            <a:fillRect/>
-          </a:stretch>
-        </p:blipFill>
-        <p:spPr>
-          <a:xfrm>
-            <a:off x="8392899" y="2930728"/>
-            <a:ext cx="1407080" cy="1407080"/>
-          </a:xfrm>
-          <a:prstGeom prst="rect">
-            <a:avLst/>
-          </a:prstGeom>
-        </p:spPr>
-      </p:pic>
-      <p:grpSp>
-        <p:nvGrpSpPr>
-          <p:cNvPr id="45" name="Agrupar 44"/>
-          <p:cNvGrpSpPr/>
-          <p:nvPr/>
-        </p:nvGrpSpPr>
-        <p:grpSpPr>
-          <a:xfrm>
-            <a:off x="8432885" y="5692002"/>
-            <a:ext cx="1327108" cy="975351"/>
-            <a:chOff x="8928878" y="4659985"/>
-            <a:chExt cx="1327108" cy="975351"/>
-          </a:xfrm>
-        </p:grpSpPr>
-        <p:pic>
-          <p:nvPicPr>
-            <p:cNvPr id="13" name="Imagem 12">
-              <a:extLst>
-                <a:ext uri="{FF2B5EF4-FFF2-40B4-BE49-F238E27FC236}">
-                  <a16:creationId xmlns:a16="http://schemas.microsoft.com/office/drawing/2014/main" id="{1C0F1CF1-E085-404B-BECA-7C7034926040}"/>
-                </a:ext>
-              </a:extLst>
-            </p:cNvPr>
-            <p:cNvPicPr>
-              <a:picLocks noChangeAspect="1"/>
-            </p:cNvPicPr>
-            <p:nvPr/>
-          </p:nvPicPr>
-          <p:blipFill>
-            <a:blip r:embed="rId5">
-              <a:extLst>
-                <a:ext uri="{28A0092B-C50C-407E-A947-70E740481C1C}">
-                  <a14:useLocalDpi xmlns:a14="http://schemas.microsoft.com/office/drawing/2010/main" val="0"/>
-                </a:ext>
-              </a:extLst>
-            </a:blip>
-            <a:stretch>
-              <a:fillRect/>
-            </a:stretch>
-          </p:blipFill>
-          <p:spPr>
-            <a:xfrm>
-              <a:off x="9127512" y="4659985"/>
-              <a:ext cx="975351" cy="975351"/>
-            </a:xfrm>
-            <a:prstGeom prst="rect">
-              <a:avLst/>
-            </a:prstGeom>
-          </p:spPr>
-        </p:pic>
-        <p:sp>
-          <p:nvSpPr>
-            <p:cNvPr id="17" name="CaixaDeTexto 16">
-              <a:extLst>
-                <a:ext uri="{FF2B5EF4-FFF2-40B4-BE49-F238E27FC236}">
-                  <a16:creationId xmlns:a16="http://schemas.microsoft.com/office/drawing/2014/main" id="{6BE8F561-08B2-4A40-A94F-AFE74F0B4B5D}"/>
-                </a:ext>
-              </a:extLst>
-            </p:cNvPr>
-            <p:cNvSpPr txBox="1"/>
-            <p:nvPr/>
-          </p:nvSpPr>
-          <p:spPr>
-            <a:xfrm>
-              <a:off x="8928878" y="4991430"/>
-              <a:ext cx="1327108" cy="369332"/>
-            </a:xfrm>
-            <a:prstGeom prst="rect">
-              <a:avLst/>
-            </a:prstGeom>
-            <a:noFill/>
-          </p:spPr>
-          <p:txBody>
-            <a:bodyPr wrap="square" rtlCol="0">
-              <a:spAutoFit/>
-            </a:bodyPr>
-            <a:lstStyle/>
-            <a:p>
-              <a:pPr algn="ctr"/>
-              <a:r>
-                <a:rPr lang="pt-BR" sz="900" dirty="0">
-                  <a:solidFill>
-                    <a:srgbClr val="0070C0"/>
-                  </a:solidFill>
-                  <a:latin typeface="Arial" panose="020B0604020202020204" pitchFamily="34" charset="0"/>
-                  <a:cs typeface="Arial" panose="020B0604020202020204" pitchFamily="34" charset="0"/>
-                </a:rPr>
-                <a:t>Provedor</a:t>
-              </a:r>
-            </a:p>
-            <a:p>
-              <a:pPr algn="ctr"/>
-              <a:r>
-                <a:rPr lang="pt-BR" sz="900" dirty="0">
-                  <a:solidFill>
-                    <a:srgbClr val="0070C0"/>
-                  </a:solidFill>
-                  <a:latin typeface="Arial" panose="020B0604020202020204" pitchFamily="34" charset="0"/>
-                  <a:cs typeface="Arial" panose="020B0604020202020204" pitchFamily="34" charset="0"/>
-                </a:rPr>
-                <a:t>de Internet</a:t>
-              </a:r>
-            </a:p>
-          </p:txBody>
-        </p:sp>
-      </p:grpSp>
-      <p:grpSp>
-        <p:nvGrpSpPr>
-          <p:cNvPr id="44" name="Agrupar 43"/>
-          <p:cNvGrpSpPr/>
-          <p:nvPr/>
-        </p:nvGrpSpPr>
-        <p:grpSpPr>
-          <a:xfrm>
-            <a:off x="161776" y="1120620"/>
-            <a:ext cx="1327108" cy="975351"/>
-            <a:chOff x="-16643" y="477710"/>
-            <a:chExt cx="1327108" cy="975351"/>
-          </a:xfrm>
-        </p:grpSpPr>
-        <p:pic>
-          <p:nvPicPr>
-            <p:cNvPr id="78" name="Imagem 77">
-              <a:extLst>
-                <a:ext uri="{FF2B5EF4-FFF2-40B4-BE49-F238E27FC236}">
-                  <a16:creationId xmlns:a16="http://schemas.microsoft.com/office/drawing/2014/main" id="{D8EACF2C-03E4-4E32-B529-D1AA3E90A460}"/>
-                </a:ext>
-              </a:extLst>
-            </p:cNvPr>
-            <p:cNvPicPr>
-              <a:picLocks noChangeAspect="1"/>
-            </p:cNvPicPr>
-            <p:nvPr/>
-          </p:nvPicPr>
-          <p:blipFill>
-            <a:blip r:embed="rId5">
-              <a:extLst>
-                <a:ext uri="{28A0092B-C50C-407E-A947-70E740481C1C}">
-                  <a14:useLocalDpi xmlns:a14="http://schemas.microsoft.com/office/drawing/2010/main" val="0"/>
-                </a:ext>
-              </a:extLst>
-            </a:blip>
-            <a:stretch>
-              <a:fillRect/>
-            </a:stretch>
-          </p:blipFill>
-          <p:spPr>
-            <a:xfrm>
-              <a:off x="146349" y="477710"/>
-              <a:ext cx="975351" cy="975351"/>
-            </a:xfrm>
-            <a:prstGeom prst="rect">
-              <a:avLst/>
-            </a:prstGeom>
-          </p:spPr>
-        </p:pic>
-        <p:sp>
-          <p:nvSpPr>
-            <p:cNvPr id="81" name="CaixaDeTexto 80">
-              <a:extLst>
-                <a:ext uri="{FF2B5EF4-FFF2-40B4-BE49-F238E27FC236}">
-                  <a16:creationId xmlns:a16="http://schemas.microsoft.com/office/drawing/2014/main" id="{B85283A8-6E6C-4BF6-B540-33A182FDBBEA}"/>
-                </a:ext>
-              </a:extLst>
-            </p:cNvPr>
-            <p:cNvSpPr txBox="1"/>
-            <p:nvPr/>
-          </p:nvSpPr>
-          <p:spPr>
-            <a:xfrm>
-              <a:off x="-16643" y="942827"/>
-              <a:ext cx="1327108" cy="230832"/>
-            </a:xfrm>
-            <a:prstGeom prst="rect">
-              <a:avLst/>
-            </a:prstGeom>
-            <a:noFill/>
-          </p:spPr>
-          <p:txBody>
-            <a:bodyPr wrap="square" rtlCol="0">
-              <a:spAutoFit/>
-            </a:bodyPr>
-            <a:lstStyle/>
-            <a:p>
-              <a:pPr algn="ctr"/>
-              <a:r>
-                <a:rPr lang="pt-BR" sz="900" dirty="0" err="1">
-                  <a:solidFill>
-                    <a:srgbClr val="0070C0"/>
-                  </a:solidFill>
-                  <a:latin typeface="Arial" panose="020B0604020202020204" pitchFamily="34" charset="0"/>
-                  <a:cs typeface="Arial" panose="020B0604020202020204" pitchFamily="34" charset="0"/>
-                </a:rPr>
-                <a:t>Telegram</a:t>
-              </a:r>
-              <a:endParaRPr lang="pt-BR" sz="900" dirty="0">
-                <a:solidFill>
-                  <a:srgbClr val="0070C0"/>
-                </a:solidFill>
-                <a:latin typeface="Arial" panose="020B0604020202020204" pitchFamily="34" charset="0"/>
-                <a:cs typeface="Arial" panose="020B0604020202020204" pitchFamily="34" charset="0"/>
-              </a:endParaRPr>
-            </a:p>
-          </p:txBody>
-        </p:sp>
-        <p:pic>
-          <p:nvPicPr>
-            <p:cNvPr id="58" name="Imagem 57">
-              <a:extLst>
-                <a:ext uri="{FF2B5EF4-FFF2-40B4-BE49-F238E27FC236}">
-                  <a16:creationId xmlns:a16="http://schemas.microsoft.com/office/drawing/2014/main" id="{7100879D-9917-44E9-9BDE-4399301523C3}"/>
-                </a:ext>
-              </a:extLst>
-            </p:cNvPr>
-            <p:cNvPicPr>
-              <a:picLocks noChangeAspect="1"/>
-            </p:cNvPicPr>
-            <p:nvPr/>
-          </p:nvPicPr>
-          <p:blipFill>
-            <a:blip r:embed="rId6" cstate="hqprint">
-              <a:extLst>
-                <a:ext uri="{28A0092B-C50C-407E-A947-70E740481C1C}">
-                  <a14:useLocalDpi xmlns:a14="http://schemas.microsoft.com/office/drawing/2010/main" val="0"/>
-                </a:ext>
-              </a:extLst>
-            </a:blip>
-            <a:stretch>
-              <a:fillRect/>
-            </a:stretch>
-          </p:blipFill>
-          <p:spPr>
-            <a:xfrm>
-              <a:off x="106700" y="635709"/>
-              <a:ext cx="378618" cy="378618"/>
-            </a:xfrm>
-            <a:prstGeom prst="rect">
-              <a:avLst/>
-            </a:prstGeom>
-          </p:spPr>
-        </p:pic>
-      </p:grpSp>
-      <p:grpSp>
-        <p:nvGrpSpPr>
-          <p:cNvPr id="42" name="Agrupar 41"/>
-          <p:cNvGrpSpPr/>
-          <p:nvPr/>
-        </p:nvGrpSpPr>
-        <p:grpSpPr>
-          <a:xfrm>
-            <a:off x="8508925" y="264714"/>
-            <a:ext cx="1175028" cy="975351"/>
-            <a:chOff x="8251883" y="-230739"/>
-            <a:chExt cx="1175028" cy="975351"/>
-          </a:xfrm>
-        </p:grpSpPr>
-        <p:pic>
-          <p:nvPicPr>
-            <p:cNvPr id="74" name="Imagem 73">
-              <a:extLst>
-                <a:ext uri="{FF2B5EF4-FFF2-40B4-BE49-F238E27FC236}">
-                  <a16:creationId xmlns:a16="http://schemas.microsoft.com/office/drawing/2014/main" id="{0DC9D47C-E2B6-49A1-B548-0650A0CAFDC3}"/>
-                </a:ext>
-              </a:extLst>
-            </p:cNvPr>
-            <p:cNvPicPr>
-              <a:picLocks noChangeAspect="1"/>
-            </p:cNvPicPr>
-            <p:nvPr/>
-          </p:nvPicPr>
-          <p:blipFill>
-            <a:blip r:embed="rId5">
-              <a:extLst>
-                <a:ext uri="{28A0092B-C50C-407E-A947-70E740481C1C}">
-                  <a14:useLocalDpi xmlns:a14="http://schemas.microsoft.com/office/drawing/2010/main" val="0"/>
-                </a:ext>
-              </a:extLst>
-            </a:blip>
-            <a:stretch>
-              <a:fillRect/>
-            </a:stretch>
-          </p:blipFill>
-          <p:spPr>
-            <a:xfrm>
-              <a:off x="8451560" y="-230739"/>
-              <a:ext cx="975351" cy="975351"/>
-            </a:xfrm>
-            <a:prstGeom prst="rect">
-              <a:avLst/>
-            </a:prstGeom>
-          </p:spPr>
-        </p:pic>
-        <p:sp>
-          <p:nvSpPr>
-            <p:cNvPr id="77" name="CaixaDeTexto 76">
-              <a:extLst>
-                <a:ext uri="{FF2B5EF4-FFF2-40B4-BE49-F238E27FC236}">
-                  <a16:creationId xmlns:a16="http://schemas.microsoft.com/office/drawing/2014/main" id="{AEA30348-F036-4698-9EC7-013DFE5ECB26}"/>
-                </a:ext>
-              </a:extLst>
-            </p:cNvPr>
-            <p:cNvSpPr txBox="1"/>
-            <p:nvPr/>
-          </p:nvSpPr>
-          <p:spPr>
-            <a:xfrm>
-              <a:off x="8433819" y="216100"/>
-              <a:ext cx="990119" cy="230832"/>
-            </a:xfrm>
-            <a:prstGeom prst="rect">
-              <a:avLst/>
-            </a:prstGeom>
-            <a:noFill/>
-          </p:spPr>
-          <p:txBody>
-            <a:bodyPr wrap="square" rtlCol="0">
-              <a:spAutoFit/>
-            </a:bodyPr>
-            <a:lstStyle/>
-            <a:p>
-              <a:pPr algn="ctr"/>
-              <a:r>
-                <a:rPr lang="pt-BR" sz="900" dirty="0">
-                  <a:solidFill>
-                    <a:srgbClr val="0070C0"/>
-                  </a:solidFill>
-                  <a:latin typeface="Arial" panose="020B0604020202020204" pitchFamily="34" charset="0"/>
-                  <a:cs typeface="Arial" panose="020B0604020202020204" pitchFamily="34" charset="0"/>
-                </a:rPr>
-                <a:t>GitHub</a:t>
-              </a:r>
-            </a:p>
-          </p:txBody>
-        </p:sp>
-        <p:pic>
-          <p:nvPicPr>
-            <p:cNvPr id="62" name="Imagem 61">
-              <a:extLst>
-                <a:ext uri="{FF2B5EF4-FFF2-40B4-BE49-F238E27FC236}">
-                  <a16:creationId xmlns:a16="http://schemas.microsoft.com/office/drawing/2014/main" id="{06240699-0062-4963-90E5-AF0E9DEDAD7E}"/>
-                </a:ext>
-              </a:extLst>
-            </p:cNvPr>
-            <p:cNvPicPr>
-              <a:picLocks noChangeAspect="1"/>
-            </p:cNvPicPr>
-            <p:nvPr/>
-          </p:nvPicPr>
-          <p:blipFill>
-            <a:blip r:embed="rId7" cstate="hqprint">
-              <a:extLst>
-                <a:ext uri="{28A0092B-C50C-407E-A947-70E740481C1C}">
-                  <a14:useLocalDpi xmlns:a14="http://schemas.microsoft.com/office/drawing/2010/main" val="0"/>
-                </a:ext>
-              </a:extLst>
-            </a:blip>
-            <a:stretch>
-              <a:fillRect/>
-            </a:stretch>
-          </p:blipFill>
-          <p:spPr>
-            <a:xfrm>
-              <a:off x="8251883" y="-25368"/>
-              <a:ext cx="621321" cy="516473"/>
-            </a:xfrm>
-            <a:prstGeom prst="rect">
-              <a:avLst/>
-            </a:prstGeom>
-          </p:spPr>
-        </p:pic>
-      </p:grpSp>
-      <p:grpSp>
-        <p:nvGrpSpPr>
-          <p:cNvPr id="43" name="Agrupar 42"/>
-          <p:cNvGrpSpPr/>
-          <p:nvPr/>
-        </p:nvGrpSpPr>
-        <p:grpSpPr>
-          <a:xfrm>
-            <a:off x="1767407" y="244870"/>
-            <a:ext cx="1327108" cy="975351"/>
-            <a:chOff x="1655259" y="-273868"/>
-            <a:chExt cx="1327108" cy="975351"/>
-          </a:xfrm>
-        </p:grpSpPr>
-        <p:pic>
-          <p:nvPicPr>
-            <p:cNvPr id="72" name="Imagem 71">
-              <a:extLst>
-                <a:ext uri="{FF2B5EF4-FFF2-40B4-BE49-F238E27FC236}">
-                  <a16:creationId xmlns:a16="http://schemas.microsoft.com/office/drawing/2014/main" id="{0D482579-87D7-4E6E-8114-E87C62D47AC1}"/>
-                </a:ext>
-              </a:extLst>
-            </p:cNvPr>
-            <p:cNvPicPr>
-              <a:picLocks noChangeAspect="1"/>
-            </p:cNvPicPr>
-            <p:nvPr/>
-          </p:nvPicPr>
-          <p:blipFill>
-            <a:blip r:embed="rId5">
-              <a:extLst>
-                <a:ext uri="{28A0092B-C50C-407E-A947-70E740481C1C}">
-                  <a14:useLocalDpi xmlns:a14="http://schemas.microsoft.com/office/drawing/2010/main" val="0"/>
-                </a:ext>
-              </a:extLst>
-            </a:blip>
-            <a:stretch>
-              <a:fillRect/>
-            </a:stretch>
-          </p:blipFill>
-          <p:spPr>
-            <a:xfrm>
-              <a:off x="1831138" y="-273868"/>
-              <a:ext cx="975351" cy="975351"/>
-            </a:xfrm>
-            <a:prstGeom prst="rect">
-              <a:avLst/>
-            </a:prstGeom>
-          </p:spPr>
-        </p:pic>
-        <p:sp>
-          <p:nvSpPr>
-            <p:cNvPr id="73" name="CaixaDeTexto 72">
-              <a:extLst>
-                <a:ext uri="{FF2B5EF4-FFF2-40B4-BE49-F238E27FC236}">
-                  <a16:creationId xmlns:a16="http://schemas.microsoft.com/office/drawing/2014/main" id="{6B3E706C-82DA-4CF0-90A9-612DAF171BBA}"/>
-                </a:ext>
-              </a:extLst>
-            </p:cNvPr>
-            <p:cNvSpPr txBox="1"/>
-            <p:nvPr/>
-          </p:nvSpPr>
-          <p:spPr>
-            <a:xfrm>
-              <a:off x="1655259" y="181024"/>
-              <a:ext cx="1327108" cy="230832"/>
-            </a:xfrm>
-            <a:prstGeom prst="rect">
-              <a:avLst/>
-            </a:prstGeom>
-            <a:noFill/>
-          </p:spPr>
-          <p:txBody>
-            <a:bodyPr wrap="square" rtlCol="0">
-              <a:spAutoFit/>
-            </a:bodyPr>
-            <a:lstStyle/>
-            <a:p>
-              <a:pPr algn="ctr"/>
-              <a:r>
-                <a:rPr lang="pt-BR" sz="900" dirty="0" err="1">
-                  <a:solidFill>
-                    <a:srgbClr val="0070C0"/>
-                  </a:solidFill>
-                  <a:latin typeface="Arial" panose="020B0604020202020204" pitchFamily="34" charset="0"/>
-                  <a:cs typeface="Arial" panose="020B0604020202020204" pitchFamily="34" charset="0"/>
-                </a:rPr>
-                <a:t>Freshdesk</a:t>
-              </a:r>
-              <a:endParaRPr lang="pt-BR" sz="900" dirty="0">
-                <a:solidFill>
-                  <a:srgbClr val="0070C0"/>
-                </a:solidFill>
-                <a:latin typeface="Arial" panose="020B0604020202020204" pitchFamily="34" charset="0"/>
-                <a:cs typeface="Arial" panose="020B0604020202020204" pitchFamily="34" charset="0"/>
-              </a:endParaRPr>
-            </a:p>
-          </p:txBody>
-        </p:sp>
-        <p:pic>
-          <p:nvPicPr>
-            <p:cNvPr id="66" name="Imagem 65">
-              <a:extLst>
-                <a:ext uri="{FF2B5EF4-FFF2-40B4-BE49-F238E27FC236}">
-                  <a16:creationId xmlns:a16="http://schemas.microsoft.com/office/drawing/2014/main" id="{C14C02C2-A82E-420E-B6A1-BD0C2417E92F}"/>
-                </a:ext>
-              </a:extLst>
-            </p:cNvPr>
-            <p:cNvPicPr>
-              <a:picLocks noChangeAspect="1"/>
-            </p:cNvPicPr>
-            <p:nvPr/>
-          </p:nvPicPr>
-          <p:blipFill rotWithShape="1">
-            <a:blip r:embed="rId8" cstate="hqprint">
-              <a:extLst>
-                <a:ext uri="{28A0092B-C50C-407E-A947-70E740481C1C}">
-                  <a14:useLocalDpi xmlns:a14="http://schemas.microsoft.com/office/drawing/2010/main" val="0"/>
-                </a:ext>
-              </a:extLst>
-            </a:blip>
-            <a:srcRect l="55810" r="4259" b="48491"/>
-            <a:stretch/>
-          </p:blipFill>
-          <p:spPr>
-            <a:xfrm>
-              <a:off x="1738013" y="-185385"/>
-              <a:ext cx="438366" cy="438366"/>
-            </a:xfrm>
-            <a:prstGeom prst="rect">
-              <a:avLst/>
-            </a:prstGeom>
-          </p:spPr>
-        </p:pic>
-      </p:grpSp>
-      <p:sp>
-        <p:nvSpPr>
-          <p:cNvPr id="121" name="Retângulo de cantos arredondados 35">
-            <a:extLst>
-              <a:ext uri="{FF2B5EF4-FFF2-40B4-BE49-F238E27FC236}">
-                <a16:creationId xmlns:a16="http://schemas.microsoft.com/office/drawing/2014/main" id="{B8F07FC8-0118-463E-80B9-D74EC52E475D}"/>
-              </a:ext>
-            </a:extLst>
-          </p:cNvPr>
-          <p:cNvSpPr/>
-          <p:nvPr/>
-        </p:nvSpPr>
-        <p:spPr>
-          <a:xfrm>
-            <a:off x="455487" y="3688662"/>
-            <a:ext cx="7247282" cy="2841448"/>
-          </a:xfrm>
-          <a:prstGeom prst="roundRect">
-            <a:avLst/>
-          </a:prstGeom>
-          <a:noFill/>
-          <a:ln w="28575">
-            <a:solidFill>
-              <a:schemeClr val="bg1">
-                <a:lumMod val="65000"/>
-              </a:schemeClr>
-            </a:solidFill>
-            <a:prstDash val="sysDash"/>
-          </a:ln>
-        </p:spPr>
-        <p:style>
-          <a:lnRef idx="2">
-            <a:schemeClr val="accent1">
-              <a:shade val="50000"/>
-            </a:schemeClr>
-          </a:lnRef>
-          <a:fillRef idx="1">
-            <a:schemeClr val="accent1"/>
-          </a:fillRef>
-          <a:effectRef idx="0">
-            <a:schemeClr val="accent1"/>
-          </a:effectRef>
-          <a:fontRef idx="minor">
-            <a:schemeClr val="lt1"/>
-          </a:fontRef>
-        </p:style>
-        <p:txBody>
-          <a:bodyPr rtlCol="0" anchor="t" anchorCtr="1"/>
-          <a:lstStyle/>
-          <a:p>
-            <a:pPr algn="ctr"/>
-            <a:endParaRPr lang="pt-BR" sz="1400" b="1" dirty="0">
-              <a:solidFill>
-                <a:schemeClr val="accent5">
-                  <a:lumMod val="75000"/>
-                </a:schemeClr>
-              </a:solidFill>
-              <a:latin typeface="Arial" panose="020B0604020202020204" pitchFamily="34" charset="0"/>
-              <a:cs typeface="Arial" panose="020B0604020202020204" pitchFamily="34" charset="0"/>
-            </a:endParaRPr>
-          </a:p>
-        </p:txBody>
-      </p:sp>
-      <p:sp>
-        <p:nvSpPr>
-          <p:cNvPr id="122" name="CaixaDeTexto 121">
-            <a:extLst>
-              <a:ext uri="{FF2B5EF4-FFF2-40B4-BE49-F238E27FC236}">
-                <a16:creationId xmlns:a16="http://schemas.microsoft.com/office/drawing/2014/main" id="{AB271506-8F69-4BEB-8CA6-F5D8E3E7A5ED}"/>
-              </a:ext>
-            </a:extLst>
-          </p:cNvPr>
-          <p:cNvSpPr txBox="1"/>
-          <p:nvPr/>
-        </p:nvSpPr>
-        <p:spPr>
-          <a:xfrm>
-            <a:off x="3394325" y="3537280"/>
-            <a:ext cx="1369607" cy="261610"/>
-          </a:xfrm>
-          <a:prstGeom prst="rect">
-            <a:avLst/>
-          </a:prstGeom>
-          <a:solidFill>
-            <a:schemeClr val="bg1"/>
-          </a:solidFill>
-        </p:spPr>
-        <p:txBody>
-          <a:bodyPr wrap="square" rtlCol="0">
-            <a:spAutoFit/>
-          </a:bodyPr>
-          <a:lstStyle/>
-          <a:p>
-            <a:pPr algn="ctr"/>
-            <a:r>
-              <a:rPr lang="pt-BR" sz="1100" b="1" dirty="0" smtClean="0">
-                <a:solidFill>
-                  <a:schemeClr val="accent5">
-                    <a:lumMod val="75000"/>
-                  </a:schemeClr>
-                </a:solidFill>
-                <a:latin typeface="Arial" panose="020B0604020202020204" pitchFamily="34" charset="0"/>
-                <a:cs typeface="Arial" panose="020B0604020202020204" pitchFamily="34" charset="0"/>
-              </a:rPr>
-              <a:t>REDE LOCAL</a:t>
-            </a:r>
-            <a:endParaRPr lang="pt-BR" sz="1100" dirty="0">
-              <a:latin typeface="Arial" panose="020B0604020202020204" pitchFamily="34" charset="0"/>
-              <a:cs typeface="Arial" panose="020B0604020202020204" pitchFamily="34" charset="0"/>
-            </a:endParaRPr>
-          </a:p>
-        </p:txBody>
-      </p:sp>
-      <p:grpSp>
-        <p:nvGrpSpPr>
-          <p:cNvPr id="11" name="Agrupar 10"/>
-          <p:cNvGrpSpPr/>
-          <p:nvPr/>
-        </p:nvGrpSpPr>
-        <p:grpSpPr>
-          <a:xfrm rot="2804728">
-            <a:off x="7146408" y="5325041"/>
-            <a:ext cx="865109" cy="827692"/>
-            <a:chOff x="5490795" y="5378146"/>
-            <a:chExt cx="865109" cy="827692"/>
-          </a:xfrm>
-        </p:grpSpPr>
-        <p:sp>
-          <p:nvSpPr>
-            <p:cNvPr id="111" name="Balão de Fala: Retângulo 110">
-              <a:extLst>
-                <a:ext uri="{FF2B5EF4-FFF2-40B4-BE49-F238E27FC236}">
-                  <a16:creationId xmlns:a16="http://schemas.microsoft.com/office/drawing/2014/main" id="{3298755E-5CF7-4565-84C1-62FBC3EE5C93}"/>
-                </a:ext>
-              </a:extLst>
-            </p:cNvPr>
-            <p:cNvSpPr/>
-            <p:nvPr/>
-          </p:nvSpPr>
-          <p:spPr>
-            <a:xfrm rot="3968150" flipH="1" flipV="1">
-              <a:off x="5509504" y="5359437"/>
-              <a:ext cx="827692" cy="865109"/>
-            </a:xfrm>
-            <a:prstGeom prst="wedgeRectCallout">
-              <a:avLst>
-                <a:gd name="adj1" fmla="val -24905"/>
-                <a:gd name="adj2" fmla="val -63058"/>
-              </a:avLst>
-            </a:prstGeom>
-            <a:solidFill>
-              <a:srgbClr val="D5DCED">
-                <a:alpha val="73000"/>
-              </a:srgbClr>
-            </a:solidFill>
-            <a:ln>
-              <a:noFill/>
-            </a:ln>
-          </p:spPr>
-          <p:style>
-            <a:lnRef idx="2">
-              <a:schemeClr val="accent1">
-                <a:shade val="50000"/>
-              </a:schemeClr>
-            </a:lnRef>
-            <a:fillRef idx="1">
-              <a:schemeClr val="accent1"/>
-            </a:fillRef>
-            <a:effectRef idx="0">
-              <a:schemeClr val="accent1"/>
-            </a:effectRef>
-            <a:fontRef idx="minor">
-              <a:schemeClr val="lt1"/>
-            </a:fontRef>
-          </p:style>
-          <p:txBody>
-            <a:bodyPr vert="horz" lIns="0" tIns="0" rIns="0" bIns="0" rtlCol="0" anchor="t" anchorCtr="0"/>
-            <a:lstStyle/>
-            <a:p>
-              <a:pPr algn="ctr"/>
-              <a:endParaRPr lang="pt-BR" b="1">
-                <a:solidFill>
-                  <a:schemeClr val="tx1"/>
-                </a:solidFill>
-                <a:latin typeface="Arial" panose="020B0604020202020204" pitchFamily="34" charset="0"/>
-                <a:cs typeface="Arial" panose="020B0604020202020204" pitchFamily="34" charset="0"/>
-              </a:endParaRPr>
-            </a:p>
-          </p:txBody>
-        </p:sp>
-        <p:pic>
-          <p:nvPicPr>
-            <p:cNvPr id="115" name="Imagem 114">
-              <a:extLst>
-                <a:ext uri="{FF2B5EF4-FFF2-40B4-BE49-F238E27FC236}">
-                  <a16:creationId xmlns:a16="http://schemas.microsoft.com/office/drawing/2014/main" id="{C508E1B6-ED8F-4F93-9691-CE931EE3E670}"/>
-                </a:ext>
-              </a:extLst>
-            </p:cNvPr>
-            <p:cNvPicPr>
-              <a:picLocks noChangeAspect="1"/>
-            </p:cNvPicPr>
-            <p:nvPr/>
-          </p:nvPicPr>
-          <p:blipFill>
-            <a:blip r:embed="rId9" cstate="hqprint">
-              <a:extLst>
-                <a:ext uri="{28A0092B-C50C-407E-A947-70E740481C1C}">
-                  <a14:useLocalDpi xmlns:a14="http://schemas.microsoft.com/office/drawing/2010/main" val="0"/>
-                </a:ext>
-              </a:extLst>
-            </a:blip>
-            <a:stretch>
-              <a:fillRect/>
-            </a:stretch>
-          </p:blipFill>
-          <p:spPr>
-            <a:xfrm rot="20168150">
-              <a:off x="5550520" y="5465480"/>
-              <a:ext cx="732298" cy="732298"/>
-            </a:xfrm>
-            <a:prstGeom prst="rect">
-              <a:avLst/>
-            </a:prstGeom>
-          </p:spPr>
-        </p:pic>
-      </p:grpSp>
-      <p:sp>
-        <p:nvSpPr>
-          <p:cNvPr id="127" name="Balão de Fala: Retângulo 126">
-            <a:extLst>
-              <a:ext uri="{FF2B5EF4-FFF2-40B4-BE49-F238E27FC236}">
-                <a16:creationId xmlns:a16="http://schemas.microsoft.com/office/drawing/2014/main" id="{09609CEE-345F-4747-92D5-0ED775C7DD98}"/>
-              </a:ext>
-            </a:extLst>
-          </p:cNvPr>
-          <p:cNvSpPr/>
-          <p:nvPr/>
-        </p:nvSpPr>
-        <p:spPr>
-          <a:xfrm rot="16200000" flipH="1">
-            <a:off x="1651037" y="2910933"/>
-            <a:ext cx="2549545" cy="4428613"/>
-          </a:xfrm>
-          <a:prstGeom prst="wedgeRectCallout">
-            <a:avLst>
-              <a:gd name="adj1" fmla="val -18827"/>
-              <a:gd name="adj2" fmla="val 57166"/>
-            </a:avLst>
-          </a:prstGeom>
-          <a:solidFill>
-            <a:srgbClr val="D5DCED">
-              <a:alpha val="73000"/>
-            </a:srgbClr>
-          </a:solidFill>
-          <a:ln>
-            <a:noFill/>
-          </a:ln>
-        </p:spPr>
-        <p:style>
-          <a:lnRef idx="2">
-            <a:schemeClr val="accent1">
-              <a:shade val="50000"/>
-            </a:schemeClr>
-          </a:lnRef>
-          <a:fillRef idx="1">
-            <a:schemeClr val="accent1"/>
-          </a:fillRef>
-          <a:effectRef idx="0">
-            <a:schemeClr val="accent1"/>
-          </a:effectRef>
-          <a:fontRef idx="minor">
-            <a:schemeClr val="lt1"/>
-          </a:fontRef>
-        </p:style>
-        <p:txBody>
-          <a:bodyPr rot="0" spcFirstLastPara="0" vertOverflow="overflow" horzOverflow="overflow" vert="horz" wrap="square" lIns="0" tIns="0" rIns="0" bIns="0" numCol="1" spcCol="0" rtlCol="0" fromWordArt="0" anchor="t" anchorCtr="0" forceAA="0" compatLnSpc="1">
-            <a:prstTxWarp prst="textNoShape">
-              <a:avLst/>
-            </a:prstTxWarp>
-            <a:noAutofit/>
-          </a:bodyPr>
-          <a:lstStyle/>
-          <a:p>
-            <a:pPr algn="ctr"/>
-            <a:endParaRPr lang="pt-BR" sz="1000" b="1" dirty="0">
-              <a:solidFill>
-                <a:schemeClr val="tx1"/>
-              </a:solidFill>
-              <a:latin typeface="Arial" panose="020B0604020202020204" pitchFamily="34" charset="0"/>
-              <a:cs typeface="Arial" panose="020B0604020202020204" pitchFamily="34" charset="0"/>
-            </a:endParaRPr>
-          </a:p>
-        </p:txBody>
-      </p:sp>
-      <p:sp>
-        <p:nvSpPr>
-          <p:cNvPr id="131" name="Retângulo 130">
-            <a:extLst>
-              <a:ext uri="{FF2B5EF4-FFF2-40B4-BE49-F238E27FC236}">
-                <a16:creationId xmlns:a16="http://schemas.microsoft.com/office/drawing/2014/main" id="{C5AF9394-550F-49A5-AE20-91469212FF37}"/>
-              </a:ext>
-            </a:extLst>
-          </p:cNvPr>
-          <p:cNvSpPr/>
-          <p:nvPr/>
-        </p:nvSpPr>
-        <p:spPr>
-          <a:xfrm>
-            <a:off x="804938" y="4120280"/>
-            <a:ext cx="3961406" cy="2019383"/>
-          </a:xfrm>
-          <a:prstGeom prst="rect">
-            <a:avLst/>
-          </a:prstGeom>
-          <a:noFill/>
-        </p:spPr>
-        <p:style>
-          <a:lnRef idx="2">
-            <a:schemeClr val="accent1">
-              <a:shade val="50000"/>
-            </a:schemeClr>
-          </a:lnRef>
-          <a:fillRef idx="1">
-            <a:schemeClr val="accent1"/>
-          </a:fillRef>
-          <a:effectRef idx="0">
-            <a:schemeClr val="accent1"/>
-          </a:effectRef>
-          <a:fontRef idx="minor">
-            <a:schemeClr val="lt1"/>
-          </a:fontRef>
-        </p:style>
-        <p:txBody>
-          <a:bodyPr rtlCol="0" anchor="ctr"/>
-          <a:lstStyle/>
-          <a:p>
-            <a:pPr algn="ctr"/>
-            <a:endParaRPr lang="pt-BR" sz="1000">
-              <a:latin typeface="Arial" panose="020B0604020202020204" pitchFamily="34" charset="0"/>
-              <a:cs typeface="Arial" panose="020B0604020202020204" pitchFamily="34" charset="0"/>
-            </a:endParaRPr>
-          </a:p>
-        </p:txBody>
-      </p:sp>
-      <p:cxnSp>
-        <p:nvCxnSpPr>
-          <p:cNvPr id="133" name="Conector reto 132">
-            <a:extLst>
-              <a:ext uri="{FF2B5EF4-FFF2-40B4-BE49-F238E27FC236}">
-                <a16:creationId xmlns:a16="http://schemas.microsoft.com/office/drawing/2014/main" id="{68CA41D4-C076-47F0-BC12-FF66B54B9E44}"/>
-              </a:ext>
-            </a:extLst>
-          </p:cNvPr>
-          <p:cNvCxnSpPr>
-            <a:cxnSpLocks/>
-          </p:cNvCxnSpPr>
-          <p:nvPr/>
-        </p:nvCxnSpPr>
-        <p:spPr>
-          <a:xfrm>
-            <a:off x="4280570" y="6287755"/>
-            <a:ext cx="614110" cy="0"/>
-          </a:xfrm>
-          <a:prstGeom prst="line">
-            <a:avLst/>
-          </a:prstGeom>
-        </p:spPr>
-        <p:style>
-          <a:lnRef idx="1">
-            <a:schemeClr val="accent1"/>
-          </a:lnRef>
-          <a:fillRef idx="0">
-            <a:schemeClr val="accent1"/>
-          </a:fillRef>
-          <a:effectRef idx="0">
-            <a:schemeClr val="accent1"/>
-          </a:effectRef>
-          <a:fontRef idx="minor">
-            <a:schemeClr val="tx1"/>
-          </a:fontRef>
-        </p:style>
-      </p:cxnSp>
-      <p:cxnSp>
-        <p:nvCxnSpPr>
-          <p:cNvPr id="139" name="Conector reto 138">
-            <a:extLst>
-              <a:ext uri="{FF2B5EF4-FFF2-40B4-BE49-F238E27FC236}">
-                <a16:creationId xmlns:a16="http://schemas.microsoft.com/office/drawing/2014/main" id="{6ADCA4F2-388C-4CB0-81F9-32A3F8759204}"/>
-              </a:ext>
-            </a:extLst>
-          </p:cNvPr>
-          <p:cNvCxnSpPr>
-            <a:cxnSpLocks/>
-          </p:cNvCxnSpPr>
-          <p:nvPr/>
-        </p:nvCxnSpPr>
-        <p:spPr>
-          <a:xfrm>
-            <a:off x="4894680" y="5673072"/>
-            <a:ext cx="1" cy="614683"/>
-          </a:xfrm>
-          <a:prstGeom prst="line">
-            <a:avLst/>
-          </a:prstGeom>
-        </p:spPr>
-        <p:style>
-          <a:lnRef idx="1">
-            <a:schemeClr val="accent1"/>
-          </a:lnRef>
-          <a:fillRef idx="0">
-            <a:schemeClr val="accent1"/>
-          </a:fillRef>
-          <a:effectRef idx="0">
-            <a:schemeClr val="accent1"/>
-          </a:effectRef>
-          <a:fontRef idx="minor">
-            <a:schemeClr val="tx1"/>
-          </a:fontRef>
-        </p:style>
-      </p:cxnSp>
-      <p:cxnSp>
-        <p:nvCxnSpPr>
-          <p:cNvPr id="142" name="Conector reto 141">
-            <a:extLst>
-              <a:ext uri="{FF2B5EF4-FFF2-40B4-BE49-F238E27FC236}">
-                <a16:creationId xmlns:a16="http://schemas.microsoft.com/office/drawing/2014/main" id="{B1B62246-ABD1-4389-B508-4AA0A3BF447D}"/>
-              </a:ext>
-            </a:extLst>
-          </p:cNvPr>
-          <p:cNvCxnSpPr>
-            <a:cxnSpLocks/>
-          </p:cNvCxnSpPr>
-          <p:nvPr/>
-        </p:nvCxnSpPr>
-        <p:spPr>
-          <a:xfrm>
-            <a:off x="4280570" y="6440155"/>
-            <a:ext cx="766510" cy="0"/>
-          </a:xfrm>
-          <a:prstGeom prst="line">
-            <a:avLst/>
-          </a:prstGeom>
-        </p:spPr>
-        <p:style>
-          <a:lnRef idx="1">
-            <a:schemeClr val="accent1"/>
-          </a:lnRef>
-          <a:fillRef idx="0">
-            <a:schemeClr val="accent1"/>
-          </a:fillRef>
-          <a:effectRef idx="0">
-            <a:schemeClr val="accent1"/>
-          </a:effectRef>
-          <a:fontRef idx="minor">
-            <a:schemeClr val="tx1"/>
-          </a:fontRef>
-        </p:style>
-      </p:cxnSp>
-      <p:cxnSp>
-        <p:nvCxnSpPr>
-          <p:cNvPr id="143" name="Conector reto 142">
-            <a:extLst>
-              <a:ext uri="{FF2B5EF4-FFF2-40B4-BE49-F238E27FC236}">
-                <a16:creationId xmlns:a16="http://schemas.microsoft.com/office/drawing/2014/main" id="{E5200738-2B4A-4FA7-A611-CCF04DD61129}"/>
-              </a:ext>
-            </a:extLst>
-          </p:cNvPr>
-          <p:cNvCxnSpPr>
-            <a:cxnSpLocks/>
-          </p:cNvCxnSpPr>
-          <p:nvPr/>
-        </p:nvCxnSpPr>
-        <p:spPr>
-          <a:xfrm>
-            <a:off x="5047081" y="5657030"/>
-            <a:ext cx="0" cy="783125"/>
-          </a:xfrm>
-          <a:prstGeom prst="line">
-            <a:avLst/>
-          </a:prstGeom>
-        </p:spPr>
-        <p:style>
-          <a:lnRef idx="1">
-            <a:schemeClr val="accent1"/>
-          </a:lnRef>
-          <a:fillRef idx="0">
-            <a:schemeClr val="accent1"/>
-          </a:fillRef>
-          <a:effectRef idx="0">
-            <a:schemeClr val="accent1"/>
-          </a:effectRef>
-          <a:fontRef idx="minor">
-            <a:schemeClr val="tx1"/>
-          </a:fontRef>
-        </p:style>
-      </p:cxnSp>
-      <p:sp>
-        <p:nvSpPr>
-          <p:cNvPr id="150" name="CaixaDeTexto 149">
-            <a:extLst>
-              <a:ext uri="{FF2B5EF4-FFF2-40B4-BE49-F238E27FC236}">
-                <a16:creationId xmlns:a16="http://schemas.microsoft.com/office/drawing/2014/main" id="{7D624791-C9E3-42A7-8C14-3176D871AA72}"/>
-              </a:ext>
-            </a:extLst>
-          </p:cNvPr>
-          <p:cNvSpPr txBox="1"/>
-          <p:nvPr/>
-        </p:nvSpPr>
-        <p:spPr>
-          <a:xfrm>
-            <a:off x="4542051" y="5869166"/>
-            <a:ext cx="216520" cy="246221"/>
-          </a:xfrm>
-          <a:prstGeom prst="rect">
-            <a:avLst/>
-          </a:prstGeom>
-          <a:noFill/>
-        </p:spPr>
-        <p:txBody>
-          <a:bodyPr wrap="square" rtlCol="0">
-            <a:spAutoFit/>
-          </a:bodyPr>
-          <a:lstStyle>
-            <a:defPPr>
-              <a:defRPr lang="pt-BR"/>
-            </a:defPPr>
-            <a:lvl1pPr>
-              <a:defRPr b="1">
-                <a:solidFill>
-                  <a:schemeClr val="accent5">
-                    <a:lumMod val="75000"/>
-                  </a:schemeClr>
-                </a:solidFill>
-                <a:latin typeface="Arial" panose="020B0604020202020204" pitchFamily="34" charset="0"/>
-                <a:cs typeface="Arial" panose="020B0604020202020204" pitchFamily="34" charset="0"/>
-              </a:defRPr>
-            </a:lvl1pPr>
-          </a:lstStyle>
-          <a:p>
-            <a:r>
-              <a:rPr lang="pt-BR" sz="1000" dirty="0"/>
-              <a:t>1</a:t>
-            </a:r>
-          </a:p>
-        </p:txBody>
-      </p:sp>
-      <p:sp>
-        <p:nvSpPr>
-          <p:cNvPr id="151" name="CaixaDeTexto 150">
-            <a:extLst>
-              <a:ext uri="{FF2B5EF4-FFF2-40B4-BE49-F238E27FC236}">
-                <a16:creationId xmlns:a16="http://schemas.microsoft.com/office/drawing/2014/main" id="{793B3030-1F45-4A23-BEBA-7936EE012D86}"/>
-              </a:ext>
-            </a:extLst>
-          </p:cNvPr>
-          <p:cNvSpPr txBox="1"/>
-          <p:nvPr/>
-        </p:nvSpPr>
-        <p:spPr>
-          <a:xfrm>
-            <a:off x="4823352" y="6214397"/>
-            <a:ext cx="216520" cy="246221"/>
-          </a:xfrm>
-          <a:prstGeom prst="rect">
-            <a:avLst/>
-          </a:prstGeom>
-          <a:noFill/>
-        </p:spPr>
-        <p:txBody>
-          <a:bodyPr wrap="square" rtlCol="0">
-            <a:spAutoFit/>
-          </a:bodyPr>
-          <a:lstStyle>
-            <a:defPPr>
-              <a:defRPr lang="pt-BR"/>
-            </a:defPPr>
-            <a:lvl1pPr>
-              <a:defRPr b="1">
-                <a:solidFill>
-                  <a:schemeClr val="accent5">
-                    <a:lumMod val="75000"/>
-                  </a:schemeClr>
-                </a:solidFill>
-                <a:latin typeface="Arial" panose="020B0604020202020204" pitchFamily="34" charset="0"/>
-                <a:cs typeface="Arial" panose="020B0604020202020204" pitchFamily="34" charset="0"/>
-              </a:defRPr>
-            </a:lvl1pPr>
-          </a:lstStyle>
-          <a:p>
-            <a:r>
-              <a:rPr lang="pt-BR" sz="1000" dirty="0"/>
-              <a:t>N</a:t>
-            </a:r>
-          </a:p>
-        </p:txBody>
-      </p:sp>
-      <p:sp>
-        <p:nvSpPr>
-          <p:cNvPr id="152" name="CaixaDeTexto 151">
-            <a:extLst>
-              <a:ext uri="{FF2B5EF4-FFF2-40B4-BE49-F238E27FC236}">
-                <a16:creationId xmlns:a16="http://schemas.microsoft.com/office/drawing/2014/main" id="{D8BF2662-C2A8-48BB-9D4D-E4047F163AF0}"/>
-              </a:ext>
-            </a:extLst>
-          </p:cNvPr>
-          <p:cNvSpPr txBox="1"/>
-          <p:nvPr/>
-        </p:nvSpPr>
-        <p:spPr>
-          <a:xfrm>
-            <a:off x="4726535" y="6037608"/>
-            <a:ext cx="216520" cy="246221"/>
-          </a:xfrm>
-          <a:prstGeom prst="rect">
-            <a:avLst/>
-          </a:prstGeom>
-          <a:noFill/>
-        </p:spPr>
-        <p:txBody>
-          <a:bodyPr wrap="square" rtlCol="0">
-            <a:spAutoFit/>
-          </a:bodyPr>
-          <a:lstStyle>
-            <a:defPPr>
-              <a:defRPr lang="pt-BR"/>
-            </a:defPPr>
-            <a:lvl1pPr>
-              <a:defRPr b="1">
-                <a:solidFill>
-                  <a:schemeClr val="accent5">
-                    <a:lumMod val="75000"/>
-                  </a:schemeClr>
-                </a:solidFill>
-                <a:latin typeface="Arial" panose="020B0604020202020204" pitchFamily="34" charset="0"/>
-                <a:cs typeface="Arial" panose="020B0604020202020204" pitchFamily="34" charset="0"/>
-              </a:defRPr>
-            </a:lvl1pPr>
-          </a:lstStyle>
-          <a:p>
-            <a:r>
-              <a:rPr lang="pt-BR" sz="1000" dirty="0"/>
-              <a:t>.</a:t>
-            </a:r>
-          </a:p>
-        </p:txBody>
-      </p:sp>
-      <p:sp>
-        <p:nvSpPr>
-          <p:cNvPr id="153" name="Retângulo 152">
-            <a:extLst>
-              <a:ext uri="{FF2B5EF4-FFF2-40B4-BE49-F238E27FC236}">
-                <a16:creationId xmlns:a16="http://schemas.microsoft.com/office/drawing/2014/main" id="{471ED2ED-28DB-49C1-9C61-0F41A5B99DD4}"/>
-              </a:ext>
-            </a:extLst>
-          </p:cNvPr>
-          <p:cNvSpPr/>
-          <p:nvPr/>
-        </p:nvSpPr>
-        <p:spPr>
-          <a:xfrm>
-            <a:off x="962703" y="4272681"/>
-            <a:ext cx="3649641" cy="1487722"/>
-          </a:xfrm>
-          <a:prstGeom prst="rect">
-            <a:avLst/>
-          </a:prstGeom>
-          <a:noFill/>
-        </p:spPr>
-        <p:style>
-          <a:lnRef idx="2">
-            <a:schemeClr val="accent1">
-              <a:shade val="50000"/>
-            </a:schemeClr>
-          </a:lnRef>
-          <a:fillRef idx="1">
-            <a:schemeClr val="accent1"/>
-          </a:fillRef>
-          <a:effectRef idx="0">
-            <a:schemeClr val="accent1"/>
-          </a:effectRef>
-          <a:fontRef idx="minor">
-            <a:schemeClr val="lt1"/>
-          </a:fontRef>
-        </p:style>
-        <p:txBody>
-          <a:bodyPr rtlCol="0" anchor="ctr"/>
-          <a:lstStyle/>
-          <a:p>
-            <a:pPr algn="ctr"/>
-            <a:endParaRPr lang="pt-BR" sz="1000">
-              <a:latin typeface="Arial" panose="020B0604020202020204" pitchFamily="34" charset="0"/>
-              <a:cs typeface="Arial" panose="020B0604020202020204" pitchFamily="34" charset="0"/>
-            </a:endParaRPr>
-          </a:p>
-        </p:txBody>
-      </p:sp>
-      <p:sp>
-        <p:nvSpPr>
-          <p:cNvPr id="154" name="CaixaDeTexto 153">
-            <a:extLst>
-              <a:ext uri="{FF2B5EF4-FFF2-40B4-BE49-F238E27FC236}">
-                <a16:creationId xmlns:a16="http://schemas.microsoft.com/office/drawing/2014/main" id="{ABEF8668-42A4-46C7-9C5A-A591B80339C8}"/>
-              </a:ext>
-            </a:extLst>
-          </p:cNvPr>
-          <p:cNvSpPr txBox="1"/>
-          <p:nvPr/>
-        </p:nvSpPr>
-        <p:spPr>
-          <a:xfrm>
-            <a:off x="775514" y="5839146"/>
-            <a:ext cx="953918" cy="246221"/>
-          </a:xfrm>
-          <a:prstGeom prst="rect">
-            <a:avLst/>
-          </a:prstGeom>
-          <a:noFill/>
-        </p:spPr>
-        <p:txBody>
-          <a:bodyPr wrap="square" rtlCol="0">
-            <a:spAutoFit/>
-          </a:bodyPr>
-          <a:lstStyle>
-            <a:defPPr>
-              <a:defRPr lang="pt-BR"/>
-            </a:defPPr>
-            <a:lvl1pPr>
-              <a:defRPr sz="1200" b="1">
-                <a:solidFill>
-                  <a:schemeClr val="accent5">
-                    <a:lumMod val="75000"/>
-                  </a:schemeClr>
-                </a:solidFill>
-                <a:latin typeface="Arial" panose="020B0604020202020204" pitchFamily="34" charset="0"/>
-                <a:cs typeface="Arial" panose="020B0604020202020204" pitchFamily="34" charset="0"/>
-              </a:defRPr>
-            </a:lvl1pPr>
-          </a:lstStyle>
-          <a:p>
-            <a:r>
-              <a:rPr lang="pt-BR" sz="1000" dirty="0" err="1"/>
-              <a:t>svr</a:t>
-            </a:r>
-            <a:endParaRPr lang="pt-BR" sz="1000" dirty="0"/>
-          </a:p>
-        </p:txBody>
-      </p:sp>
-      <p:sp>
-        <p:nvSpPr>
-          <p:cNvPr id="155" name="Retângulo 154">
-            <a:extLst>
-              <a:ext uri="{FF2B5EF4-FFF2-40B4-BE49-F238E27FC236}">
-                <a16:creationId xmlns:a16="http://schemas.microsoft.com/office/drawing/2014/main" id="{22B4CB2D-6BBE-4A9C-9869-14315B89DD0C}"/>
-              </a:ext>
-            </a:extLst>
-          </p:cNvPr>
-          <p:cNvSpPr/>
-          <p:nvPr/>
-        </p:nvSpPr>
-        <p:spPr>
-          <a:xfrm>
-            <a:off x="1115104" y="4425081"/>
-            <a:ext cx="3315260" cy="983452"/>
-          </a:xfrm>
-          <a:prstGeom prst="rect">
-            <a:avLst/>
-          </a:prstGeom>
-          <a:noFill/>
-        </p:spPr>
-        <p:style>
-          <a:lnRef idx="2">
-            <a:schemeClr val="accent1">
-              <a:shade val="50000"/>
-            </a:schemeClr>
-          </a:lnRef>
-          <a:fillRef idx="1">
-            <a:schemeClr val="accent1"/>
-          </a:fillRef>
-          <a:effectRef idx="0">
-            <a:schemeClr val="accent1"/>
-          </a:effectRef>
-          <a:fontRef idx="minor">
-            <a:schemeClr val="lt1"/>
-          </a:fontRef>
-        </p:style>
-        <p:txBody>
-          <a:bodyPr rtlCol="0" anchor="ctr"/>
-          <a:lstStyle/>
-          <a:p>
-            <a:pPr algn="ctr"/>
-            <a:endParaRPr lang="pt-BR" sz="1000">
-              <a:latin typeface="Arial" panose="020B0604020202020204" pitchFamily="34" charset="0"/>
-              <a:cs typeface="Arial" panose="020B0604020202020204" pitchFamily="34" charset="0"/>
-            </a:endParaRPr>
-          </a:p>
-        </p:txBody>
-      </p:sp>
-      <p:sp>
-        <p:nvSpPr>
-          <p:cNvPr id="156" name="CaixaDeTexto 155">
-            <a:extLst>
-              <a:ext uri="{FF2B5EF4-FFF2-40B4-BE49-F238E27FC236}">
-                <a16:creationId xmlns:a16="http://schemas.microsoft.com/office/drawing/2014/main" id="{E86A6DF3-024F-4DF7-81D3-D5A7DEEECB24}"/>
-              </a:ext>
-            </a:extLst>
-          </p:cNvPr>
-          <p:cNvSpPr txBox="1"/>
-          <p:nvPr/>
-        </p:nvSpPr>
-        <p:spPr>
-          <a:xfrm>
-            <a:off x="946308" y="5443554"/>
-            <a:ext cx="953918" cy="246221"/>
-          </a:xfrm>
-          <a:prstGeom prst="rect">
-            <a:avLst/>
-          </a:prstGeom>
-          <a:noFill/>
-        </p:spPr>
-        <p:txBody>
-          <a:bodyPr wrap="square" rtlCol="0">
-            <a:spAutoFit/>
-          </a:bodyPr>
-          <a:lstStyle>
-            <a:defPPr>
-              <a:defRPr lang="pt-BR"/>
-            </a:defPPr>
-            <a:lvl1pPr>
-              <a:defRPr sz="1200" b="1">
-                <a:solidFill>
-                  <a:schemeClr val="accent5">
-                    <a:lumMod val="75000"/>
-                  </a:schemeClr>
-                </a:solidFill>
-                <a:latin typeface="Arial" panose="020B0604020202020204" pitchFamily="34" charset="0"/>
-                <a:cs typeface="Arial" panose="020B0604020202020204" pitchFamily="34" charset="0"/>
-              </a:defRPr>
-            </a:lvl1pPr>
-          </a:lstStyle>
-          <a:p>
-            <a:r>
-              <a:rPr lang="pt-BR" sz="1000" dirty="0" err="1"/>
-              <a:t>so</a:t>
-            </a:r>
-            <a:endParaRPr lang="pt-BR" sz="1000" dirty="0"/>
-          </a:p>
-        </p:txBody>
-      </p:sp>
-      <p:sp>
-        <p:nvSpPr>
-          <p:cNvPr id="157" name="CaixaDeTexto 156">
-            <a:extLst>
-              <a:ext uri="{FF2B5EF4-FFF2-40B4-BE49-F238E27FC236}">
-                <a16:creationId xmlns:a16="http://schemas.microsoft.com/office/drawing/2014/main" id="{DE67AA34-1360-4605-B91B-DCF892794BE2}"/>
-              </a:ext>
-            </a:extLst>
-          </p:cNvPr>
-          <p:cNvSpPr txBox="1"/>
-          <p:nvPr/>
-        </p:nvSpPr>
-        <p:spPr>
-          <a:xfrm>
-            <a:off x="1106434" y="5093825"/>
-            <a:ext cx="953918" cy="246221"/>
-          </a:xfrm>
-          <a:prstGeom prst="rect">
-            <a:avLst/>
-          </a:prstGeom>
-          <a:noFill/>
-        </p:spPr>
-        <p:txBody>
-          <a:bodyPr wrap="square" rtlCol="0">
-            <a:spAutoFit/>
-          </a:bodyPr>
-          <a:lstStyle>
-            <a:defPPr>
-              <a:defRPr lang="pt-BR"/>
-            </a:defPPr>
-            <a:lvl1pPr>
-              <a:defRPr sz="1200" b="1">
-                <a:solidFill>
-                  <a:schemeClr val="accent5">
-                    <a:lumMod val="75000"/>
-                  </a:schemeClr>
-                </a:solidFill>
-                <a:latin typeface="Arial" panose="020B0604020202020204" pitchFamily="34" charset="0"/>
-                <a:cs typeface="Arial" panose="020B0604020202020204" pitchFamily="34" charset="0"/>
-              </a:defRPr>
-            </a:lvl1pPr>
-          </a:lstStyle>
-          <a:p>
-            <a:r>
-              <a:rPr lang="pt-BR" sz="1000" dirty="0"/>
-              <a:t>app</a:t>
-            </a:r>
-          </a:p>
-        </p:txBody>
-      </p:sp>
-      <p:pic>
-        <p:nvPicPr>
-          <p:cNvPr id="159" name="Imagem 158">
-            <a:extLst>
-              <a:ext uri="{FF2B5EF4-FFF2-40B4-BE49-F238E27FC236}">
-                <a16:creationId xmlns:a16="http://schemas.microsoft.com/office/drawing/2014/main" id="{6BBA8F8E-4808-4468-B9DB-58CCEBE71661}"/>
-              </a:ext>
-            </a:extLst>
-          </p:cNvPr>
-          <p:cNvPicPr>
-            <a:picLocks noChangeAspect="1"/>
-          </p:cNvPicPr>
-          <p:nvPr/>
-        </p:nvPicPr>
-        <p:blipFill>
-          <a:blip r:embed="rId10" cstate="hqprint">
-            <a:extLst>
-              <a:ext uri="{28A0092B-C50C-407E-A947-70E740481C1C}">
-                <a14:useLocalDpi xmlns:a14="http://schemas.microsoft.com/office/drawing/2010/main" val="0"/>
-              </a:ext>
-            </a:extLst>
-          </a:blip>
-          <a:stretch>
-            <a:fillRect/>
-          </a:stretch>
-        </p:blipFill>
-        <p:spPr>
-          <a:xfrm>
-            <a:off x="1045223" y="4452652"/>
-            <a:ext cx="578606" cy="578606"/>
-          </a:xfrm>
-          <a:prstGeom prst="rect">
-            <a:avLst/>
-          </a:prstGeom>
-        </p:spPr>
-      </p:pic>
-      <p:sp>
-        <p:nvSpPr>
-          <p:cNvPr id="162" name="Retângulo 161">
-            <a:extLst>
-              <a:ext uri="{FF2B5EF4-FFF2-40B4-BE49-F238E27FC236}">
-                <a16:creationId xmlns:a16="http://schemas.microsoft.com/office/drawing/2014/main" id="{C41C6C10-9338-496E-830C-9B8AFD22A141}"/>
-              </a:ext>
-            </a:extLst>
-          </p:cNvPr>
-          <p:cNvSpPr/>
-          <p:nvPr/>
-        </p:nvSpPr>
-        <p:spPr>
-          <a:xfrm>
-            <a:off x="1706349" y="4551414"/>
-            <a:ext cx="678282" cy="315261"/>
-          </a:xfrm>
-          <a:prstGeom prst="rect">
-            <a:avLst/>
-          </a:prstGeom>
-          <a:noFill/>
-        </p:spPr>
-        <p:style>
-          <a:lnRef idx="2">
-            <a:schemeClr val="accent1">
-              <a:shade val="50000"/>
-            </a:schemeClr>
-          </a:lnRef>
-          <a:fillRef idx="1">
-            <a:schemeClr val="accent1"/>
-          </a:fillRef>
-          <a:effectRef idx="0">
-            <a:schemeClr val="accent1"/>
-          </a:effectRef>
-          <a:fontRef idx="minor">
-            <a:schemeClr val="lt1"/>
-          </a:fontRef>
-        </p:style>
-        <p:txBody>
-          <a:bodyPr rot="0" spcFirstLastPara="0" vertOverflow="overflow" horzOverflow="overflow" vert="horz" wrap="square" lIns="91440" tIns="45720" rIns="91440" bIns="45720" numCol="1" spcCol="0" rtlCol="0" fromWordArt="0" anchor="ctr" anchorCtr="0" forceAA="0" compatLnSpc="1">
-            <a:prstTxWarp prst="textNoShape">
-              <a:avLst/>
-            </a:prstTxWarp>
-            <a:noAutofit/>
-          </a:bodyPr>
-          <a:lstStyle/>
-          <a:p>
-            <a:pPr algn="ctr"/>
-            <a:r>
-              <a:rPr lang="pt-BR" sz="1000" dirty="0">
-                <a:solidFill>
-                  <a:schemeClr val="tx1"/>
-                </a:solidFill>
-                <a:latin typeface="Arial" panose="020B0604020202020204" pitchFamily="34" charset="0"/>
-                <a:cs typeface="Arial" panose="020B0604020202020204" pitchFamily="34" charset="0"/>
-              </a:rPr>
-              <a:t>API</a:t>
-            </a:r>
-          </a:p>
-        </p:txBody>
-      </p:sp>
-      <p:sp>
-        <p:nvSpPr>
-          <p:cNvPr id="163" name="Retângulo 162">
-            <a:extLst>
-              <a:ext uri="{FF2B5EF4-FFF2-40B4-BE49-F238E27FC236}">
-                <a16:creationId xmlns:a16="http://schemas.microsoft.com/office/drawing/2014/main" id="{1CAD6A07-27F1-425E-B2CA-55DE1D072021}"/>
-              </a:ext>
-            </a:extLst>
-          </p:cNvPr>
-          <p:cNvSpPr/>
-          <p:nvPr/>
-        </p:nvSpPr>
-        <p:spPr>
-          <a:xfrm>
-            <a:off x="1694114" y="4975577"/>
-            <a:ext cx="678282" cy="315261"/>
-          </a:xfrm>
-          <a:prstGeom prst="rect">
-            <a:avLst/>
-          </a:prstGeom>
-          <a:noFill/>
-        </p:spPr>
-        <p:style>
-          <a:lnRef idx="2">
-            <a:schemeClr val="accent1">
-              <a:shade val="50000"/>
-            </a:schemeClr>
-          </a:lnRef>
-          <a:fillRef idx="1">
-            <a:schemeClr val="accent1"/>
-          </a:fillRef>
-          <a:effectRef idx="0">
-            <a:schemeClr val="accent1"/>
-          </a:effectRef>
-          <a:fontRef idx="minor">
-            <a:schemeClr val="lt1"/>
-          </a:fontRef>
-        </p:style>
-        <p:txBody>
-          <a:bodyPr rot="0" spcFirstLastPara="0" vertOverflow="overflow" horzOverflow="overflow" vert="horz" wrap="square" lIns="91440" tIns="45720" rIns="91440" bIns="45720" numCol="1" spcCol="0" rtlCol="0" fromWordArt="0" anchor="ctr" anchorCtr="0" forceAA="0" compatLnSpc="1">
-            <a:prstTxWarp prst="textNoShape">
-              <a:avLst/>
-            </a:prstTxWarp>
-            <a:noAutofit/>
-          </a:bodyPr>
-          <a:lstStyle/>
-          <a:p>
-            <a:pPr algn="ctr"/>
-            <a:r>
-              <a:rPr lang="pt-BR" sz="1000" dirty="0" smtClean="0">
-                <a:solidFill>
-                  <a:schemeClr val="tx1"/>
-                </a:solidFill>
-                <a:latin typeface="Arial" panose="020B0604020202020204" pitchFamily="34" charset="0"/>
-                <a:cs typeface="Arial" panose="020B0604020202020204" pitchFamily="34" charset="0"/>
-              </a:rPr>
-              <a:t>JSENSORS</a:t>
-            </a:r>
-            <a:endParaRPr lang="pt-BR" sz="1000" dirty="0">
-              <a:solidFill>
-                <a:schemeClr val="tx1"/>
-              </a:solidFill>
-              <a:latin typeface="Arial" panose="020B0604020202020204" pitchFamily="34" charset="0"/>
-              <a:cs typeface="Arial" panose="020B0604020202020204" pitchFamily="34" charset="0"/>
-            </a:endParaRPr>
-          </a:p>
-        </p:txBody>
-      </p:sp>
-      <p:sp>
-        <p:nvSpPr>
-          <p:cNvPr id="164" name="Retângulo 163">
-            <a:extLst>
-              <a:ext uri="{FF2B5EF4-FFF2-40B4-BE49-F238E27FC236}">
-                <a16:creationId xmlns:a16="http://schemas.microsoft.com/office/drawing/2014/main" id="{187AF460-B8AE-4783-9B22-4E80D89E01D7}"/>
-              </a:ext>
-            </a:extLst>
-          </p:cNvPr>
-          <p:cNvSpPr/>
-          <p:nvPr/>
-        </p:nvSpPr>
-        <p:spPr>
-          <a:xfrm>
-            <a:off x="2601803" y="4551414"/>
-            <a:ext cx="678282" cy="315261"/>
-          </a:xfrm>
-          <a:prstGeom prst="rect">
-            <a:avLst/>
-          </a:prstGeom>
-          <a:noFill/>
-        </p:spPr>
-        <p:style>
-          <a:lnRef idx="2">
-            <a:schemeClr val="accent1">
-              <a:shade val="50000"/>
-            </a:schemeClr>
-          </a:lnRef>
-          <a:fillRef idx="1">
-            <a:schemeClr val="accent1"/>
-          </a:fillRef>
-          <a:effectRef idx="0">
-            <a:schemeClr val="accent1"/>
-          </a:effectRef>
-          <a:fontRef idx="minor">
-            <a:schemeClr val="lt1"/>
-          </a:fontRef>
-        </p:style>
-        <p:txBody>
-          <a:bodyPr rot="0" spcFirstLastPara="0" vertOverflow="overflow" horzOverflow="overflow" vert="horz" wrap="square" lIns="91440" tIns="45720" rIns="91440" bIns="45720" numCol="1" spcCol="0" rtlCol="0" fromWordArt="0" anchor="ctr" anchorCtr="0" forceAA="0" compatLnSpc="1">
-            <a:prstTxWarp prst="textNoShape">
-              <a:avLst/>
-            </a:prstTxWarp>
-            <a:noAutofit/>
-          </a:bodyPr>
-          <a:lstStyle/>
-          <a:p>
-            <a:pPr algn="ctr"/>
-            <a:r>
-              <a:rPr lang="pt-BR" sz="1000" dirty="0">
-                <a:solidFill>
-                  <a:schemeClr val="tx1"/>
-                </a:solidFill>
-                <a:latin typeface="Arial" panose="020B0604020202020204" pitchFamily="34" charset="0"/>
-                <a:cs typeface="Arial" panose="020B0604020202020204" pitchFamily="34" charset="0"/>
-              </a:rPr>
-              <a:t>JDBC</a:t>
-            </a:r>
-          </a:p>
-        </p:txBody>
-      </p:sp>
-      <p:sp>
-        <p:nvSpPr>
-          <p:cNvPr id="165" name="Retângulo 164">
-            <a:extLst>
-              <a:ext uri="{FF2B5EF4-FFF2-40B4-BE49-F238E27FC236}">
-                <a16:creationId xmlns:a16="http://schemas.microsoft.com/office/drawing/2014/main" id="{B6459840-A2F1-4839-BF95-0ED7DA700836}"/>
-              </a:ext>
-            </a:extLst>
-          </p:cNvPr>
-          <p:cNvSpPr/>
-          <p:nvPr/>
-        </p:nvSpPr>
-        <p:spPr>
-          <a:xfrm>
-            <a:off x="2602238" y="4975013"/>
-            <a:ext cx="678282" cy="315261"/>
-          </a:xfrm>
-          <a:prstGeom prst="rect">
-            <a:avLst/>
-          </a:prstGeom>
-          <a:noFill/>
-        </p:spPr>
-        <p:style>
-          <a:lnRef idx="2">
-            <a:schemeClr val="accent1">
-              <a:shade val="50000"/>
-            </a:schemeClr>
-          </a:lnRef>
-          <a:fillRef idx="1">
-            <a:schemeClr val="accent1"/>
-          </a:fillRef>
-          <a:effectRef idx="0">
-            <a:schemeClr val="accent1"/>
-          </a:effectRef>
-          <a:fontRef idx="minor">
-            <a:schemeClr val="lt1"/>
-          </a:fontRef>
-        </p:style>
-        <p:txBody>
-          <a:bodyPr rot="0" spcFirstLastPara="0" vertOverflow="overflow" horzOverflow="overflow" vert="horz" wrap="square" lIns="91440" tIns="45720" rIns="91440" bIns="45720" numCol="1" spcCol="0" rtlCol="0" fromWordArt="0" anchor="ctr" anchorCtr="0" forceAA="0" compatLnSpc="1">
-            <a:prstTxWarp prst="textNoShape">
-              <a:avLst/>
-            </a:prstTxWarp>
-            <a:noAutofit/>
-          </a:bodyPr>
-          <a:lstStyle/>
-          <a:p>
-            <a:pPr algn="ctr"/>
-            <a:r>
-              <a:rPr lang="pt-BR" sz="1000" dirty="0">
-                <a:solidFill>
-                  <a:schemeClr val="tx1"/>
-                </a:solidFill>
-                <a:latin typeface="Arial" panose="020B0604020202020204" pitchFamily="34" charset="0"/>
-                <a:cs typeface="Arial" panose="020B0604020202020204" pitchFamily="34" charset="0"/>
-              </a:rPr>
-              <a:t>OSHI</a:t>
-            </a:r>
-          </a:p>
-        </p:txBody>
-      </p:sp>
-      <p:sp>
-        <p:nvSpPr>
-          <p:cNvPr id="166" name="Retângulo 165">
-            <a:extLst>
-              <a:ext uri="{FF2B5EF4-FFF2-40B4-BE49-F238E27FC236}">
-                <a16:creationId xmlns:a16="http://schemas.microsoft.com/office/drawing/2014/main" id="{6B168288-3281-4595-8F2D-E317F2C55936}"/>
-              </a:ext>
-            </a:extLst>
-          </p:cNvPr>
-          <p:cNvSpPr/>
-          <p:nvPr/>
-        </p:nvSpPr>
-        <p:spPr>
-          <a:xfrm>
-            <a:off x="3498256" y="4554098"/>
-            <a:ext cx="678282" cy="315261"/>
-          </a:xfrm>
-          <a:prstGeom prst="rect">
-            <a:avLst/>
-          </a:prstGeom>
-          <a:noFill/>
-        </p:spPr>
-        <p:style>
-          <a:lnRef idx="2">
-            <a:schemeClr val="accent1">
-              <a:shade val="50000"/>
-            </a:schemeClr>
-          </a:lnRef>
-          <a:fillRef idx="1">
-            <a:schemeClr val="accent1"/>
-          </a:fillRef>
-          <a:effectRef idx="0">
-            <a:schemeClr val="accent1"/>
-          </a:effectRef>
-          <a:fontRef idx="minor">
-            <a:schemeClr val="lt1"/>
-          </a:fontRef>
-        </p:style>
-        <p:txBody>
-          <a:bodyPr rot="0" spcFirstLastPara="0" vertOverflow="overflow" horzOverflow="overflow" vert="horz" wrap="square" lIns="91440" tIns="45720" rIns="91440" bIns="45720" numCol="1" spcCol="0" rtlCol="0" fromWordArt="0" anchor="ctr" anchorCtr="0" forceAA="0" compatLnSpc="1">
-            <a:prstTxWarp prst="textNoShape">
-              <a:avLst/>
-            </a:prstTxWarp>
-            <a:noAutofit/>
-          </a:bodyPr>
-          <a:lstStyle/>
-          <a:p>
-            <a:pPr algn="ctr"/>
-            <a:r>
-              <a:rPr lang="pt-BR" sz="1000" dirty="0">
-                <a:solidFill>
-                  <a:schemeClr val="tx1"/>
-                </a:solidFill>
-                <a:latin typeface="Arial" panose="020B0604020202020204" pitchFamily="34" charset="0"/>
-                <a:cs typeface="Arial" panose="020B0604020202020204" pitchFamily="34" charset="0"/>
-              </a:rPr>
-              <a:t>LOG</a:t>
-            </a:r>
-          </a:p>
-        </p:txBody>
-      </p:sp>
-      <p:sp>
-        <p:nvSpPr>
-          <p:cNvPr id="167" name="Retângulo 166">
-            <a:extLst>
-              <a:ext uri="{FF2B5EF4-FFF2-40B4-BE49-F238E27FC236}">
-                <a16:creationId xmlns:a16="http://schemas.microsoft.com/office/drawing/2014/main" id="{C85E6B47-B8A4-4852-B3BD-67597F99B715}"/>
-              </a:ext>
-            </a:extLst>
-          </p:cNvPr>
-          <p:cNvSpPr/>
-          <p:nvPr/>
-        </p:nvSpPr>
-        <p:spPr>
-          <a:xfrm>
-            <a:off x="3498256" y="4975013"/>
-            <a:ext cx="678282" cy="315261"/>
-          </a:xfrm>
-          <a:prstGeom prst="rect">
-            <a:avLst/>
-          </a:prstGeom>
-          <a:noFill/>
-        </p:spPr>
-        <p:style>
-          <a:lnRef idx="2">
-            <a:schemeClr val="accent1">
-              <a:shade val="50000"/>
-            </a:schemeClr>
-          </a:lnRef>
-          <a:fillRef idx="1">
-            <a:schemeClr val="accent1"/>
-          </a:fillRef>
-          <a:effectRef idx="0">
-            <a:schemeClr val="accent1"/>
-          </a:effectRef>
-          <a:fontRef idx="minor">
-            <a:schemeClr val="lt1"/>
-          </a:fontRef>
-        </p:style>
-        <p:txBody>
-          <a:bodyPr rot="0" spcFirstLastPara="0" vertOverflow="overflow" horzOverflow="overflow" vert="horz" wrap="square" lIns="91440" tIns="45720" rIns="91440" bIns="45720" numCol="1" spcCol="0" rtlCol="0" fromWordArt="0" anchor="ctr" anchorCtr="0" forceAA="0" compatLnSpc="1">
-            <a:prstTxWarp prst="textNoShape">
-              <a:avLst/>
-            </a:prstTxWarp>
-            <a:noAutofit/>
-          </a:bodyPr>
-          <a:lstStyle/>
-          <a:p>
-            <a:pPr algn="ctr"/>
-            <a:r>
-              <a:rPr lang="pt-BR" sz="1000" dirty="0">
-                <a:solidFill>
-                  <a:schemeClr val="tx1"/>
-                </a:solidFill>
-                <a:latin typeface="Arial" panose="020B0604020202020204" pitchFamily="34" charset="0"/>
-                <a:cs typeface="Arial" panose="020B0604020202020204" pitchFamily="34" charset="0"/>
-              </a:rPr>
-              <a:t>SWING</a:t>
-            </a:r>
-          </a:p>
-        </p:txBody>
-      </p:sp>
-      <p:grpSp>
-        <p:nvGrpSpPr>
-          <p:cNvPr id="5" name="Agrupar 4"/>
-          <p:cNvGrpSpPr/>
-          <p:nvPr/>
-        </p:nvGrpSpPr>
-        <p:grpSpPr>
-          <a:xfrm>
-            <a:off x="5976222" y="3878675"/>
-            <a:ext cx="1057818" cy="1057818"/>
-            <a:chOff x="6670557" y="3390870"/>
-            <a:chExt cx="1057818" cy="1057818"/>
-          </a:xfrm>
-        </p:grpSpPr>
-        <p:pic>
-          <p:nvPicPr>
-            <p:cNvPr id="83" name="Imagem 82">
-              <a:extLst>
-                <a:ext uri="{FF2B5EF4-FFF2-40B4-BE49-F238E27FC236}">
-                  <a16:creationId xmlns:a16="http://schemas.microsoft.com/office/drawing/2014/main" id="{6A26E7A8-FBB5-4E65-9510-7C21682DDADC}"/>
-                </a:ext>
-              </a:extLst>
-            </p:cNvPr>
-            <p:cNvPicPr>
-              <a:picLocks noChangeAspect="1"/>
-            </p:cNvPicPr>
-            <p:nvPr/>
-          </p:nvPicPr>
-          <p:blipFill>
-            <a:blip r:embed="rId11" cstate="hqprint">
-              <a:extLst>
-                <a:ext uri="{28A0092B-C50C-407E-A947-70E740481C1C}">
-                  <a14:useLocalDpi xmlns:a14="http://schemas.microsoft.com/office/drawing/2010/main" val="0"/>
-                </a:ext>
-              </a:extLst>
-            </a:blip>
-            <a:stretch>
-              <a:fillRect/>
-            </a:stretch>
-          </p:blipFill>
-          <p:spPr>
-            <a:xfrm>
-              <a:off x="6670557" y="3390870"/>
-              <a:ext cx="1057818" cy="1057818"/>
-            </a:xfrm>
-            <a:prstGeom prst="rect">
-              <a:avLst/>
-            </a:prstGeom>
-          </p:spPr>
-        </p:pic>
-        <p:sp>
-          <p:nvSpPr>
-            <p:cNvPr id="84" name="CaixaDeTexto 83">
-              <a:extLst>
-                <a:ext uri="{FF2B5EF4-FFF2-40B4-BE49-F238E27FC236}">
-                  <a16:creationId xmlns:a16="http://schemas.microsoft.com/office/drawing/2014/main" id="{85A0D3AA-7DA8-4BB6-A2F7-B0C9479944D8}"/>
-                </a:ext>
-              </a:extLst>
-            </p:cNvPr>
-            <p:cNvSpPr txBox="1"/>
-            <p:nvPr/>
-          </p:nvSpPr>
-          <p:spPr>
-            <a:xfrm>
-              <a:off x="6728186" y="3659091"/>
-              <a:ext cx="917534" cy="246221"/>
-            </a:xfrm>
-            <a:prstGeom prst="rect">
-              <a:avLst/>
-            </a:prstGeom>
-            <a:noFill/>
-          </p:spPr>
-          <p:txBody>
-            <a:bodyPr wrap="square" rtlCol="0">
-              <a:spAutoFit/>
-            </a:bodyPr>
-            <a:lstStyle/>
-            <a:p>
-              <a:pPr algn="ctr"/>
-              <a:r>
-                <a:rPr lang="pt-BR" sz="1000" dirty="0">
-                  <a:solidFill>
-                    <a:schemeClr val="bg2">
-                      <a:lumMod val="50000"/>
-                    </a:schemeClr>
-                  </a:solidFill>
-                  <a:latin typeface="Arial" panose="020B0604020202020204" pitchFamily="34" charset="0"/>
-                  <a:cs typeface="Arial" panose="020B0604020202020204" pitchFamily="34" charset="0"/>
-                </a:rPr>
-                <a:t>SVR</a:t>
-              </a:r>
-            </a:p>
-          </p:txBody>
-        </p:sp>
-      </p:grpSp>
-      <p:grpSp>
-        <p:nvGrpSpPr>
-          <p:cNvPr id="9" name="Agrupar 8"/>
-          <p:cNvGrpSpPr/>
-          <p:nvPr/>
-        </p:nvGrpSpPr>
-        <p:grpSpPr>
-          <a:xfrm>
-            <a:off x="10594411" y="1128780"/>
-            <a:ext cx="1151806" cy="2280469"/>
-            <a:chOff x="10594411" y="1220221"/>
-            <a:chExt cx="1151806" cy="2280469"/>
-          </a:xfrm>
-        </p:grpSpPr>
-        <p:sp>
-          <p:nvSpPr>
-            <p:cNvPr id="79" name="Retângulo 78">
-              <a:extLst>
-                <a:ext uri="{FF2B5EF4-FFF2-40B4-BE49-F238E27FC236}">
-                  <a16:creationId xmlns:a16="http://schemas.microsoft.com/office/drawing/2014/main" id="{CE467177-4BBF-4DAE-AC24-319BF77F6831}"/>
-                </a:ext>
-              </a:extLst>
-            </p:cNvPr>
-            <p:cNvSpPr/>
-            <p:nvPr/>
-          </p:nvSpPr>
-          <p:spPr>
-            <a:xfrm rot="5400000">
-              <a:off x="10044575" y="1770057"/>
-              <a:ext cx="2251477" cy="1151806"/>
-            </a:xfrm>
-            <a:prstGeom prst="rect">
-              <a:avLst/>
-            </a:prstGeom>
-            <a:solidFill>
-              <a:srgbClr val="D5DCED">
-                <a:alpha val="25098"/>
-              </a:srgbClr>
-            </a:solidFill>
-            <a:ln>
-              <a:noFill/>
-            </a:ln>
-          </p:spPr>
-          <p:style>
-            <a:lnRef idx="2">
-              <a:schemeClr val="accent1">
-                <a:shade val="50000"/>
-              </a:schemeClr>
-            </a:lnRef>
-            <a:fillRef idx="1">
-              <a:schemeClr val="accent1"/>
-            </a:fillRef>
-            <a:effectRef idx="0">
-              <a:schemeClr val="accent1"/>
-            </a:effectRef>
-            <a:fontRef idx="minor">
-              <a:schemeClr val="lt1"/>
-            </a:fontRef>
-          </p:style>
-          <p:txBody>
-            <a:bodyPr vert="horz" lIns="0" tIns="0" rIns="0" bIns="0" rtlCol="0" anchor="t" anchorCtr="0"/>
-            <a:lstStyle/>
-            <a:p>
-              <a:pPr algn="ctr"/>
-              <a:r>
-                <a:rPr lang="pt-BR" sz="1400" b="1" dirty="0">
-                  <a:solidFill>
-                    <a:schemeClr val="tx1"/>
-                  </a:solidFill>
-                  <a:latin typeface="Arial" panose="020B0604020202020204" pitchFamily="34" charset="0"/>
-                  <a:cs typeface="Arial" panose="020B0604020202020204" pitchFamily="34" charset="0"/>
-                </a:rPr>
-                <a:t>PREMIUM</a:t>
-              </a:r>
-            </a:p>
-          </p:txBody>
-        </p:sp>
-        <p:grpSp>
-          <p:nvGrpSpPr>
-            <p:cNvPr id="50" name="Agrupar 49"/>
-            <p:cNvGrpSpPr/>
-            <p:nvPr/>
-          </p:nvGrpSpPr>
-          <p:grpSpPr>
-            <a:xfrm>
-              <a:off x="10696918" y="1362215"/>
-              <a:ext cx="857042" cy="1043772"/>
-              <a:chOff x="10827548" y="1362215"/>
-              <a:chExt cx="857042" cy="1043772"/>
-            </a:xfrm>
-          </p:grpSpPr>
-          <p:pic>
-            <p:nvPicPr>
-              <p:cNvPr id="2" name="Imagem 1"/>
-              <p:cNvPicPr>
-                <a:picLocks noChangeAspect="1"/>
-              </p:cNvPicPr>
-              <p:nvPr/>
-            </p:nvPicPr>
-            <p:blipFill>
-              <a:blip r:embed="rId2" cstate="hqprint">
-                <a:duotone>
-                  <a:prstClr val="black"/>
-                  <a:schemeClr val="accent1">
-                    <a:tint val="45000"/>
-                    <a:satMod val="400000"/>
-                  </a:schemeClr>
-                </a:duotone>
-                <a:extLst>
-                  <a:ext uri="{28A0092B-C50C-407E-A947-70E740481C1C}">
-                    <a14:useLocalDpi xmlns:a14="http://schemas.microsoft.com/office/drawing/2010/main" val="0"/>
-                  </a:ext>
-                </a:extLst>
-              </a:blip>
-              <a:stretch>
-                <a:fillRect/>
-              </a:stretch>
-            </p:blipFill>
-            <p:spPr>
-              <a:xfrm>
-                <a:off x="11021966" y="1362215"/>
-                <a:ext cx="441456" cy="441456"/>
-              </a:xfrm>
-              <a:prstGeom prst="rect">
-                <a:avLst/>
-              </a:prstGeom>
-            </p:spPr>
-          </p:pic>
-          <p:pic>
-            <p:nvPicPr>
-              <p:cNvPr id="71" name="Imagem 70">
-                <a:extLst>
-                  <a:ext uri="{FF2B5EF4-FFF2-40B4-BE49-F238E27FC236}">
-                    <a16:creationId xmlns:a16="http://schemas.microsoft.com/office/drawing/2014/main" id="{93ABA89A-D539-4CB1-9201-60F0EDD0642B}"/>
-                  </a:ext>
-                </a:extLst>
-              </p:cNvPr>
-              <p:cNvPicPr>
-                <a:picLocks noChangeAspect="1"/>
-              </p:cNvPicPr>
-              <p:nvPr/>
-            </p:nvPicPr>
-            <p:blipFill>
-              <a:blip r:embed="rId3" cstate="hqprint">
-                <a:extLst>
-                  <a:ext uri="{28A0092B-C50C-407E-A947-70E740481C1C}">
-                    <a14:useLocalDpi xmlns:a14="http://schemas.microsoft.com/office/drawing/2010/main" val="0"/>
-                  </a:ext>
-                </a:extLst>
-              </a:blip>
-              <a:stretch>
-                <a:fillRect/>
-              </a:stretch>
-            </p:blipFill>
-            <p:spPr>
-              <a:xfrm>
-                <a:off x="10827548" y="1548945"/>
-                <a:ext cx="857042" cy="857042"/>
-              </a:xfrm>
-              <a:prstGeom prst="rect">
-                <a:avLst/>
-              </a:prstGeom>
-            </p:spPr>
-          </p:pic>
-        </p:grpSp>
-        <p:grpSp>
-          <p:nvGrpSpPr>
-            <p:cNvPr id="49" name="Agrupar 48"/>
-            <p:cNvGrpSpPr/>
-            <p:nvPr/>
-          </p:nvGrpSpPr>
-          <p:grpSpPr>
-            <a:xfrm>
-              <a:off x="10696918" y="2456918"/>
-              <a:ext cx="857042" cy="1043772"/>
-              <a:chOff x="10827548" y="2456918"/>
-              <a:chExt cx="857042" cy="1043772"/>
-            </a:xfrm>
-          </p:grpSpPr>
-          <p:pic>
-            <p:nvPicPr>
-              <p:cNvPr id="106" name="Imagem 105"/>
-              <p:cNvPicPr>
-                <a:picLocks noChangeAspect="1"/>
-              </p:cNvPicPr>
-              <p:nvPr/>
-            </p:nvPicPr>
-            <p:blipFill>
-              <a:blip r:embed="rId2" cstate="hqprint">
-                <a:duotone>
-                  <a:prstClr val="black"/>
-                  <a:schemeClr val="accent1">
-                    <a:tint val="45000"/>
-                    <a:satMod val="400000"/>
-                  </a:schemeClr>
-                </a:duotone>
-                <a:extLst>
-                  <a:ext uri="{28A0092B-C50C-407E-A947-70E740481C1C}">
-                    <a14:useLocalDpi xmlns:a14="http://schemas.microsoft.com/office/drawing/2010/main" val="0"/>
-                  </a:ext>
-                </a:extLst>
-              </a:blip>
-              <a:stretch>
-                <a:fillRect/>
-              </a:stretch>
-            </p:blipFill>
-            <p:spPr>
-              <a:xfrm>
-                <a:off x="11021966" y="2456918"/>
-                <a:ext cx="441456" cy="441456"/>
-              </a:xfrm>
-              <a:prstGeom prst="rect">
-                <a:avLst/>
-              </a:prstGeom>
-            </p:spPr>
-          </p:pic>
-          <p:pic>
-            <p:nvPicPr>
-              <p:cNvPr id="107" name="Imagem 106">
-                <a:extLst>
-                  <a:ext uri="{FF2B5EF4-FFF2-40B4-BE49-F238E27FC236}">
-                    <a16:creationId xmlns:a16="http://schemas.microsoft.com/office/drawing/2014/main" id="{93ABA89A-D539-4CB1-9201-60F0EDD0642B}"/>
-                  </a:ext>
-                </a:extLst>
-              </p:cNvPr>
-              <p:cNvPicPr>
-                <a:picLocks noChangeAspect="1"/>
-              </p:cNvPicPr>
-              <p:nvPr/>
-            </p:nvPicPr>
-            <p:blipFill>
-              <a:blip r:embed="rId3" cstate="hqprint">
-                <a:extLst>
-                  <a:ext uri="{28A0092B-C50C-407E-A947-70E740481C1C}">
-                    <a14:useLocalDpi xmlns:a14="http://schemas.microsoft.com/office/drawing/2010/main" val="0"/>
-                  </a:ext>
-                </a:extLst>
-              </a:blip>
-              <a:stretch>
-                <a:fillRect/>
-              </a:stretch>
-            </p:blipFill>
-            <p:spPr>
-              <a:xfrm>
-                <a:off x="10827548" y="2643648"/>
-                <a:ext cx="857042" cy="857042"/>
-              </a:xfrm>
-              <a:prstGeom prst="rect">
-                <a:avLst/>
-              </a:prstGeom>
-            </p:spPr>
-          </p:pic>
-        </p:grpSp>
-      </p:grpSp>
-      <p:grpSp>
-        <p:nvGrpSpPr>
-          <p:cNvPr id="10" name="Agrupar 9"/>
-          <p:cNvGrpSpPr/>
-          <p:nvPr/>
-        </p:nvGrpSpPr>
-        <p:grpSpPr>
-          <a:xfrm>
-            <a:off x="10595127" y="3570369"/>
-            <a:ext cx="1151806" cy="2280469"/>
-            <a:chOff x="10595127" y="3570369"/>
-            <a:chExt cx="1151806" cy="2280469"/>
-          </a:xfrm>
-        </p:grpSpPr>
-        <p:sp>
-          <p:nvSpPr>
-            <p:cNvPr id="108" name="Retângulo 107">
-              <a:extLst>
-                <a:ext uri="{FF2B5EF4-FFF2-40B4-BE49-F238E27FC236}">
-                  <a16:creationId xmlns:a16="http://schemas.microsoft.com/office/drawing/2014/main" id="{CE467177-4BBF-4DAE-AC24-319BF77F6831}"/>
-                </a:ext>
-              </a:extLst>
-            </p:cNvPr>
-            <p:cNvSpPr/>
-            <p:nvPr/>
-          </p:nvSpPr>
-          <p:spPr>
-            <a:xfrm rot="5400000">
-              <a:off x="10045291" y="4120205"/>
-              <a:ext cx="2251477" cy="1151806"/>
-            </a:xfrm>
-            <a:prstGeom prst="rect">
-              <a:avLst/>
-            </a:prstGeom>
-            <a:solidFill>
-              <a:srgbClr val="D5DCED">
-                <a:alpha val="25098"/>
-              </a:srgbClr>
-            </a:solidFill>
-            <a:ln>
-              <a:noFill/>
-            </a:ln>
-          </p:spPr>
-          <p:style>
-            <a:lnRef idx="2">
-              <a:schemeClr val="accent1">
-                <a:shade val="50000"/>
-              </a:schemeClr>
-            </a:lnRef>
-            <a:fillRef idx="1">
-              <a:schemeClr val="accent1"/>
-            </a:fillRef>
-            <a:effectRef idx="0">
-              <a:schemeClr val="accent1"/>
-            </a:effectRef>
-            <a:fontRef idx="minor">
-              <a:schemeClr val="lt1"/>
-            </a:fontRef>
-          </p:style>
-          <p:txBody>
-            <a:bodyPr vert="horz" lIns="0" tIns="0" rIns="0" bIns="0" rtlCol="0" anchor="t" anchorCtr="0"/>
-            <a:lstStyle/>
-            <a:p>
-              <a:pPr algn="ctr"/>
-              <a:r>
-                <a:rPr lang="pt-BR" sz="1400" b="1" dirty="0">
-                  <a:solidFill>
-                    <a:schemeClr val="tx1"/>
-                  </a:solidFill>
-                  <a:latin typeface="Arial" panose="020B0604020202020204" pitchFamily="34" charset="0"/>
-                  <a:cs typeface="Arial" panose="020B0604020202020204" pitchFamily="34" charset="0"/>
-                </a:rPr>
-                <a:t>PREMIUM</a:t>
-              </a:r>
-            </a:p>
-          </p:txBody>
-        </p:sp>
-        <p:grpSp>
-          <p:nvGrpSpPr>
-            <p:cNvPr id="47" name="Agrupar 46"/>
-            <p:cNvGrpSpPr/>
-            <p:nvPr/>
-          </p:nvGrpSpPr>
-          <p:grpSpPr>
-            <a:xfrm>
-              <a:off x="10697634" y="3712363"/>
-              <a:ext cx="857042" cy="1043772"/>
-              <a:chOff x="10828264" y="3712363"/>
-              <a:chExt cx="857042" cy="1043772"/>
-            </a:xfrm>
-          </p:grpSpPr>
-          <p:pic>
-            <p:nvPicPr>
-              <p:cNvPr id="109" name="Imagem 108"/>
-              <p:cNvPicPr>
-                <a:picLocks noChangeAspect="1"/>
-              </p:cNvPicPr>
-              <p:nvPr/>
-            </p:nvPicPr>
-            <p:blipFill>
-              <a:blip r:embed="rId2" cstate="hqprint">
-                <a:duotone>
-                  <a:prstClr val="black"/>
-                  <a:schemeClr val="accent1">
-                    <a:tint val="45000"/>
-                    <a:satMod val="400000"/>
-                  </a:schemeClr>
-                </a:duotone>
-                <a:extLst>
-                  <a:ext uri="{28A0092B-C50C-407E-A947-70E740481C1C}">
-                    <a14:useLocalDpi xmlns:a14="http://schemas.microsoft.com/office/drawing/2010/main" val="0"/>
-                  </a:ext>
-                </a:extLst>
-              </a:blip>
-              <a:stretch>
-                <a:fillRect/>
-              </a:stretch>
-            </p:blipFill>
-            <p:spPr>
-              <a:xfrm>
-                <a:off x="11035745" y="3712363"/>
-                <a:ext cx="441456" cy="441456"/>
-              </a:xfrm>
-              <a:prstGeom prst="rect">
-                <a:avLst/>
-              </a:prstGeom>
-            </p:spPr>
-          </p:pic>
-          <p:pic>
-            <p:nvPicPr>
-              <p:cNvPr id="110" name="Imagem 109">
-                <a:extLst>
-                  <a:ext uri="{FF2B5EF4-FFF2-40B4-BE49-F238E27FC236}">
-                    <a16:creationId xmlns:a16="http://schemas.microsoft.com/office/drawing/2014/main" id="{93ABA89A-D539-4CB1-9201-60F0EDD0642B}"/>
-                  </a:ext>
-                </a:extLst>
-              </p:cNvPr>
-              <p:cNvPicPr>
-                <a:picLocks noChangeAspect="1"/>
-              </p:cNvPicPr>
-              <p:nvPr/>
-            </p:nvPicPr>
-            <p:blipFill>
-              <a:blip r:embed="rId3" cstate="hqprint">
-                <a:extLst>
-                  <a:ext uri="{28A0092B-C50C-407E-A947-70E740481C1C}">
-                    <a14:useLocalDpi xmlns:a14="http://schemas.microsoft.com/office/drawing/2010/main" val="0"/>
-                  </a:ext>
-                </a:extLst>
-              </a:blip>
-              <a:stretch>
-                <a:fillRect/>
-              </a:stretch>
-            </p:blipFill>
-            <p:spPr>
-              <a:xfrm>
-                <a:off x="10828264" y="3899093"/>
-                <a:ext cx="857042" cy="857042"/>
-              </a:xfrm>
-              <a:prstGeom prst="rect">
-                <a:avLst/>
-              </a:prstGeom>
-            </p:spPr>
-          </p:pic>
-        </p:grpSp>
-        <p:grpSp>
-          <p:nvGrpSpPr>
-            <p:cNvPr id="46" name="Agrupar 45"/>
-            <p:cNvGrpSpPr/>
-            <p:nvPr/>
-          </p:nvGrpSpPr>
-          <p:grpSpPr>
-            <a:xfrm>
-              <a:off x="10697634" y="4807066"/>
-              <a:ext cx="857042" cy="1043772"/>
-              <a:chOff x="10828264" y="4807066"/>
-              <a:chExt cx="857042" cy="1043772"/>
-            </a:xfrm>
-          </p:grpSpPr>
-          <p:pic>
-            <p:nvPicPr>
-              <p:cNvPr id="112" name="Imagem 111"/>
-              <p:cNvPicPr>
-                <a:picLocks noChangeAspect="1"/>
-              </p:cNvPicPr>
-              <p:nvPr/>
-            </p:nvPicPr>
-            <p:blipFill>
-              <a:blip r:embed="rId2" cstate="hqprint">
-                <a:duotone>
-                  <a:prstClr val="black"/>
-                  <a:schemeClr val="accent1">
-                    <a:tint val="45000"/>
-                    <a:satMod val="400000"/>
-                  </a:schemeClr>
-                </a:duotone>
-                <a:extLst>
-                  <a:ext uri="{28A0092B-C50C-407E-A947-70E740481C1C}">
-                    <a14:useLocalDpi xmlns:a14="http://schemas.microsoft.com/office/drawing/2010/main" val="0"/>
-                  </a:ext>
-                </a:extLst>
-              </a:blip>
-              <a:stretch>
-                <a:fillRect/>
-              </a:stretch>
-            </p:blipFill>
-            <p:spPr>
-              <a:xfrm>
-                <a:off x="11035745" y="4807066"/>
-                <a:ext cx="441456" cy="441456"/>
-              </a:xfrm>
-              <a:prstGeom prst="rect">
-                <a:avLst/>
-              </a:prstGeom>
-            </p:spPr>
-          </p:pic>
-          <p:pic>
-            <p:nvPicPr>
-              <p:cNvPr id="113" name="Imagem 112">
-                <a:extLst>
-                  <a:ext uri="{FF2B5EF4-FFF2-40B4-BE49-F238E27FC236}">
-                    <a16:creationId xmlns:a16="http://schemas.microsoft.com/office/drawing/2014/main" id="{93ABA89A-D539-4CB1-9201-60F0EDD0642B}"/>
-                  </a:ext>
-                </a:extLst>
-              </p:cNvPr>
-              <p:cNvPicPr>
-                <a:picLocks noChangeAspect="1"/>
-              </p:cNvPicPr>
-              <p:nvPr/>
-            </p:nvPicPr>
-            <p:blipFill>
-              <a:blip r:embed="rId3" cstate="hqprint">
-                <a:extLst>
-                  <a:ext uri="{28A0092B-C50C-407E-A947-70E740481C1C}">
-                    <a14:useLocalDpi xmlns:a14="http://schemas.microsoft.com/office/drawing/2010/main" val="0"/>
-                  </a:ext>
-                </a:extLst>
-              </a:blip>
-              <a:stretch>
-                <a:fillRect/>
-              </a:stretch>
-            </p:blipFill>
-            <p:spPr>
-              <a:xfrm>
-                <a:off x="10828264" y="4993796"/>
-                <a:ext cx="857042" cy="857042"/>
-              </a:xfrm>
-              <a:prstGeom prst="rect">
-                <a:avLst/>
-              </a:prstGeom>
-            </p:spPr>
-          </p:pic>
-        </p:grpSp>
-      </p:grpSp>
-      <p:sp>
-        <p:nvSpPr>
-          <p:cNvPr id="33" name="Retângulo Arredondado 32"/>
-          <p:cNvSpPr/>
-          <p:nvPr/>
-        </p:nvSpPr>
-        <p:spPr>
-          <a:xfrm>
-            <a:off x="10325072" y="872744"/>
-            <a:ext cx="1679693" cy="5075204"/>
-          </a:xfrm>
-          <a:prstGeom prst="roundRect">
-            <a:avLst/>
-          </a:prstGeom>
-          <a:noFill/>
-          <a:ln w="28575">
-            <a:solidFill>
-              <a:schemeClr val="bg1">
-                <a:lumMod val="65000"/>
-              </a:schemeClr>
-            </a:solidFill>
-            <a:prstDash val="sysDash"/>
-          </a:ln>
-        </p:spPr>
-        <p:style>
-          <a:lnRef idx="2">
-            <a:schemeClr val="accent1">
-              <a:shade val="50000"/>
-            </a:schemeClr>
-          </a:lnRef>
-          <a:fillRef idx="1">
-            <a:schemeClr val="accent1"/>
-          </a:fillRef>
-          <a:effectRef idx="0">
-            <a:schemeClr val="accent1"/>
-          </a:effectRef>
-          <a:fontRef idx="minor">
-            <a:schemeClr val="lt1"/>
-          </a:fontRef>
-        </p:style>
-        <p:txBody>
-          <a:bodyPr rtlCol="0" anchor="t" anchorCtr="1"/>
-          <a:lstStyle/>
-          <a:p>
-            <a:pPr algn="ctr"/>
-            <a:endParaRPr lang="pt-BR" sz="1400" b="1">
-              <a:solidFill>
-                <a:schemeClr val="accent5">
-                  <a:lumMod val="75000"/>
-                </a:schemeClr>
-              </a:solidFill>
-              <a:latin typeface="Arial" panose="020B0604020202020204" pitchFamily="34" charset="0"/>
-              <a:cs typeface="Arial" panose="020B0604020202020204" pitchFamily="34" charset="0"/>
-            </a:endParaRPr>
-          </a:p>
-        </p:txBody>
-      </p:sp>
-      <p:sp>
-        <p:nvSpPr>
-          <p:cNvPr id="76" name="CaixaDeTexto 75">
-            <a:extLst>
-              <a:ext uri="{FF2B5EF4-FFF2-40B4-BE49-F238E27FC236}">
-                <a16:creationId xmlns:a16="http://schemas.microsoft.com/office/drawing/2014/main" id="{5CCE3E46-CD58-417E-AC4D-E7EC3D413480}"/>
-              </a:ext>
-            </a:extLst>
-          </p:cNvPr>
-          <p:cNvSpPr txBox="1"/>
-          <p:nvPr/>
-        </p:nvSpPr>
-        <p:spPr>
-          <a:xfrm>
-            <a:off x="10775176" y="759899"/>
-            <a:ext cx="805028" cy="261610"/>
-          </a:xfrm>
-          <a:prstGeom prst="rect">
-            <a:avLst/>
-          </a:prstGeom>
-          <a:solidFill>
-            <a:schemeClr val="bg1"/>
-          </a:solidFill>
-        </p:spPr>
-        <p:txBody>
-          <a:bodyPr wrap="none" rtlCol="0">
-            <a:spAutoFit/>
-          </a:bodyPr>
-          <a:lstStyle/>
-          <a:p>
-            <a:pPr algn="ctr"/>
-            <a:r>
-              <a:rPr lang="pt-BR" sz="1100" b="1" dirty="0">
-                <a:solidFill>
-                  <a:schemeClr val="accent5">
-                    <a:lumMod val="75000"/>
-                  </a:schemeClr>
-                </a:solidFill>
-                <a:latin typeface="Arial" panose="020B0604020202020204" pitchFamily="34" charset="0"/>
-                <a:cs typeface="Arial" panose="020B0604020202020204" pitchFamily="34" charset="0"/>
-              </a:rPr>
-              <a:t>GAMERS</a:t>
-            </a:r>
-            <a:endParaRPr lang="pt-BR" sz="1100" dirty="0">
-              <a:latin typeface="Arial" panose="020B0604020202020204" pitchFamily="34" charset="0"/>
-              <a:cs typeface="Arial" panose="020B0604020202020204" pitchFamily="34" charset="0"/>
-            </a:endParaRPr>
-          </a:p>
-        </p:txBody>
-      </p:sp>
       <p:grpSp>
         <p:nvGrpSpPr>
           <p:cNvPr id="8" name="Agrupar 7"/>
@@ -6072,7 +3383,7 @@
                 <p:nvPr/>
               </p:nvPicPr>
               <p:blipFill>
-                <a:blip r:embed="rId12">
+                <a:blip r:embed="rId2">
                   <a:extLst>
                     <a:ext uri="{28A0092B-C50C-407E-A947-70E740481C1C}">
                       <a14:useLocalDpi xmlns:a14="http://schemas.microsoft.com/office/drawing/2010/main" val="0"/>
@@ -6209,7 +3520,7 @@
             <p:nvPr/>
           </p:nvPicPr>
           <p:blipFill>
-            <a:blip r:embed="rId13" cstate="hqprint">
+            <a:blip r:embed="rId3" cstate="hqprint">
               <a:extLst>
                 <a:ext uri="{28A0092B-C50C-407E-A947-70E740481C1C}">
                   <a14:useLocalDpi xmlns:a14="http://schemas.microsoft.com/office/drawing/2010/main" val="0"/>
@@ -6245,7 +3556,7 @@
             <p:nvPr/>
           </p:nvPicPr>
           <p:blipFill>
-            <a:blip r:embed="rId14" cstate="hqprint">
+            <a:blip r:embed="rId4" cstate="hqprint">
               <a:extLst>
                 <a:ext uri="{28A0092B-C50C-407E-A947-70E740481C1C}">
                   <a14:useLocalDpi xmlns:a14="http://schemas.microsoft.com/office/drawing/2010/main" val="0"/>
@@ -6281,7 +3592,7 @@
             <p:nvPr/>
           </p:nvPicPr>
           <p:blipFill rotWithShape="1">
-            <a:blip r:embed="rId15" cstate="hqprint">
+            <a:blip r:embed="rId5" cstate="hqprint">
               <a:extLst>
                 <a:ext uri="{28A0092B-C50C-407E-A947-70E740481C1C}">
                   <a14:useLocalDpi xmlns:a14="http://schemas.microsoft.com/office/drawing/2010/main" val="0"/>
@@ -6316,7 +3627,7 @@
             <p:nvPr/>
           </p:nvPicPr>
           <p:blipFill rotWithShape="1">
-            <a:blip r:embed="rId16" cstate="hqprint">
+            <a:blip r:embed="rId6" cstate="hqprint">
               <a:extLst>
                 <a:ext uri="{28A0092B-C50C-407E-A947-70E740481C1C}">
                   <a14:useLocalDpi xmlns:a14="http://schemas.microsoft.com/office/drawing/2010/main" val="0"/>
@@ -6351,7 +3662,7 @@
             <p:nvPr/>
           </p:nvPicPr>
           <p:blipFill rotWithShape="1">
-            <a:blip r:embed="rId17" cstate="hqprint">
+            <a:blip r:embed="rId7" cstate="hqprint">
               <a:extLst>
                 <a:ext uri="{28A0092B-C50C-407E-A947-70E740481C1C}">
                   <a14:useLocalDpi xmlns:a14="http://schemas.microsoft.com/office/drawing/2010/main" val="0"/>
@@ -6386,7 +3697,7 @@
             <p:nvPr/>
           </p:nvPicPr>
           <p:blipFill rotWithShape="1">
-            <a:blip r:embed="rId18" cstate="hqprint">
+            <a:blip r:embed="rId8" cstate="hqprint">
               <a:extLst>
                 <a:ext uri="{28A0092B-C50C-407E-A947-70E740481C1C}">
                   <a14:useLocalDpi xmlns:a14="http://schemas.microsoft.com/office/drawing/2010/main" val="0"/>
@@ -6398,7 +3709,7 @@
           </p:blipFill>
           <p:spPr>
             <a:xfrm>
-              <a:off x="5345239" y="679297"/>
+              <a:off x="5345239" y="731549"/>
               <a:ext cx="280181" cy="277596"/>
             </a:xfrm>
             <a:prstGeom prst="rect">
@@ -6421,7 +3732,7 @@
             <p:nvPr/>
           </p:nvPicPr>
           <p:blipFill rotWithShape="1">
-            <a:blip r:embed="rId19" cstate="hqprint">
+            <a:blip r:embed="rId9" cstate="hqprint">
               <a:extLst>
                 <a:ext uri="{28A0092B-C50C-407E-A947-70E740481C1C}">
                   <a14:useLocalDpi xmlns:a14="http://schemas.microsoft.com/office/drawing/2010/main" val="0"/>
@@ -6456,7 +3767,7 @@
             <p:nvPr/>
           </p:nvPicPr>
           <p:blipFill rotWithShape="1">
-            <a:blip r:embed="rId20" cstate="hqprint">
+            <a:blip r:embed="rId10" cstate="hqprint">
               <a:extLst>
                 <a:ext uri="{28A0092B-C50C-407E-A947-70E740481C1C}">
                   <a14:useLocalDpi xmlns:a14="http://schemas.microsoft.com/office/drawing/2010/main" val="0"/>
@@ -6491,7 +3802,7 @@
             <p:nvPr/>
           </p:nvPicPr>
           <p:blipFill rotWithShape="1">
-            <a:blip r:embed="rId21" cstate="hqprint">
+            <a:blip r:embed="rId11" cstate="hqprint">
               <a:extLst>
                 <a:ext uri="{28A0092B-C50C-407E-A947-70E740481C1C}">
                   <a14:useLocalDpi xmlns:a14="http://schemas.microsoft.com/office/drawing/2010/main" val="0"/>
@@ -6526,7 +3837,7 @@
             <p:nvPr/>
           </p:nvPicPr>
           <p:blipFill rotWithShape="1">
-            <a:blip r:embed="rId22" cstate="hqprint">
+            <a:blip r:embed="rId12" cstate="hqprint">
               <a:extLst>
                 <a:ext uri="{28A0092B-C50C-407E-A947-70E740481C1C}">
                   <a14:useLocalDpi xmlns:a14="http://schemas.microsoft.com/office/drawing/2010/main" val="0"/>
@@ -7088,7 +4399,7 @@
           </p:nvSpPr>
           <p:spPr>
             <a:xfrm>
-              <a:off x="5272385" y="947404"/>
+              <a:off x="5272385" y="999656"/>
               <a:ext cx="410690" cy="246221"/>
             </a:xfrm>
             <a:prstGeom prst="rect">
@@ -7215,7 +4526,7 @@
               <p:nvPr/>
             </p:nvPicPr>
             <p:blipFill rotWithShape="1">
-              <a:blip r:embed="rId23" cstate="hqprint">
+              <a:blip r:embed="rId13" cstate="hqprint">
                 <a:extLst>
                   <a:ext uri="{28A0092B-C50C-407E-A947-70E740481C1C}">
                     <a14:useLocalDpi xmlns:a14="http://schemas.microsoft.com/office/drawing/2010/main" val="0"/>
@@ -7283,6 +4594,2740 @@
           </p:sp>
         </p:grpSp>
       </p:grpSp>
+      <p:sp>
+        <p:nvSpPr>
+          <p:cNvPr id="54" name="Triângulo isósceles 53"/>
+          <p:cNvSpPr/>
+          <p:nvPr/>
+        </p:nvSpPr>
+        <p:spPr>
+          <a:xfrm>
+            <a:off x="3643313" y="771719"/>
+            <a:ext cx="688129" cy="605507"/>
+          </a:xfrm>
+          <a:prstGeom prst="triangle">
+            <a:avLst/>
+          </a:prstGeom>
+          <a:solidFill>
+            <a:schemeClr val="bg1"/>
+          </a:solidFill>
+          <a:ln>
+            <a:noFill/>
+          </a:ln>
+        </p:spPr>
+        <p:style>
+          <a:lnRef idx="2">
+            <a:schemeClr val="accent1">
+              <a:shade val="50000"/>
+            </a:schemeClr>
+          </a:lnRef>
+          <a:fillRef idx="1">
+            <a:schemeClr val="accent1"/>
+          </a:fillRef>
+          <a:effectRef idx="0">
+            <a:schemeClr val="accent1"/>
+          </a:effectRef>
+          <a:fontRef idx="minor">
+            <a:schemeClr val="lt1"/>
+          </a:fontRef>
+        </p:style>
+        <p:txBody>
+          <a:bodyPr rtlCol="0" anchor="ctr"/>
+          <a:lstStyle/>
+          <a:p>
+            <a:pPr algn="ctr"/>
+            <a:endParaRPr lang="pt-BR"/>
+          </a:p>
+        </p:txBody>
+      </p:sp>
+      <p:pic>
+        <p:nvPicPr>
+          <p:cNvPr id="102" name="Imagem 101"/>
+          <p:cNvPicPr>
+            <a:picLocks noChangeAspect="1"/>
+          </p:cNvPicPr>
+          <p:nvPr/>
+        </p:nvPicPr>
+        <p:blipFill>
+          <a:blip r:embed="rId14" cstate="hqprint">
+            <a:duotone>
+              <a:prstClr val="black"/>
+              <a:schemeClr val="accent1">
+                <a:tint val="45000"/>
+                <a:satMod val="400000"/>
+              </a:schemeClr>
+            </a:duotone>
+            <a:extLst>
+              <a:ext uri="{28A0092B-C50C-407E-A947-70E740481C1C}">
+                <a14:useLocalDpi xmlns:a14="http://schemas.microsoft.com/office/drawing/2010/main" val="0"/>
+              </a:ext>
+            </a:extLst>
+          </a:blip>
+          <a:stretch>
+            <a:fillRect/>
+          </a:stretch>
+        </p:blipFill>
+        <p:spPr>
+          <a:xfrm>
+            <a:off x="6206907" y="5107141"/>
+            <a:ext cx="513904" cy="513904"/>
+          </a:xfrm>
+          <a:prstGeom prst="rect">
+            <a:avLst/>
+          </a:prstGeom>
+        </p:spPr>
+      </p:pic>
+      <p:pic>
+        <p:nvPicPr>
+          <p:cNvPr id="67" name="Imagem 66">
+            <a:extLst>
+              <a:ext uri="{FF2B5EF4-FFF2-40B4-BE49-F238E27FC236}">
+                <a16:creationId xmlns:a16="http://schemas.microsoft.com/office/drawing/2014/main" id="{677AA328-A16E-4537-9409-936ABFD3C43E}"/>
+              </a:ext>
+            </a:extLst>
+          </p:cNvPr>
+          <p:cNvPicPr>
+            <a:picLocks noChangeAspect="1"/>
+          </p:cNvPicPr>
+          <p:nvPr/>
+        </p:nvPicPr>
+        <p:blipFill>
+          <a:blip r:embed="rId15" cstate="hqprint">
+            <a:extLst>
+              <a:ext uri="{28A0092B-C50C-407E-A947-70E740481C1C}">
+                <a14:useLocalDpi xmlns:a14="http://schemas.microsoft.com/office/drawing/2010/main" val="0"/>
+              </a:ext>
+            </a:extLst>
+          </a:blip>
+          <a:stretch>
+            <a:fillRect/>
+          </a:stretch>
+        </p:blipFill>
+        <p:spPr>
+          <a:xfrm>
+            <a:off x="6050462" y="5297823"/>
+            <a:ext cx="905597" cy="905597"/>
+          </a:xfrm>
+          <a:prstGeom prst="rect">
+            <a:avLst/>
+          </a:prstGeom>
+        </p:spPr>
+      </p:pic>
+      <p:sp>
+        <p:nvSpPr>
+          <p:cNvPr id="75" name="CaixaDeTexto 74">
+            <a:extLst>
+              <a:ext uri="{FF2B5EF4-FFF2-40B4-BE49-F238E27FC236}">
+                <a16:creationId xmlns:a16="http://schemas.microsoft.com/office/drawing/2014/main" id="{3AF629E6-B76D-4A04-98F8-80E207162F78}"/>
+              </a:ext>
+            </a:extLst>
+          </p:cNvPr>
+          <p:cNvSpPr txBox="1"/>
+          <p:nvPr/>
+        </p:nvSpPr>
+        <p:spPr>
+          <a:xfrm>
+            <a:off x="5876326" y="6048873"/>
+            <a:ext cx="1253868" cy="261610"/>
+          </a:xfrm>
+          <a:prstGeom prst="rect">
+            <a:avLst/>
+          </a:prstGeom>
+          <a:noFill/>
+        </p:spPr>
+        <p:txBody>
+          <a:bodyPr wrap="none" rtlCol="0">
+            <a:spAutoFit/>
+          </a:bodyPr>
+          <a:lstStyle/>
+          <a:p>
+            <a:pPr algn="ctr"/>
+            <a:r>
+              <a:rPr lang="pt-BR" sz="1100" b="1" dirty="0">
+                <a:solidFill>
+                  <a:schemeClr val="accent5">
+                    <a:lumMod val="75000"/>
+                  </a:schemeClr>
+                </a:solidFill>
+                <a:latin typeface="Arial" panose="020B0604020202020204" pitchFamily="34" charset="0"/>
+                <a:cs typeface="Arial" panose="020B0604020202020204" pitchFamily="34" charset="0"/>
+              </a:rPr>
+              <a:t>ANALISTA NOC</a:t>
+            </a:r>
+            <a:endParaRPr lang="pt-BR" sz="1100" dirty="0">
+              <a:latin typeface="Arial" panose="020B0604020202020204" pitchFamily="34" charset="0"/>
+              <a:cs typeface="Arial" panose="020B0604020202020204" pitchFamily="34" charset="0"/>
+            </a:endParaRPr>
+          </a:p>
+        </p:txBody>
+      </p:sp>
+      <p:pic>
+        <p:nvPicPr>
+          <p:cNvPr id="97" name="Imagem 96">
+            <a:extLst>
+              <a:ext uri="{FF2B5EF4-FFF2-40B4-BE49-F238E27FC236}">
+                <a16:creationId xmlns:a16="http://schemas.microsoft.com/office/drawing/2014/main" id="{93DBE4A3-F13A-424D-AB4D-0AC384D4C749}"/>
+              </a:ext>
+            </a:extLst>
+          </p:cNvPr>
+          <p:cNvPicPr>
+            <a:picLocks noChangeAspect="1"/>
+          </p:cNvPicPr>
+          <p:nvPr/>
+        </p:nvPicPr>
+        <p:blipFill>
+          <a:blip r:embed="rId16" cstate="hqprint">
+            <a:duotone>
+              <a:schemeClr val="accent3">
+                <a:shade val="45000"/>
+                <a:satMod val="135000"/>
+              </a:schemeClr>
+              <a:prstClr val="white"/>
+            </a:duotone>
+            <a:extLst>
+              <a:ext uri="{28A0092B-C50C-407E-A947-70E740481C1C}">
+                <a14:useLocalDpi xmlns:a14="http://schemas.microsoft.com/office/drawing/2010/main" val="0"/>
+              </a:ext>
+            </a:extLst>
+          </a:blip>
+          <a:stretch>
+            <a:fillRect/>
+          </a:stretch>
+        </p:blipFill>
+        <p:spPr>
+          <a:xfrm>
+            <a:off x="8392899" y="2930728"/>
+            <a:ext cx="1407080" cy="1407080"/>
+          </a:xfrm>
+          <a:prstGeom prst="rect">
+            <a:avLst/>
+          </a:prstGeom>
+        </p:spPr>
+      </p:pic>
+      <p:grpSp>
+        <p:nvGrpSpPr>
+          <p:cNvPr id="45" name="Agrupar 44"/>
+          <p:cNvGrpSpPr/>
+          <p:nvPr/>
+        </p:nvGrpSpPr>
+        <p:grpSpPr>
+          <a:xfrm>
+            <a:off x="8432885" y="5692002"/>
+            <a:ext cx="1327108" cy="975351"/>
+            <a:chOff x="8928878" y="4659985"/>
+            <a:chExt cx="1327108" cy="975351"/>
+          </a:xfrm>
+        </p:grpSpPr>
+        <p:pic>
+          <p:nvPicPr>
+            <p:cNvPr id="13" name="Imagem 12">
+              <a:extLst>
+                <a:ext uri="{FF2B5EF4-FFF2-40B4-BE49-F238E27FC236}">
+                  <a16:creationId xmlns:a16="http://schemas.microsoft.com/office/drawing/2014/main" id="{1C0F1CF1-E085-404B-BECA-7C7034926040}"/>
+                </a:ext>
+              </a:extLst>
+            </p:cNvPr>
+            <p:cNvPicPr>
+              <a:picLocks noChangeAspect="1"/>
+            </p:cNvPicPr>
+            <p:nvPr/>
+          </p:nvPicPr>
+          <p:blipFill>
+            <a:blip r:embed="rId17">
+              <a:extLst>
+                <a:ext uri="{28A0092B-C50C-407E-A947-70E740481C1C}">
+                  <a14:useLocalDpi xmlns:a14="http://schemas.microsoft.com/office/drawing/2010/main" val="0"/>
+                </a:ext>
+              </a:extLst>
+            </a:blip>
+            <a:stretch>
+              <a:fillRect/>
+            </a:stretch>
+          </p:blipFill>
+          <p:spPr>
+            <a:xfrm>
+              <a:off x="9127512" y="4659985"/>
+              <a:ext cx="975351" cy="975351"/>
+            </a:xfrm>
+            <a:prstGeom prst="rect">
+              <a:avLst/>
+            </a:prstGeom>
+          </p:spPr>
+        </p:pic>
+        <p:sp>
+          <p:nvSpPr>
+            <p:cNvPr id="17" name="CaixaDeTexto 16">
+              <a:extLst>
+                <a:ext uri="{FF2B5EF4-FFF2-40B4-BE49-F238E27FC236}">
+                  <a16:creationId xmlns:a16="http://schemas.microsoft.com/office/drawing/2014/main" id="{6BE8F561-08B2-4A40-A94F-AFE74F0B4B5D}"/>
+                </a:ext>
+              </a:extLst>
+            </p:cNvPr>
+            <p:cNvSpPr txBox="1"/>
+            <p:nvPr/>
+          </p:nvSpPr>
+          <p:spPr>
+            <a:xfrm>
+              <a:off x="8928878" y="4991430"/>
+              <a:ext cx="1327108" cy="369332"/>
+            </a:xfrm>
+            <a:prstGeom prst="rect">
+              <a:avLst/>
+            </a:prstGeom>
+            <a:noFill/>
+          </p:spPr>
+          <p:txBody>
+            <a:bodyPr wrap="square" rtlCol="0">
+              <a:spAutoFit/>
+            </a:bodyPr>
+            <a:lstStyle/>
+            <a:p>
+              <a:pPr algn="ctr"/>
+              <a:r>
+                <a:rPr lang="pt-BR" sz="900" dirty="0">
+                  <a:solidFill>
+                    <a:srgbClr val="0070C0"/>
+                  </a:solidFill>
+                  <a:latin typeface="Arial" panose="020B0604020202020204" pitchFamily="34" charset="0"/>
+                  <a:cs typeface="Arial" panose="020B0604020202020204" pitchFamily="34" charset="0"/>
+                </a:rPr>
+                <a:t>Provedor</a:t>
+              </a:r>
+            </a:p>
+            <a:p>
+              <a:pPr algn="ctr"/>
+              <a:r>
+                <a:rPr lang="pt-BR" sz="900" dirty="0">
+                  <a:solidFill>
+                    <a:srgbClr val="0070C0"/>
+                  </a:solidFill>
+                  <a:latin typeface="Arial" panose="020B0604020202020204" pitchFamily="34" charset="0"/>
+                  <a:cs typeface="Arial" panose="020B0604020202020204" pitchFamily="34" charset="0"/>
+                </a:rPr>
+                <a:t>de Internet</a:t>
+              </a:r>
+            </a:p>
+          </p:txBody>
+        </p:sp>
+      </p:grpSp>
+      <p:grpSp>
+        <p:nvGrpSpPr>
+          <p:cNvPr id="44" name="Agrupar 43"/>
+          <p:cNvGrpSpPr/>
+          <p:nvPr/>
+        </p:nvGrpSpPr>
+        <p:grpSpPr>
+          <a:xfrm>
+            <a:off x="161776" y="1120620"/>
+            <a:ext cx="1327108" cy="975351"/>
+            <a:chOff x="-16643" y="477710"/>
+            <a:chExt cx="1327108" cy="975351"/>
+          </a:xfrm>
+        </p:grpSpPr>
+        <p:pic>
+          <p:nvPicPr>
+            <p:cNvPr id="78" name="Imagem 77">
+              <a:extLst>
+                <a:ext uri="{FF2B5EF4-FFF2-40B4-BE49-F238E27FC236}">
+                  <a16:creationId xmlns:a16="http://schemas.microsoft.com/office/drawing/2014/main" id="{D8EACF2C-03E4-4E32-B529-D1AA3E90A460}"/>
+                </a:ext>
+              </a:extLst>
+            </p:cNvPr>
+            <p:cNvPicPr>
+              <a:picLocks noChangeAspect="1"/>
+            </p:cNvPicPr>
+            <p:nvPr/>
+          </p:nvPicPr>
+          <p:blipFill>
+            <a:blip r:embed="rId17">
+              <a:extLst>
+                <a:ext uri="{28A0092B-C50C-407E-A947-70E740481C1C}">
+                  <a14:useLocalDpi xmlns:a14="http://schemas.microsoft.com/office/drawing/2010/main" val="0"/>
+                </a:ext>
+              </a:extLst>
+            </a:blip>
+            <a:stretch>
+              <a:fillRect/>
+            </a:stretch>
+          </p:blipFill>
+          <p:spPr>
+            <a:xfrm>
+              <a:off x="146349" y="477710"/>
+              <a:ext cx="975351" cy="975351"/>
+            </a:xfrm>
+            <a:prstGeom prst="rect">
+              <a:avLst/>
+            </a:prstGeom>
+          </p:spPr>
+        </p:pic>
+        <p:sp>
+          <p:nvSpPr>
+            <p:cNvPr id="81" name="CaixaDeTexto 80">
+              <a:extLst>
+                <a:ext uri="{FF2B5EF4-FFF2-40B4-BE49-F238E27FC236}">
+                  <a16:creationId xmlns:a16="http://schemas.microsoft.com/office/drawing/2014/main" id="{B85283A8-6E6C-4BF6-B540-33A182FDBBEA}"/>
+                </a:ext>
+              </a:extLst>
+            </p:cNvPr>
+            <p:cNvSpPr txBox="1"/>
+            <p:nvPr/>
+          </p:nvSpPr>
+          <p:spPr>
+            <a:xfrm>
+              <a:off x="-16643" y="942827"/>
+              <a:ext cx="1327108" cy="230832"/>
+            </a:xfrm>
+            <a:prstGeom prst="rect">
+              <a:avLst/>
+            </a:prstGeom>
+            <a:noFill/>
+          </p:spPr>
+          <p:txBody>
+            <a:bodyPr wrap="square" rtlCol="0">
+              <a:spAutoFit/>
+            </a:bodyPr>
+            <a:lstStyle/>
+            <a:p>
+              <a:pPr algn="ctr"/>
+              <a:r>
+                <a:rPr lang="pt-BR" sz="900" dirty="0" err="1">
+                  <a:solidFill>
+                    <a:srgbClr val="0070C0"/>
+                  </a:solidFill>
+                  <a:latin typeface="Arial" panose="020B0604020202020204" pitchFamily="34" charset="0"/>
+                  <a:cs typeface="Arial" panose="020B0604020202020204" pitchFamily="34" charset="0"/>
+                </a:rPr>
+                <a:t>Telegram</a:t>
+              </a:r>
+              <a:endParaRPr lang="pt-BR" sz="900" dirty="0">
+                <a:solidFill>
+                  <a:srgbClr val="0070C0"/>
+                </a:solidFill>
+                <a:latin typeface="Arial" panose="020B0604020202020204" pitchFamily="34" charset="0"/>
+                <a:cs typeface="Arial" panose="020B0604020202020204" pitchFamily="34" charset="0"/>
+              </a:endParaRPr>
+            </a:p>
+          </p:txBody>
+        </p:sp>
+        <p:pic>
+          <p:nvPicPr>
+            <p:cNvPr id="58" name="Imagem 57">
+              <a:extLst>
+                <a:ext uri="{FF2B5EF4-FFF2-40B4-BE49-F238E27FC236}">
+                  <a16:creationId xmlns:a16="http://schemas.microsoft.com/office/drawing/2014/main" id="{7100879D-9917-44E9-9BDE-4399301523C3}"/>
+                </a:ext>
+              </a:extLst>
+            </p:cNvPr>
+            <p:cNvPicPr>
+              <a:picLocks noChangeAspect="1"/>
+            </p:cNvPicPr>
+            <p:nvPr/>
+          </p:nvPicPr>
+          <p:blipFill>
+            <a:blip r:embed="rId18" cstate="hqprint">
+              <a:extLst>
+                <a:ext uri="{28A0092B-C50C-407E-A947-70E740481C1C}">
+                  <a14:useLocalDpi xmlns:a14="http://schemas.microsoft.com/office/drawing/2010/main" val="0"/>
+                </a:ext>
+              </a:extLst>
+            </a:blip>
+            <a:stretch>
+              <a:fillRect/>
+            </a:stretch>
+          </p:blipFill>
+          <p:spPr>
+            <a:xfrm>
+              <a:off x="106700" y="635709"/>
+              <a:ext cx="378618" cy="378618"/>
+            </a:xfrm>
+            <a:prstGeom prst="rect">
+              <a:avLst/>
+            </a:prstGeom>
+          </p:spPr>
+        </p:pic>
+      </p:grpSp>
+      <p:grpSp>
+        <p:nvGrpSpPr>
+          <p:cNvPr id="42" name="Agrupar 41"/>
+          <p:cNvGrpSpPr/>
+          <p:nvPr/>
+        </p:nvGrpSpPr>
+        <p:grpSpPr>
+          <a:xfrm>
+            <a:off x="8508925" y="264714"/>
+            <a:ext cx="1175028" cy="975351"/>
+            <a:chOff x="8251883" y="-230739"/>
+            <a:chExt cx="1175028" cy="975351"/>
+          </a:xfrm>
+        </p:grpSpPr>
+        <p:pic>
+          <p:nvPicPr>
+            <p:cNvPr id="74" name="Imagem 73">
+              <a:extLst>
+                <a:ext uri="{FF2B5EF4-FFF2-40B4-BE49-F238E27FC236}">
+                  <a16:creationId xmlns:a16="http://schemas.microsoft.com/office/drawing/2014/main" id="{0DC9D47C-E2B6-49A1-B548-0650A0CAFDC3}"/>
+                </a:ext>
+              </a:extLst>
+            </p:cNvPr>
+            <p:cNvPicPr>
+              <a:picLocks noChangeAspect="1"/>
+            </p:cNvPicPr>
+            <p:nvPr/>
+          </p:nvPicPr>
+          <p:blipFill>
+            <a:blip r:embed="rId17">
+              <a:extLst>
+                <a:ext uri="{28A0092B-C50C-407E-A947-70E740481C1C}">
+                  <a14:useLocalDpi xmlns:a14="http://schemas.microsoft.com/office/drawing/2010/main" val="0"/>
+                </a:ext>
+              </a:extLst>
+            </a:blip>
+            <a:stretch>
+              <a:fillRect/>
+            </a:stretch>
+          </p:blipFill>
+          <p:spPr>
+            <a:xfrm>
+              <a:off x="8451560" y="-230739"/>
+              <a:ext cx="975351" cy="975351"/>
+            </a:xfrm>
+            <a:prstGeom prst="rect">
+              <a:avLst/>
+            </a:prstGeom>
+          </p:spPr>
+        </p:pic>
+        <p:sp>
+          <p:nvSpPr>
+            <p:cNvPr id="77" name="CaixaDeTexto 76">
+              <a:extLst>
+                <a:ext uri="{FF2B5EF4-FFF2-40B4-BE49-F238E27FC236}">
+                  <a16:creationId xmlns:a16="http://schemas.microsoft.com/office/drawing/2014/main" id="{AEA30348-F036-4698-9EC7-013DFE5ECB26}"/>
+                </a:ext>
+              </a:extLst>
+            </p:cNvPr>
+            <p:cNvSpPr txBox="1"/>
+            <p:nvPr/>
+          </p:nvSpPr>
+          <p:spPr>
+            <a:xfrm>
+              <a:off x="8433819" y="216100"/>
+              <a:ext cx="990119" cy="230832"/>
+            </a:xfrm>
+            <a:prstGeom prst="rect">
+              <a:avLst/>
+            </a:prstGeom>
+            <a:noFill/>
+          </p:spPr>
+          <p:txBody>
+            <a:bodyPr wrap="square" rtlCol="0">
+              <a:spAutoFit/>
+            </a:bodyPr>
+            <a:lstStyle/>
+            <a:p>
+              <a:pPr algn="ctr"/>
+              <a:r>
+                <a:rPr lang="pt-BR" sz="900" dirty="0">
+                  <a:solidFill>
+                    <a:srgbClr val="0070C0"/>
+                  </a:solidFill>
+                  <a:latin typeface="Arial" panose="020B0604020202020204" pitchFamily="34" charset="0"/>
+                  <a:cs typeface="Arial" panose="020B0604020202020204" pitchFamily="34" charset="0"/>
+                </a:rPr>
+                <a:t>GitHub</a:t>
+              </a:r>
+            </a:p>
+          </p:txBody>
+        </p:sp>
+        <p:pic>
+          <p:nvPicPr>
+            <p:cNvPr id="62" name="Imagem 61">
+              <a:extLst>
+                <a:ext uri="{FF2B5EF4-FFF2-40B4-BE49-F238E27FC236}">
+                  <a16:creationId xmlns:a16="http://schemas.microsoft.com/office/drawing/2014/main" id="{06240699-0062-4963-90E5-AF0E9DEDAD7E}"/>
+                </a:ext>
+              </a:extLst>
+            </p:cNvPr>
+            <p:cNvPicPr>
+              <a:picLocks noChangeAspect="1"/>
+            </p:cNvPicPr>
+            <p:nvPr/>
+          </p:nvPicPr>
+          <p:blipFill>
+            <a:blip r:embed="rId19" cstate="hqprint">
+              <a:extLst>
+                <a:ext uri="{28A0092B-C50C-407E-A947-70E740481C1C}">
+                  <a14:useLocalDpi xmlns:a14="http://schemas.microsoft.com/office/drawing/2010/main" val="0"/>
+                </a:ext>
+              </a:extLst>
+            </a:blip>
+            <a:stretch>
+              <a:fillRect/>
+            </a:stretch>
+          </p:blipFill>
+          <p:spPr>
+            <a:xfrm>
+              <a:off x="8251883" y="-25368"/>
+              <a:ext cx="621321" cy="516473"/>
+            </a:xfrm>
+            <a:prstGeom prst="rect">
+              <a:avLst/>
+            </a:prstGeom>
+          </p:spPr>
+        </p:pic>
+      </p:grpSp>
+      <p:grpSp>
+        <p:nvGrpSpPr>
+          <p:cNvPr id="43" name="Agrupar 42"/>
+          <p:cNvGrpSpPr/>
+          <p:nvPr/>
+        </p:nvGrpSpPr>
+        <p:grpSpPr>
+          <a:xfrm>
+            <a:off x="1767407" y="244870"/>
+            <a:ext cx="1327108" cy="975351"/>
+            <a:chOff x="1655259" y="-273868"/>
+            <a:chExt cx="1327108" cy="975351"/>
+          </a:xfrm>
+        </p:grpSpPr>
+        <p:pic>
+          <p:nvPicPr>
+            <p:cNvPr id="72" name="Imagem 71">
+              <a:extLst>
+                <a:ext uri="{FF2B5EF4-FFF2-40B4-BE49-F238E27FC236}">
+                  <a16:creationId xmlns:a16="http://schemas.microsoft.com/office/drawing/2014/main" id="{0D482579-87D7-4E6E-8114-E87C62D47AC1}"/>
+                </a:ext>
+              </a:extLst>
+            </p:cNvPr>
+            <p:cNvPicPr>
+              <a:picLocks noChangeAspect="1"/>
+            </p:cNvPicPr>
+            <p:nvPr/>
+          </p:nvPicPr>
+          <p:blipFill>
+            <a:blip r:embed="rId17">
+              <a:extLst>
+                <a:ext uri="{28A0092B-C50C-407E-A947-70E740481C1C}">
+                  <a14:useLocalDpi xmlns:a14="http://schemas.microsoft.com/office/drawing/2010/main" val="0"/>
+                </a:ext>
+              </a:extLst>
+            </a:blip>
+            <a:stretch>
+              <a:fillRect/>
+            </a:stretch>
+          </p:blipFill>
+          <p:spPr>
+            <a:xfrm>
+              <a:off x="1831138" y="-273868"/>
+              <a:ext cx="975351" cy="975351"/>
+            </a:xfrm>
+            <a:prstGeom prst="rect">
+              <a:avLst/>
+            </a:prstGeom>
+          </p:spPr>
+        </p:pic>
+        <p:sp>
+          <p:nvSpPr>
+            <p:cNvPr id="73" name="CaixaDeTexto 72">
+              <a:extLst>
+                <a:ext uri="{FF2B5EF4-FFF2-40B4-BE49-F238E27FC236}">
+                  <a16:creationId xmlns:a16="http://schemas.microsoft.com/office/drawing/2014/main" id="{6B3E706C-82DA-4CF0-90A9-612DAF171BBA}"/>
+                </a:ext>
+              </a:extLst>
+            </p:cNvPr>
+            <p:cNvSpPr txBox="1"/>
+            <p:nvPr/>
+          </p:nvSpPr>
+          <p:spPr>
+            <a:xfrm>
+              <a:off x="1655259" y="181024"/>
+              <a:ext cx="1327108" cy="230832"/>
+            </a:xfrm>
+            <a:prstGeom prst="rect">
+              <a:avLst/>
+            </a:prstGeom>
+            <a:noFill/>
+          </p:spPr>
+          <p:txBody>
+            <a:bodyPr wrap="square" rtlCol="0">
+              <a:spAutoFit/>
+            </a:bodyPr>
+            <a:lstStyle/>
+            <a:p>
+              <a:pPr algn="ctr"/>
+              <a:r>
+                <a:rPr lang="pt-BR" sz="900" dirty="0" err="1">
+                  <a:solidFill>
+                    <a:srgbClr val="0070C0"/>
+                  </a:solidFill>
+                  <a:latin typeface="Arial" panose="020B0604020202020204" pitchFamily="34" charset="0"/>
+                  <a:cs typeface="Arial" panose="020B0604020202020204" pitchFamily="34" charset="0"/>
+                </a:rPr>
+                <a:t>Freshdesk</a:t>
+              </a:r>
+              <a:endParaRPr lang="pt-BR" sz="900" dirty="0">
+                <a:solidFill>
+                  <a:srgbClr val="0070C0"/>
+                </a:solidFill>
+                <a:latin typeface="Arial" panose="020B0604020202020204" pitchFamily="34" charset="0"/>
+                <a:cs typeface="Arial" panose="020B0604020202020204" pitchFamily="34" charset="0"/>
+              </a:endParaRPr>
+            </a:p>
+          </p:txBody>
+        </p:sp>
+        <p:pic>
+          <p:nvPicPr>
+            <p:cNvPr id="66" name="Imagem 65">
+              <a:extLst>
+                <a:ext uri="{FF2B5EF4-FFF2-40B4-BE49-F238E27FC236}">
+                  <a16:creationId xmlns:a16="http://schemas.microsoft.com/office/drawing/2014/main" id="{C14C02C2-A82E-420E-B6A1-BD0C2417E92F}"/>
+                </a:ext>
+              </a:extLst>
+            </p:cNvPr>
+            <p:cNvPicPr>
+              <a:picLocks noChangeAspect="1"/>
+            </p:cNvPicPr>
+            <p:nvPr/>
+          </p:nvPicPr>
+          <p:blipFill rotWithShape="1">
+            <a:blip r:embed="rId20" cstate="hqprint">
+              <a:extLst>
+                <a:ext uri="{28A0092B-C50C-407E-A947-70E740481C1C}">
+                  <a14:useLocalDpi xmlns:a14="http://schemas.microsoft.com/office/drawing/2010/main" val="0"/>
+                </a:ext>
+              </a:extLst>
+            </a:blip>
+            <a:srcRect l="55810" r="4259" b="48491"/>
+            <a:stretch/>
+          </p:blipFill>
+          <p:spPr>
+            <a:xfrm>
+              <a:off x="1738013" y="-185385"/>
+              <a:ext cx="438366" cy="438366"/>
+            </a:xfrm>
+            <a:prstGeom prst="rect">
+              <a:avLst/>
+            </a:prstGeom>
+          </p:spPr>
+        </p:pic>
+      </p:grpSp>
+      <p:sp>
+        <p:nvSpPr>
+          <p:cNvPr id="121" name="Retângulo de cantos arredondados 35">
+            <a:extLst>
+              <a:ext uri="{FF2B5EF4-FFF2-40B4-BE49-F238E27FC236}">
+                <a16:creationId xmlns:a16="http://schemas.microsoft.com/office/drawing/2014/main" id="{B8F07FC8-0118-463E-80B9-D74EC52E475D}"/>
+              </a:ext>
+            </a:extLst>
+          </p:cNvPr>
+          <p:cNvSpPr/>
+          <p:nvPr/>
+        </p:nvSpPr>
+        <p:spPr>
+          <a:xfrm>
+            <a:off x="455487" y="3688662"/>
+            <a:ext cx="7247282" cy="2841448"/>
+          </a:xfrm>
+          <a:prstGeom prst="roundRect">
+            <a:avLst/>
+          </a:prstGeom>
+          <a:noFill/>
+          <a:ln w="28575">
+            <a:solidFill>
+              <a:schemeClr val="bg1">
+                <a:lumMod val="65000"/>
+              </a:schemeClr>
+            </a:solidFill>
+            <a:prstDash val="sysDash"/>
+          </a:ln>
+        </p:spPr>
+        <p:style>
+          <a:lnRef idx="2">
+            <a:schemeClr val="accent1">
+              <a:shade val="50000"/>
+            </a:schemeClr>
+          </a:lnRef>
+          <a:fillRef idx="1">
+            <a:schemeClr val="accent1"/>
+          </a:fillRef>
+          <a:effectRef idx="0">
+            <a:schemeClr val="accent1"/>
+          </a:effectRef>
+          <a:fontRef idx="minor">
+            <a:schemeClr val="lt1"/>
+          </a:fontRef>
+        </p:style>
+        <p:txBody>
+          <a:bodyPr rtlCol="0" anchor="t" anchorCtr="1"/>
+          <a:lstStyle/>
+          <a:p>
+            <a:pPr algn="ctr"/>
+            <a:endParaRPr lang="pt-BR" sz="1400" b="1" dirty="0">
+              <a:solidFill>
+                <a:schemeClr val="accent5">
+                  <a:lumMod val="75000"/>
+                </a:schemeClr>
+              </a:solidFill>
+              <a:latin typeface="Arial" panose="020B0604020202020204" pitchFamily="34" charset="0"/>
+              <a:cs typeface="Arial" panose="020B0604020202020204" pitchFamily="34" charset="0"/>
+            </a:endParaRPr>
+          </a:p>
+        </p:txBody>
+      </p:sp>
+      <p:sp>
+        <p:nvSpPr>
+          <p:cNvPr id="122" name="CaixaDeTexto 121">
+            <a:extLst>
+              <a:ext uri="{FF2B5EF4-FFF2-40B4-BE49-F238E27FC236}">
+                <a16:creationId xmlns:a16="http://schemas.microsoft.com/office/drawing/2014/main" id="{AB271506-8F69-4BEB-8CA6-F5D8E3E7A5ED}"/>
+              </a:ext>
+            </a:extLst>
+          </p:cNvPr>
+          <p:cNvSpPr txBox="1"/>
+          <p:nvPr/>
+        </p:nvSpPr>
+        <p:spPr>
+          <a:xfrm>
+            <a:off x="3394325" y="3537280"/>
+            <a:ext cx="1369607" cy="261610"/>
+          </a:xfrm>
+          <a:prstGeom prst="rect">
+            <a:avLst/>
+          </a:prstGeom>
+          <a:solidFill>
+            <a:schemeClr val="bg1"/>
+          </a:solidFill>
+        </p:spPr>
+        <p:txBody>
+          <a:bodyPr wrap="square" rtlCol="0">
+            <a:spAutoFit/>
+          </a:bodyPr>
+          <a:lstStyle/>
+          <a:p>
+            <a:pPr algn="ctr"/>
+            <a:r>
+              <a:rPr lang="pt-BR" sz="1100" b="1" dirty="0" smtClean="0">
+                <a:solidFill>
+                  <a:schemeClr val="accent5">
+                    <a:lumMod val="75000"/>
+                  </a:schemeClr>
+                </a:solidFill>
+                <a:latin typeface="Arial" panose="020B0604020202020204" pitchFamily="34" charset="0"/>
+                <a:cs typeface="Arial" panose="020B0604020202020204" pitchFamily="34" charset="0"/>
+              </a:rPr>
+              <a:t>REDE LOCAL</a:t>
+            </a:r>
+            <a:endParaRPr lang="pt-BR" sz="1100" dirty="0">
+              <a:latin typeface="Arial" panose="020B0604020202020204" pitchFamily="34" charset="0"/>
+              <a:cs typeface="Arial" panose="020B0604020202020204" pitchFamily="34" charset="0"/>
+            </a:endParaRPr>
+          </a:p>
+        </p:txBody>
+      </p:sp>
+      <p:grpSp>
+        <p:nvGrpSpPr>
+          <p:cNvPr id="11" name="Agrupar 10"/>
+          <p:cNvGrpSpPr/>
+          <p:nvPr/>
+        </p:nvGrpSpPr>
+        <p:grpSpPr>
+          <a:xfrm rot="2804728">
+            <a:off x="7146408" y="5325041"/>
+            <a:ext cx="865109" cy="827692"/>
+            <a:chOff x="5490795" y="5378146"/>
+            <a:chExt cx="865109" cy="827692"/>
+          </a:xfrm>
+        </p:grpSpPr>
+        <p:sp>
+          <p:nvSpPr>
+            <p:cNvPr id="111" name="Balão de Fala: Retângulo 110">
+              <a:extLst>
+                <a:ext uri="{FF2B5EF4-FFF2-40B4-BE49-F238E27FC236}">
+                  <a16:creationId xmlns:a16="http://schemas.microsoft.com/office/drawing/2014/main" id="{3298755E-5CF7-4565-84C1-62FBC3EE5C93}"/>
+                </a:ext>
+              </a:extLst>
+            </p:cNvPr>
+            <p:cNvSpPr/>
+            <p:nvPr/>
+          </p:nvSpPr>
+          <p:spPr>
+            <a:xfrm rot="3968150" flipH="1" flipV="1">
+              <a:off x="5509504" y="5359437"/>
+              <a:ext cx="827692" cy="865109"/>
+            </a:xfrm>
+            <a:prstGeom prst="wedgeRectCallout">
+              <a:avLst>
+                <a:gd name="adj1" fmla="val -24905"/>
+                <a:gd name="adj2" fmla="val -63058"/>
+              </a:avLst>
+            </a:prstGeom>
+            <a:solidFill>
+              <a:srgbClr val="D5DCED">
+                <a:alpha val="73000"/>
+              </a:srgbClr>
+            </a:solidFill>
+            <a:ln>
+              <a:noFill/>
+            </a:ln>
+          </p:spPr>
+          <p:style>
+            <a:lnRef idx="2">
+              <a:schemeClr val="accent1">
+                <a:shade val="50000"/>
+              </a:schemeClr>
+            </a:lnRef>
+            <a:fillRef idx="1">
+              <a:schemeClr val="accent1"/>
+            </a:fillRef>
+            <a:effectRef idx="0">
+              <a:schemeClr val="accent1"/>
+            </a:effectRef>
+            <a:fontRef idx="minor">
+              <a:schemeClr val="lt1"/>
+            </a:fontRef>
+          </p:style>
+          <p:txBody>
+            <a:bodyPr vert="horz" lIns="0" tIns="0" rIns="0" bIns="0" rtlCol="0" anchor="t" anchorCtr="0"/>
+            <a:lstStyle/>
+            <a:p>
+              <a:pPr algn="ctr"/>
+              <a:endParaRPr lang="pt-BR" b="1">
+                <a:solidFill>
+                  <a:schemeClr val="tx1"/>
+                </a:solidFill>
+                <a:latin typeface="Arial" panose="020B0604020202020204" pitchFamily="34" charset="0"/>
+                <a:cs typeface="Arial" panose="020B0604020202020204" pitchFamily="34" charset="0"/>
+              </a:endParaRPr>
+            </a:p>
+          </p:txBody>
+        </p:sp>
+        <p:pic>
+          <p:nvPicPr>
+            <p:cNvPr id="115" name="Imagem 114">
+              <a:extLst>
+                <a:ext uri="{FF2B5EF4-FFF2-40B4-BE49-F238E27FC236}">
+                  <a16:creationId xmlns:a16="http://schemas.microsoft.com/office/drawing/2014/main" id="{C508E1B6-ED8F-4F93-9691-CE931EE3E670}"/>
+                </a:ext>
+              </a:extLst>
+            </p:cNvPr>
+            <p:cNvPicPr>
+              <a:picLocks noChangeAspect="1"/>
+            </p:cNvPicPr>
+            <p:nvPr/>
+          </p:nvPicPr>
+          <p:blipFill>
+            <a:blip r:embed="rId21" cstate="hqprint">
+              <a:extLst>
+                <a:ext uri="{28A0092B-C50C-407E-A947-70E740481C1C}">
+                  <a14:useLocalDpi xmlns:a14="http://schemas.microsoft.com/office/drawing/2010/main" val="0"/>
+                </a:ext>
+              </a:extLst>
+            </a:blip>
+            <a:stretch>
+              <a:fillRect/>
+            </a:stretch>
+          </p:blipFill>
+          <p:spPr>
+            <a:xfrm rot="20168150">
+              <a:off x="5550520" y="5465480"/>
+              <a:ext cx="732298" cy="732298"/>
+            </a:xfrm>
+            <a:prstGeom prst="rect">
+              <a:avLst/>
+            </a:prstGeom>
+          </p:spPr>
+        </p:pic>
+      </p:grpSp>
+      <p:sp>
+        <p:nvSpPr>
+          <p:cNvPr id="127" name="Balão de Fala: Retângulo 126">
+            <a:extLst>
+              <a:ext uri="{FF2B5EF4-FFF2-40B4-BE49-F238E27FC236}">
+                <a16:creationId xmlns:a16="http://schemas.microsoft.com/office/drawing/2014/main" id="{09609CEE-345F-4747-92D5-0ED775C7DD98}"/>
+              </a:ext>
+            </a:extLst>
+          </p:cNvPr>
+          <p:cNvSpPr/>
+          <p:nvPr/>
+        </p:nvSpPr>
+        <p:spPr>
+          <a:xfrm rot="16200000" flipH="1">
+            <a:off x="1651037" y="2910933"/>
+            <a:ext cx="2549545" cy="4428613"/>
+          </a:xfrm>
+          <a:prstGeom prst="wedgeRectCallout">
+            <a:avLst>
+              <a:gd name="adj1" fmla="val -18827"/>
+              <a:gd name="adj2" fmla="val 57166"/>
+            </a:avLst>
+          </a:prstGeom>
+          <a:solidFill>
+            <a:srgbClr val="D5DCED">
+              <a:alpha val="73000"/>
+            </a:srgbClr>
+          </a:solidFill>
+          <a:ln>
+            <a:noFill/>
+          </a:ln>
+        </p:spPr>
+        <p:style>
+          <a:lnRef idx="2">
+            <a:schemeClr val="accent1">
+              <a:shade val="50000"/>
+            </a:schemeClr>
+          </a:lnRef>
+          <a:fillRef idx="1">
+            <a:schemeClr val="accent1"/>
+          </a:fillRef>
+          <a:effectRef idx="0">
+            <a:schemeClr val="accent1"/>
+          </a:effectRef>
+          <a:fontRef idx="minor">
+            <a:schemeClr val="lt1"/>
+          </a:fontRef>
+        </p:style>
+        <p:txBody>
+          <a:bodyPr rot="0" spcFirstLastPara="0" vertOverflow="overflow" horzOverflow="overflow" vert="horz" wrap="square" lIns="0" tIns="0" rIns="0" bIns="0" numCol="1" spcCol="0" rtlCol="0" fromWordArt="0" anchor="t" anchorCtr="0" forceAA="0" compatLnSpc="1">
+            <a:prstTxWarp prst="textNoShape">
+              <a:avLst/>
+            </a:prstTxWarp>
+            <a:noAutofit/>
+          </a:bodyPr>
+          <a:lstStyle/>
+          <a:p>
+            <a:pPr algn="ctr"/>
+            <a:endParaRPr lang="pt-BR" sz="1000" b="1" dirty="0">
+              <a:solidFill>
+                <a:schemeClr val="tx1"/>
+              </a:solidFill>
+              <a:latin typeface="Arial" panose="020B0604020202020204" pitchFamily="34" charset="0"/>
+              <a:cs typeface="Arial" panose="020B0604020202020204" pitchFamily="34" charset="0"/>
+            </a:endParaRPr>
+          </a:p>
+        </p:txBody>
+      </p:sp>
+      <p:sp>
+        <p:nvSpPr>
+          <p:cNvPr id="131" name="Retângulo 130">
+            <a:extLst>
+              <a:ext uri="{FF2B5EF4-FFF2-40B4-BE49-F238E27FC236}">
+                <a16:creationId xmlns:a16="http://schemas.microsoft.com/office/drawing/2014/main" id="{C5AF9394-550F-49A5-AE20-91469212FF37}"/>
+              </a:ext>
+            </a:extLst>
+          </p:cNvPr>
+          <p:cNvSpPr/>
+          <p:nvPr/>
+        </p:nvSpPr>
+        <p:spPr>
+          <a:xfrm>
+            <a:off x="804938" y="4120280"/>
+            <a:ext cx="3961406" cy="2019383"/>
+          </a:xfrm>
+          <a:prstGeom prst="rect">
+            <a:avLst/>
+          </a:prstGeom>
+          <a:noFill/>
+        </p:spPr>
+        <p:style>
+          <a:lnRef idx="2">
+            <a:schemeClr val="accent1">
+              <a:shade val="50000"/>
+            </a:schemeClr>
+          </a:lnRef>
+          <a:fillRef idx="1">
+            <a:schemeClr val="accent1"/>
+          </a:fillRef>
+          <a:effectRef idx="0">
+            <a:schemeClr val="accent1"/>
+          </a:effectRef>
+          <a:fontRef idx="minor">
+            <a:schemeClr val="lt1"/>
+          </a:fontRef>
+        </p:style>
+        <p:txBody>
+          <a:bodyPr rtlCol="0" anchor="ctr"/>
+          <a:lstStyle/>
+          <a:p>
+            <a:pPr algn="ctr"/>
+            <a:endParaRPr lang="pt-BR" sz="1000">
+              <a:latin typeface="Arial" panose="020B0604020202020204" pitchFamily="34" charset="0"/>
+              <a:cs typeface="Arial" panose="020B0604020202020204" pitchFamily="34" charset="0"/>
+            </a:endParaRPr>
+          </a:p>
+        </p:txBody>
+      </p:sp>
+      <p:cxnSp>
+        <p:nvCxnSpPr>
+          <p:cNvPr id="133" name="Conector reto 132">
+            <a:extLst>
+              <a:ext uri="{FF2B5EF4-FFF2-40B4-BE49-F238E27FC236}">
+                <a16:creationId xmlns:a16="http://schemas.microsoft.com/office/drawing/2014/main" id="{68CA41D4-C076-47F0-BC12-FF66B54B9E44}"/>
+              </a:ext>
+            </a:extLst>
+          </p:cNvPr>
+          <p:cNvCxnSpPr>
+            <a:cxnSpLocks/>
+          </p:cNvCxnSpPr>
+          <p:nvPr/>
+        </p:nvCxnSpPr>
+        <p:spPr>
+          <a:xfrm>
+            <a:off x="4280570" y="6287755"/>
+            <a:ext cx="614110" cy="0"/>
+          </a:xfrm>
+          <a:prstGeom prst="line">
+            <a:avLst/>
+          </a:prstGeom>
+        </p:spPr>
+        <p:style>
+          <a:lnRef idx="1">
+            <a:schemeClr val="accent1"/>
+          </a:lnRef>
+          <a:fillRef idx="0">
+            <a:schemeClr val="accent1"/>
+          </a:fillRef>
+          <a:effectRef idx="0">
+            <a:schemeClr val="accent1"/>
+          </a:effectRef>
+          <a:fontRef idx="minor">
+            <a:schemeClr val="tx1"/>
+          </a:fontRef>
+        </p:style>
+      </p:cxnSp>
+      <p:cxnSp>
+        <p:nvCxnSpPr>
+          <p:cNvPr id="139" name="Conector reto 138">
+            <a:extLst>
+              <a:ext uri="{FF2B5EF4-FFF2-40B4-BE49-F238E27FC236}">
+                <a16:creationId xmlns:a16="http://schemas.microsoft.com/office/drawing/2014/main" id="{6ADCA4F2-388C-4CB0-81F9-32A3F8759204}"/>
+              </a:ext>
+            </a:extLst>
+          </p:cNvPr>
+          <p:cNvCxnSpPr>
+            <a:cxnSpLocks/>
+          </p:cNvCxnSpPr>
+          <p:nvPr/>
+        </p:nvCxnSpPr>
+        <p:spPr>
+          <a:xfrm>
+            <a:off x="4894680" y="5673072"/>
+            <a:ext cx="1" cy="614683"/>
+          </a:xfrm>
+          <a:prstGeom prst="line">
+            <a:avLst/>
+          </a:prstGeom>
+        </p:spPr>
+        <p:style>
+          <a:lnRef idx="1">
+            <a:schemeClr val="accent1"/>
+          </a:lnRef>
+          <a:fillRef idx="0">
+            <a:schemeClr val="accent1"/>
+          </a:fillRef>
+          <a:effectRef idx="0">
+            <a:schemeClr val="accent1"/>
+          </a:effectRef>
+          <a:fontRef idx="minor">
+            <a:schemeClr val="tx1"/>
+          </a:fontRef>
+        </p:style>
+      </p:cxnSp>
+      <p:cxnSp>
+        <p:nvCxnSpPr>
+          <p:cNvPr id="142" name="Conector reto 141">
+            <a:extLst>
+              <a:ext uri="{FF2B5EF4-FFF2-40B4-BE49-F238E27FC236}">
+                <a16:creationId xmlns:a16="http://schemas.microsoft.com/office/drawing/2014/main" id="{B1B62246-ABD1-4389-B508-4AA0A3BF447D}"/>
+              </a:ext>
+            </a:extLst>
+          </p:cNvPr>
+          <p:cNvCxnSpPr>
+            <a:cxnSpLocks/>
+          </p:cNvCxnSpPr>
+          <p:nvPr/>
+        </p:nvCxnSpPr>
+        <p:spPr>
+          <a:xfrm>
+            <a:off x="4280570" y="6440155"/>
+            <a:ext cx="766510" cy="0"/>
+          </a:xfrm>
+          <a:prstGeom prst="line">
+            <a:avLst/>
+          </a:prstGeom>
+        </p:spPr>
+        <p:style>
+          <a:lnRef idx="1">
+            <a:schemeClr val="accent1"/>
+          </a:lnRef>
+          <a:fillRef idx="0">
+            <a:schemeClr val="accent1"/>
+          </a:fillRef>
+          <a:effectRef idx="0">
+            <a:schemeClr val="accent1"/>
+          </a:effectRef>
+          <a:fontRef idx="minor">
+            <a:schemeClr val="tx1"/>
+          </a:fontRef>
+        </p:style>
+      </p:cxnSp>
+      <p:cxnSp>
+        <p:nvCxnSpPr>
+          <p:cNvPr id="143" name="Conector reto 142">
+            <a:extLst>
+              <a:ext uri="{FF2B5EF4-FFF2-40B4-BE49-F238E27FC236}">
+                <a16:creationId xmlns:a16="http://schemas.microsoft.com/office/drawing/2014/main" id="{E5200738-2B4A-4FA7-A611-CCF04DD61129}"/>
+              </a:ext>
+            </a:extLst>
+          </p:cNvPr>
+          <p:cNvCxnSpPr>
+            <a:cxnSpLocks/>
+          </p:cNvCxnSpPr>
+          <p:nvPr/>
+        </p:nvCxnSpPr>
+        <p:spPr>
+          <a:xfrm>
+            <a:off x="5047081" y="5657030"/>
+            <a:ext cx="0" cy="783125"/>
+          </a:xfrm>
+          <a:prstGeom prst="line">
+            <a:avLst/>
+          </a:prstGeom>
+        </p:spPr>
+        <p:style>
+          <a:lnRef idx="1">
+            <a:schemeClr val="accent1"/>
+          </a:lnRef>
+          <a:fillRef idx="0">
+            <a:schemeClr val="accent1"/>
+          </a:fillRef>
+          <a:effectRef idx="0">
+            <a:schemeClr val="accent1"/>
+          </a:effectRef>
+          <a:fontRef idx="minor">
+            <a:schemeClr val="tx1"/>
+          </a:fontRef>
+        </p:style>
+      </p:cxnSp>
+      <p:sp>
+        <p:nvSpPr>
+          <p:cNvPr id="150" name="CaixaDeTexto 149">
+            <a:extLst>
+              <a:ext uri="{FF2B5EF4-FFF2-40B4-BE49-F238E27FC236}">
+                <a16:creationId xmlns:a16="http://schemas.microsoft.com/office/drawing/2014/main" id="{7D624791-C9E3-42A7-8C14-3176D871AA72}"/>
+              </a:ext>
+            </a:extLst>
+          </p:cNvPr>
+          <p:cNvSpPr txBox="1"/>
+          <p:nvPr/>
+        </p:nvSpPr>
+        <p:spPr>
+          <a:xfrm>
+            <a:off x="4542051" y="5869166"/>
+            <a:ext cx="216520" cy="246221"/>
+          </a:xfrm>
+          <a:prstGeom prst="rect">
+            <a:avLst/>
+          </a:prstGeom>
+          <a:noFill/>
+        </p:spPr>
+        <p:txBody>
+          <a:bodyPr wrap="square" rtlCol="0">
+            <a:spAutoFit/>
+          </a:bodyPr>
+          <a:lstStyle>
+            <a:defPPr>
+              <a:defRPr lang="pt-BR"/>
+            </a:defPPr>
+            <a:lvl1pPr>
+              <a:defRPr b="1">
+                <a:solidFill>
+                  <a:schemeClr val="accent5">
+                    <a:lumMod val="75000"/>
+                  </a:schemeClr>
+                </a:solidFill>
+                <a:latin typeface="Arial" panose="020B0604020202020204" pitchFamily="34" charset="0"/>
+                <a:cs typeface="Arial" panose="020B0604020202020204" pitchFamily="34" charset="0"/>
+              </a:defRPr>
+            </a:lvl1pPr>
+          </a:lstStyle>
+          <a:p>
+            <a:r>
+              <a:rPr lang="pt-BR" sz="1000" dirty="0"/>
+              <a:t>1</a:t>
+            </a:r>
+          </a:p>
+        </p:txBody>
+      </p:sp>
+      <p:sp>
+        <p:nvSpPr>
+          <p:cNvPr id="151" name="CaixaDeTexto 150">
+            <a:extLst>
+              <a:ext uri="{FF2B5EF4-FFF2-40B4-BE49-F238E27FC236}">
+                <a16:creationId xmlns:a16="http://schemas.microsoft.com/office/drawing/2014/main" id="{793B3030-1F45-4A23-BEBA-7936EE012D86}"/>
+              </a:ext>
+            </a:extLst>
+          </p:cNvPr>
+          <p:cNvSpPr txBox="1"/>
+          <p:nvPr/>
+        </p:nvSpPr>
+        <p:spPr>
+          <a:xfrm>
+            <a:off x="4823352" y="6214397"/>
+            <a:ext cx="216520" cy="246221"/>
+          </a:xfrm>
+          <a:prstGeom prst="rect">
+            <a:avLst/>
+          </a:prstGeom>
+          <a:noFill/>
+        </p:spPr>
+        <p:txBody>
+          <a:bodyPr wrap="square" rtlCol="0">
+            <a:spAutoFit/>
+          </a:bodyPr>
+          <a:lstStyle>
+            <a:defPPr>
+              <a:defRPr lang="pt-BR"/>
+            </a:defPPr>
+            <a:lvl1pPr>
+              <a:defRPr b="1">
+                <a:solidFill>
+                  <a:schemeClr val="accent5">
+                    <a:lumMod val="75000"/>
+                  </a:schemeClr>
+                </a:solidFill>
+                <a:latin typeface="Arial" panose="020B0604020202020204" pitchFamily="34" charset="0"/>
+                <a:cs typeface="Arial" panose="020B0604020202020204" pitchFamily="34" charset="0"/>
+              </a:defRPr>
+            </a:lvl1pPr>
+          </a:lstStyle>
+          <a:p>
+            <a:r>
+              <a:rPr lang="pt-BR" sz="1000" dirty="0"/>
+              <a:t>N</a:t>
+            </a:r>
+          </a:p>
+        </p:txBody>
+      </p:sp>
+      <p:sp>
+        <p:nvSpPr>
+          <p:cNvPr id="152" name="CaixaDeTexto 151">
+            <a:extLst>
+              <a:ext uri="{FF2B5EF4-FFF2-40B4-BE49-F238E27FC236}">
+                <a16:creationId xmlns:a16="http://schemas.microsoft.com/office/drawing/2014/main" id="{D8BF2662-C2A8-48BB-9D4D-E4047F163AF0}"/>
+              </a:ext>
+            </a:extLst>
+          </p:cNvPr>
+          <p:cNvSpPr txBox="1"/>
+          <p:nvPr/>
+        </p:nvSpPr>
+        <p:spPr>
+          <a:xfrm>
+            <a:off x="4726535" y="6037608"/>
+            <a:ext cx="216520" cy="246221"/>
+          </a:xfrm>
+          <a:prstGeom prst="rect">
+            <a:avLst/>
+          </a:prstGeom>
+          <a:noFill/>
+        </p:spPr>
+        <p:txBody>
+          <a:bodyPr wrap="square" rtlCol="0">
+            <a:spAutoFit/>
+          </a:bodyPr>
+          <a:lstStyle>
+            <a:defPPr>
+              <a:defRPr lang="pt-BR"/>
+            </a:defPPr>
+            <a:lvl1pPr>
+              <a:defRPr b="1">
+                <a:solidFill>
+                  <a:schemeClr val="accent5">
+                    <a:lumMod val="75000"/>
+                  </a:schemeClr>
+                </a:solidFill>
+                <a:latin typeface="Arial" panose="020B0604020202020204" pitchFamily="34" charset="0"/>
+                <a:cs typeface="Arial" panose="020B0604020202020204" pitchFamily="34" charset="0"/>
+              </a:defRPr>
+            </a:lvl1pPr>
+          </a:lstStyle>
+          <a:p>
+            <a:r>
+              <a:rPr lang="pt-BR" sz="1000" dirty="0"/>
+              <a:t>.</a:t>
+            </a:r>
+          </a:p>
+        </p:txBody>
+      </p:sp>
+      <p:sp>
+        <p:nvSpPr>
+          <p:cNvPr id="153" name="Retângulo 152">
+            <a:extLst>
+              <a:ext uri="{FF2B5EF4-FFF2-40B4-BE49-F238E27FC236}">
+                <a16:creationId xmlns:a16="http://schemas.microsoft.com/office/drawing/2014/main" id="{471ED2ED-28DB-49C1-9C61-0F41A5B99DD4}"/>
+              </a:ext>
+            </a:extLst>
+          </p:cNvPr>
+          <p:cNvSpPr/>
+          <p:nvPr/>
+        </p:nvSpPr>
+        <p:spPr>
+          <a:xfrm>
+            <a:off x="962703" y="4272681"/>
+            <a:ext cx="3649641" cy="1487722"/>
+          </a:xfrm>
+          <a:prstGeom prst="rect">
+            <a:avLst/>
+          </a:prstGeom>
+          <a:noFill/>
+        </p:spPr>
+        <p:style>
+          <a:lnRef idx="2">
+            <a:schemeClr val="accent1">
+              <a:shade val="50000"/>
+            </a:schemeClr>
+          </a:lnRef>
+          <a:fillRef idx="1">
+            <a:schemeClr val="accent1"/>
+          </a:fillRef>
+          <a:effectRef idx="0">
+            <a:schemeClr val="accent1"/>
+          </a:effectRef>
+          <a:fontRef idx="minor">
+            <a:schemeClr val="lt1"/>
+          </a:fontRef>
+        </p:style>
+        <p:txBody>
+          <a:bodyPr rtlCol="0" anchor="ctr"/>
+          <a:lstStyle/>
+          <a:p>
+            <a:pPr algn="ctr"/>
+            <a:endParaRPr lang="pt-BR" sz="1000">
+              <a:latin typeface="Arial" panose="020B0604020202020204" pitchFamily="34" charset="0"/>
+              <a:cs typeface="Arial" panose="020B0604020202020204" pitchFamily="34" charset="0"/>
+            </a:endParaRPr>
+          </a:p>
+        </p:txBody>
+      </p:sp>
+      <p:sp>
+        <p:nvSpPr>
+          <p:cNvPr id="154" name="CaixaDeTexto 153">
+            <a:extLst>
+              <a:ext uri="{FF2B5EF4-FFF2-40B4-BE49-F238E27FC236}">
+                <a16:creationId xmlns:a16="http://schemas.microsoft.com/office/drawing/2014/main" id="{ABEF8668-42A4-46C7-9C5A-A591B80339C8}"/>
+              </a:ext>
+            </a:extLst>
+          </p:cNvPr>
+          <p:cNvSpPr txBox="1"/>
+          <p:nvPr/>
+        </p:nvSpPr>
+        <p:spPr>
+          <a:xfrm>
+            <a:off x="775514" y="5839146"/>
+            <a:ext cx="953918" cy="246221"/>
+          </a:xfrm>
+          <a:prstGeom prst="rect">
+            <a:avLst/>
+          </a:prstGeom>
+          <a:noFill/>
+        </p:spPr>
+        <p:txBody>
+          <a:bodyPr wrap="square" rtlCol="0">
+            <a:spAutoFit/>
+          </a:bodyPr>
+          <a:lstStyle>
+            <a:defPPr>
+              <a:defRPr lang="pt-BR"/>
+            </a:defPPr>
+            <a:lvl1pPr>
+              <a:defRPr sz="1200" b="1">
+                <a:solidFill>
+                  <a:schemeClr val="accent5">
+                    <a:lumMod val="75000"/>
+                  </a:schemeClr>
+                </a:solidFill>
+                <a:latin typeface="Arial" panose="020B0604020202020204" pitchFamily="34" charset="0"/>
+                <a:cs typeface="Arial" panose="020B0604020202020204" pitchFamily="34" charset="0"/>
+              </a:defRPr>
+            </a:lvl1pPr>
+          </a:lstStyle>
+          <a:p>
+            <a:r>
+              <a:rPr lang="pt-BR" sz="1000" dirty="0" err="1"/>
+              <a:t>svr</a:t>
+            </a:r>
+            <a:endParaRPr lang="pt-BR" sz="1000" dirty="0"/>
+          </a:p>
+        </p:txBody>
+      </p:sp>
+      <p:sp>
+        <p:nvSpPr>
+          <p:cNvPr id="155" name="Retângulo 154">
+            <a:extLst>
+              <a:ext uri="{FF2B5EF4-FFF2-40B4-BE49-F238E27FC236}">
+                <a16:creationId xmlns:a16="http://schemas.microsoft.com/office/drawing/2014/main" id="{22B4CB2D-6BBE-4A9C-9869-14315B89DD0C}"/>
+              </a:ext>
+            </a:extLst>
+          </p:cNvPr>
+          <p:cNvSpPr/>
+          <p:nvPr/>
+        </p:nvSpPr>
+        <p:spPr>
+          <a:xfrm>
+            <a:off x="1115104" y="4425081"/>
+            <a:ext cx="3315260" cy="983452"/>
+          </a:xfrm>
+          <a:prstGeom prst="rect">
+            <a:avLst/>
+          </a:prstGeom>
+          <a:noFill/>
+        </p:spPr>
+        <p:style>
+          <a:lnRef idx="2">
+            <a:schemeClr val="accent1">
+              <a:shade val="50000"/>
+            </a:schemeClr>
+          </a:lnRef>
+          <a:fillRef idx="1">
+            <a:schemeClr val="accent1"/>
+          </a:fillRef>
+          <a:effectRef idx="0">
+            <a:schemeClr val="accent1"/>
+          </a:effectRef>
+          <a:fontRef idx="minor">
+            <a:schemeClr val="lt1"/>
+          </a:fontRef>
+        </p:style>
+        <p:txBody>
+          <a:bodyPr rtlCol="0" anchor="ctr"/>
+          <a:lstStyle/>
+          <a:p>
+            <a:pPr algn="ctr"/>
+            <a:endParaRPr lang="pt-BR" sz="1000">
+              <a:latin typeface="Arial" panose="020B0604020202020204" pitchFamily="34" charset="0"/>
+              <a:cs typeface="Arial" panose="020B0604020202020204" pitchFamily="34" charset="0"/>
+            </a:endParaRPr>
+          </a:p>
+        </p:txBody>
+      </p:sp>
+      <p:sp>
+        <p:nvSpPr>
+          <p:cNvPr id="156" name="CaixaDeTexto 155">
+            <a:extLst>
+              <a:ext uri="{FF2B5EF4-FFF2-40B4-BE49-F238E27FC236}">
+                <a16:creationId xmlns:a16="http://schemas.microsoft.com/office/drawing/2014/main" id="{E86A6DF3-024F-4DF7-81D3-D5A7DEEECB24}"/>
+              </a:ext>
+            </a:extLst>
+          </p:cNvPr>
+          <p:cNvSpPr txBox="1"/>
+          <p:nvPr/>
+        </p:nvSpPr>
+        <p:spPr>
+          <a:xfrm>
+            <a:off x="946308" y="5443554"/>
+            <a:ext cx="953918" cy="246221"/>
+          </a:xfrm>
+          <a:prstGeom prst="rect">
+            <a:avLst/>
+          </a:prstGeom>
+          <a:noFill/>
+        </p:spPr>
+        <p:txBody>
+          <a:bodyPr wrap="square" rtlCol="0">
+            <a:spAutoFit/>
+          </a:bodyPr>
+          <a:lstStyle>
+            <a:defPPr>
+              <a:defRPr lang="pt-BR"/>
+            </a:defPPr>
+            <a:lvl1pPr>
+              <a:defRPr sz="1200" b="1">
+                <a:solidFill>
+                  <a:schemeClr val="accent5">
+                    <a:lumMod val="75000"/>
+                  </a:schemeClr>
+                </a:solidFill>
+                <a:latin typeface="Arial" panose="020B0604020202020204" pitchFamily="34" charset="0"/>
+                <a:cs typeface="Arial" panose="020B0604020202020204" pitchFamily="34" charset="0"/>
+              </a:defRPr>
+            </a:lvl1pPr>
+          </a:lstStyle>
+          <a:p>
+            <a:r>
+              <a:rPr lang="pt-BR" sz="1000" dirty="0" err="1"/>
+              <a:t>so</a:t>
+            </a:r>
+            <a:endParaRPr lang="pt-BR" sz="1000" dirty="0"/>
+          </a:p>
+        </p:txBody>
+      </p:sp>
+      <p:sp>
+        <p:nvSpPr>
+          <p:cNvPr id="157" name="CaixaDeTexto 156">
+            <a:extLst>
+              <a:ext uri="{FF2B5EF4-FFF2-40B4-BE49-F238E27FC236}">
+                <a16:creationId xmlns:a16="http://schemas.microsoft.com/office/drawing/2014/main" id="{DE67AA34-1360-4605-B91B-DCF892794BE2}"/>
+              </a:ext>
+            </a:extLst>
+          </p:cNvPr>
+          <p:cNvSpPr txBox="1"/>
+          <p:nvPr/>
+        </p:nvSpPr>
+        <p:spPr>
+          <a:xfrm>
+            <a:off x="1106434" y="5093825"/>
+            <a:ext cx="953918" cy="246221"/>
+          </a:xfrm>
+          <a:prstGeom prst="rect">
+            <a:avLst/>
+          </a:prstGeom>
+          <a:noFill/>
+        </p:spPr>
+        <p:txBody>
+          <a:bodyPr wrap="square" rtlCol="0">
+            <a:spAutoFit/>
+          </a:bodyPr>
+          <a:lstStyle>
+            <a:defPPr>
+              <a:defRPr lang="pt-BR"/>
+            </a:defPPr>
+            <a:lvl1pPr>
+              <a:defRPr sz="1200" b="1">
+                <a:solidFill>
+                  <a:schemeClr val="accent5">
+                    <a:lumMod val="75000"/>
+                  </a:schemeClr>
+                </a:solidFill>
+                <a:latin typeface="Arial" panose="020B0604020202020204" pitchFamily="34" charset="0"/>
+                <a:cs typeface="Arial" panose="020B0604020202020204" pitchFamily="34" charset="0"/>
+              </a:defRPr>
+            </a:lvl1pPr>
+          </a:lstStyle>
+          <a:p>
+            <a:r>
+              <a:rPr lang="pt-BR" sz="1000" dirty="0"/>
+              <a:t>app</a:t>
+            </a:r>
+          </a:p>
+        </p:txBody>
+      </p:sp>
+      <p:pic>
+        <p:nvPicPr>
+          <p:cNvPr id="159" name="Imagem 158">
+            <a:extLst>
+              <a:ext uri="{FF2B5EF4-FFF2-40B4-BE49-F238E27FC236}">
+                <a16:creationId xmlns:a16="http://schemas.microsoft.com/office/drawing/2014/main" id="{6BBA8F8E-4808-4468-B9DB-58CCEBE71661}"/>
+              </a:ext>
+            </a:extLst>
+          </p:cNvPr>
+          <p:cNvPicPr>
+            <a:picLocks noChangeAspect="1"/>
+          </p:cNvPicPr>
+          <p:nvPr/>
+        </p:nvPicPr>
+        <p:blipFill>
+          <a:blip r:embed="rId22" cstate="hqprint">
+            <a:extLst>
+              <a:ext uri="{28A0092B-C50C-407E-A947-70E740481C1C}">
+                <a14:useLocalDpi xmlns:a14="http://schemas.microsoft.com/office/drawing/2010/main" val="0"/>
+              </a:ext>
+            </a:extLst>
+          </a:blip>
+          <a:stretch>
+            <a:fillRect/>
+          </a:stretch>
+        </p:blipFill>
+        <p:spPr>
+          <a:xfrm>
+            <a:off x="1045223" y="4452652"/>
+            <a:ext cx="578606" cy="578606"/>
+          </a:xfrm>
+          <a:prstGeom prst="rect">
+            <a:avLst/>
+          </a:prstGeom>
+        </p:spPr>
+      </p:pic>
+      <p:sp>
+        <p:nvSpPr>
+          <p:cNvPr id="162" name="Retângulo 161">
+            <a:extLst>
+              <a:ext uri="{FF2B5EF4-FFF2-40B4-BE49-F238E27FC236}">
+                <a16:creationId xmlns:a16="http://schemas.microsoft.com/office/drawing/2014/main" id="{C41C6C10-9338-496E-830C-9B8AFD22A141}"/>
+              </a:ext>
+            </a:extLst>
+          </p:cNvPr>
+          <p:cNvSpPr/>
+          <p:nvPr/>
+        </p:nvSpPr>
+        <p:spPr>
+          <a:xfrm>
+            <a:off x="1706349" y="4551414"/>
+            <a:ext cx="678282" cy="315261"/>
+          </a:xfrm>
+          <a:prstGeom prst="rect">
+            <a:avLst/>
+          </a:prstGeom>
+          <a:noFill/>
+        </p:spPr>
+        <p:style>
+          <a:lnRef idx="2">
+            <a:schemeClr val="accent1">
+              <a:shade val="50000"/>
+            </a:schemeClr>
+          </a:lnRef>
+          <a:fillRef idx="1">
+            <a:schemeClr val="accent1"/>
+          </a:fillRef>
+          <a:effectRef idx="0">
+            <a:schemeClr val="accent1"/>
+          </a:effectRef>
+          <a:fontRef idx="minor">
+            <a:schemeClr val="lt1"/>
+          </a:fontRef>
+        </p:style>
+        <p:txBody>
+          <a:bodyPr rot="0" spcFirstLastPara="0" vertOverflow="overflow" horzOverflow="overflow" vert="horz" wrap="square" lIns="91440" tIns="45720" rIns="91440" bIns="45720" numCol="1" spcCol="0" rtlCol="0" fromWordArt="0" anchor="ctr" anchorCtr="0" forceAA="0" compatLnSpc="1">
+            <a:prstTxWarp prst="textNoShape">
+              <a:avLst/>
+            </a:prstTxWarp>
+            <a:noAutofit/>
+          </a:bodyPr>
+          <a:lstStyle/>
+          <a:p>
+            <a:pPr algn="ctr"/>
+            <a:r>
+              <a:rPr lang="pt-BR" sz="1000" dirty="0">
+                <a:solidFill>
+                  <a:schemeClr val="tx1"/>
+                </a:solidFill>
+                <a:latin typeface="Arial" panose="020B0604020202020204" pitchFamily="34" charset="0"/>
+                <a:cs typeface="Arial" panose="020B0604020202020204" pitchFamily="34" charset="0"/>
+              </a:rPr>
+              <a:t>API</a:t>
+            </a:r>
+          </a:p>
+        </p:txBody>
+      </p:sp>
+      <p:sp>
+        <p:nvSpPr>
+          <p:cNvPr id="163" name="Retângulo 162">
+            <a:extLst>
+              <a:ext uri="{FF2B5EF4-FFF2-40B4-BE49-F238E27FC236}">
+                <a16:creationId xmlns:a16="http://schemas.microsoft.com/office/drawing/2014/main" id="{1CAD6A07-27F1-425E-B2CA-55DE1D072021}"/>
+              </a:ext>
+            </a:extLst>
+          </p:cNvPr>
+          <p:cNvSpPr/>
+          <p:nvPr/>
+        </p:nvSpPr>
+        <p:spPr>
+          <a:xfrm>
+            <a:off x="1694114" y="4975577"/>
+            <a:ext cx="678282" cy="315261"/>
+          </a:xfrm>
+          <a:prstGeom prst="rect">
+            <a:avLst/>
+          </a:prstGeom>
+          <a:noFill/>
+        </p:spPr>
+        <p:style>
+          <a:lnRef idx="2">
+            <a:schemeClr val="accent1">
+              <a:shade val="50000"/>
+            </a:schemeClr>
+          </a:lnRef>
+          <a:fillRef idx="1">
+            <a:schemeClr val="accent1"/>
+          </a:fillRef>
+          <a:effectRef idx="0">
+            <a:schemeClr val="accent1"/>
+          </a:effectRef>
+          <a:fontRef idx="minor">
+            <a:schemeClr val="lt1"/>
+          </a:fontRef>
+        </p:style>
+        <p:txBody>
+          <a:bodyPr rot="0" spcFirstLastPara="0" vertOverflow="overflow" horzOverflow="overflow" vert="horz" wrap="square" lIns="91440" tIns="45720" rIns="91440" bIns="45720" numCol="1" spcCol="0" rtlCol="0" fromWordArt="0" anchor="ctr" anchorCtr="0" forceAA="0" compatLnSpc="1">
+            <a:prstTxWarp prst="textNoShape">
+              <a:avLst/>
+            </a:prstTxWarp>
+            <a:noAutofit/>
+          </a:bodyPr>
+          <a:lstStyle/>
+          <a:p>
+            <a:pPr algn="ctr"/>
+            <a:r>
+              <a:rPr lang="pt-BR" sz="1000" dirty="0" smtClean="0">
+                <a:solidFill>
+                  <a:schemeClr val="tx1"/>
+                </a:solidFill>
+                <a:latin typeface="Arial" panose="020B0604020202020204" pitchFamily="34" charset="0"/>
+                <a:cs typeface="Arial" panose="020B0604020202020204" pitchFamily="34" charset="0"/>
+              </a:rPr>
+              <a:t>JSENSORS</a:t>
+            </a:r>
+            <a:endParaRPr lang="pt-BR" sz="1000" dirty="0">
+              <a:solidFill>
+                <a:schemeClr val="tx1"/>
+              </a:solidFill>
+              <a:latin typeface="Arial" panose="020B0604020202020204" pitchFamily="34" charset="0"/>
+              <a:cs typeface="Arial" panose="020B0604020202020204" pitchFamily="34" charset="0"/>
+            </a:endParaRPr>
+          </a:p>
+        </p:txBody>
+      </p:sp>
+      <p:sp>
+        <p:nvSpPr>
+          <p:cNvPr id="164" name="Retângulo 163">
+            <a:extLst>
+              <a:ext uri="{FF2B5EF4-FFF2-40B4-BE49-F238E27FC236}">
+                <a16:creationId xmlns:a16="http://schemas.microsoft.com/office/drawing/2014/main" id="{187AF460-B8AE-4783-9B22-4E80D89E01D7}"/>
+              </a:ext>
+            </a:extLst>
+          </p:cNvPr>
+          <p:cNvSpPr/>
+          <p:nvPr/>
+        </p:nvSpPr>
+        <p:spPr>
+          <a:xfrm>
+            <a:off x="2601803" y="4551414"/>
+            <a:ext cx="678282" cy="315261"/>
+          </a:xfrm>
+          <a:prstGeom prst="rect">
+            <a:avLst/>
+          </a:prstGeom>
+          <a:noFill/>
+        </p:spPr>
+        <p:style>
+          <a:lnRef idx="2">
+            <a:schemeClr val="accent1">
+              <a:shade val="50000"/>
+            </a:schemeClr>
+          </a:lnRef>
+          <a:fillRef idx="1">
+            <a:schemeClr val="accent1"/>
+          </a:fillRef>
+          <a:effectRef idx="0">
+            <a:schemeClr val="accent1"/>
+          </a:effectRef>
+          <a:fontRef idx="minor">
+            <a:schemeClr val="lt1"/>
+          </a:fontRef>
+        </p:style>
+        <p:txBody>
+          <a:bodyPr rot="0" spcFirstLastPara="0" vertOverflow="overflow" horzOverflow="overflow" vert="horz" wrap="square" lIns="91440" tIns="45720" rIns="91440" bIns="45720" numCol="1" spcCol="0" rtlCol="0" fromWordArt="0" anchor="ctr" anchorCtr="0" forceAA="0" compatLnSpc="1">
+            <a:prstTxWarp prst="textNoShape">
+              <a:avLst/>
+            </a:prstTxWarp>
+            <a:noAutofit/>
+          </a:bodyPr>
+          <a:lstStyle/>
+          <a:p>
+            <a:pPr algn="ctr"/>
+            <a:r>
+              <a:rPr lang="pt-BR" sz="1000" dirty="0">
+                <a:solidFill>
+                  <a:schemeClr val="tx1"/>
+                </a:solidFill>
+                <a:latin typeface="Arial" panose="020B0604020202020204" pitchFamily="34" charset="0"/>
+                <a:cs typeface="Arial" panose="020B0604020202020204" pitchFamily="34" charset="0"/>
+              </a:rPr>
+              <a:t>JDBC</a:t>
+            </a:r>
+          </a:p>
+        </p:txBody>
+      </p:sp>
+      <p:sp>
+        <p:nvSpPr>
+          <p:cNvPr id="165" name="Retângulo 164">
+            <a:extLst>
+              <a:ext uri="{FF2B5EF4-FFF2-40B4-BE49-F238E27FC236}">
+                <a16:creationId xmlns:a16="http://schemas.microsoft.com/office/drawing/2014/main" id="{B6459840-A2F1-4839-BF95-0ED7DA700836}"/>
+              </a:ext>
+            </a:extLst>
+          </p:cNvPr>
+          <p:cNvSpPr/>
+          <p:nvPr/>
+        </p:nvSpPr>
+        <p:spPr>
+          <a:xfrm>
+            <a:off x="2602238" y="4975013"/>
+            <a:ext cx="678282" cy="315261"/>
+          </a:xfrm>
+          <a:prstGeom prst="rect">
+            <a:avLst/>
+          </a:prstGeom>
+          <a:noFill/>
+        </p:spPr>
+        <p:style>
+          <a:lnRef idx="2">
+            <a:schemeClr val="accent1">
+              <a:shade val="50000"/>
+            </a:schemeClr>
+          </a:lnRef>
+          <a:fillRef idx="1">
+            <a:schemeClr val="accent1"/>
+          </a:fillRef>
+          <a:effectRef idx="0">
+            <a:schemeClr val="accent1"/>
+          </a:effectRef>
+          <a:fontRef idx="minor">
+            <a:schemeClr val="lt1"/>
+          </a:fontRef>
+        </p:style>
+        <p:txBody>
+          <a:bodyPr rot="0" spcFirstLastPara="0" vertOverflow="overflow" horzOverflow="overflow" vert="horz" wrap="square" lIns="91440" tIns="45720" rIns="91440" bIns="45720" numCol="1" spcCol="0" rtlCol="0" fromWordArt="0" anchor="ctr" anchorCtr="0" forceAA="0" compatLnSpc="1">
+            <a:prstTxWarp prst="textNoShape">
+              <a:avLst/>
+            </a:prstTxWarp>
+            <a:noAutofit/>
+          </a:bodyPr>
+          <a:lstStyle/>
+          <a:p>
+            <a:pPr algn="ctr"/>
+            <a:r>
+              <a:rPr lang="pt-BR" sz="1000" dirty="0">
+                <a:solidFill>
+                  <a:schemeClr val="tx1"/>
+                </a:solidFill>
+                <a:latin typeface="Arial" panose="020B0604020202020204" pitchFamily="34" charset="0"/>
+                <a:cs typeface="Arial" panose="020B0604020202020204" pitchFamily="34" charset="0"/>
+              </a:rPr>
+              <a:t>OSHI</a:t>
+            </a:r>
+          </a:p>
+        </p:txBody>
+      </p:sp>
+      <p:sp>
+        <p:nvSpPr>
+          <p:cNvPr id="166" name="Retângulo 165">
+            <a:extLst>
+              <a:ext uri="{FF2B5EF4-FFF2-40B4-BE49-F238E27FC236}">
+                <a16:creationId xmlns:a16="http://schemas.microsoft.com/office/drawing/2014/main" id="{6B168288-3281-4595-8F2D-E317F2C55936}"/>
+              </a:ext>
+            </a:extLst>
+          </p:cNvPr>
+          <p:cNvSpPr/>
+          <p:nvPr/>
+        </p:nvSpPr>
+        <p:spPr>
+          <a:xfrm>
+            <a:off x="3498256" y="4554098"/>
+            <a:ext cx="678282" cy="315261"/>
+          </a:xfrm>
+          <a:prstGeom prst="rect">
+            <a:avLst/>
+          </a:prstGeom>
+          <a:noFill/>
+        </p:spPr>
+        <p:style>
+          <a:lnRef idx="2">
+            <a:schemeClr val="accent1">
+              <a:shade val="50000"/>
+            </a:schemeClr>
+          </a:lnRef>
+          <a:fillRef idx="1">
+            <a:schemeClr val="accent1"/>
+          </a:fillRef>
+          <a:effectRef idx="0">
+            <a:schemeClr val="accent1"/>
+          </a:effectRef>
+          <a:fontRef idx="minor">
+            <a:schemeClr val="lt1"/>
+          </a:fontRef>
+        </p:style>
+        <p:txBody>
+          <a:bodyPr rot="0" spcFirstLastPara="0" vertOverflow="overflow" horzOverflow="overflow" vert="horz" wrap="square" lIns="91440" tIns="45720" rIns="91440" bIns="45720" numCol="1" spcCol="0" rtlCol="0" fromWordArt="0" anchor="ctr" anchorCtr="0" forceAA="0" compatLnSpc="1">
+            <a:prstTxWarp prst="textNoShape">
+              <a:avLst/>
+            </a:prstTxWarp>
+            <a:noAutofit/>
+          </a:bodyPr>
+          <a:lstStyle/>
+          <a:p>
+            <a:pPr algn="ctr"/>
+            <a:r>
+              <a:rPr lang="pt-BR" sz="1000" dirty="0">
+                <a:solidFill>
+                  <a:schemeClr val="tx1"/>
+                </a:solidFill>
+                <a:latin typeface="Arial" panose="020B0604020202020204" pitchFamily="34" charset="0"/>
+                <a:cs typeface="Arial" panose="020B0604020202020204" pitchFamily="34" charset="0"/>
+              </a:rPr>
+              <a:t>LOG</a:t>
+            </a:r>
+          </a:p>
+        </p:txBody>
+      </p:sp>
+      <p:sp>
+        <p:nvSpPr>
+          <p:cNvPr id="167" name="Retângulo 166">
+            <a:extLst>
+              <a:ext uri="{FF2B5EF4-FFF2-40B4-BE49-F238E27FC236}">
+                <a16:creationId xmlns:a16="http://schemas.microsoft.com/office/drawing/2014/main" id="{C85E6B47-B8A4-4852-B3BD-67597F99B715}"/>
+              </a:ext>
+            </a:extLst>
+          </p:cNvPr>
+          <p:cNvSpPr/>
+          <p:nvPr/>
+        </p:nvSpPr>
+        <p:spPr>
+          <a:xfrm>
+            <a:off x="3498256" y="4975013"/>
+            <a:ext cx="678282" cy="315261"/>
+          </a:xfrm>
+          <a:prstGeom prst="rect">
+            <a:avLst/>
+          </a:prstGeom>
+          <a:noFill/>
+        </p:spPr>
+        <p:style>
+          <a:lnRef idx="2">
+            <a:schemeClr val="accent1">
+              <a:shade val="50000"/>
+            </a:schemeClr>
+          </a:lnRef>
+          <a:fillRef idx="1">
+            <a:schemeClr val="accent1"/>
+          </a:fillRef>
+          <a:effectRef idx="0">
+            <a:schemeClr val="accent1"/>
+          </a:effectRef>
+          <a:fontRef idx="minor">
+            <a:schemeClr val="lt1"/>
+          </a:fontRef>
+        </p:style>
+        <p:txBody>
+          <a:bodyPr rot="0" spcFirstLastPara="0" vertOverflow="overflow" horzOverflow="overflow" vert="horz" wrap="square" lIns="91440" tIns="45720" rIns="91440" bIns="45720" numCol="1" spcCol="0" rtlCol="0" fromWordArt="0" anchor="ctr" anchorCtr="0" forceAA="0" compatLnSpc="1">
+            <a:prstTxWarp prst="textNoShape">
+              <a:avLst/>
+            </a:prstTxWarp>
+            <a:noAutofit/>
+          </a:bodyPr>
+          <a:lstStyle/>
+          <a:p>
+            <a:pPr algn="ctr"/>
+            <a:r>
+              <a:rPr lang="pt-BR" sz="1000" dirty="0">
+                <a:solidFill>
+                  <a:schemeClr val="tx1"/>
+                </a:solidFill>
+                <a:latin typeface="Arial" panose="020B0604020202020204" pitchFamily="34" charset="0"/>
+                <a:cs typeface="Arial" panose="020B0604020202020204" pitchFamily="34" charset="0"/>
+              </a:rPr>
+              <a:t>SWING</a:t>
+            </a:r>
+          </a:p>
+        </p:txBody>
+      </p:sp>
+      <p:grpSp>
+        <p:nvGrpSpPr>
+          <p:cNvPr id="5" name="Agrupar 4"/>
+          <p:cNvGrpSpPr/>
+          <p:nvPr/>
+        </p:nvGrpSpPr>
+        <p:grpSpPr>
+          <a:xfrm>
+            <a:off x="5976222" y="3878675"/>
+            <a:ext cx="1057818" cy="1057818"/>
+            <a:chOff x="6670557" y="3390870"/>
+            <a:chExt cx="1057818" cy="1057818"/>
+          </a:xfrm>
+        </p:grpSpPr>
+        <p:pic>
+          <p:nvPicPr>
+            <p:cNvPr id="83" name="Imagem 82">
+              <a:extLst>
+                <a:ext uri="{FF2B5EF4-FFF2-40B4-BE49-F238E27FC236}">
+                  <a16:creationId xmlns:a16="http://schemas.microsoft.com/office/drawing/2014/main" id="{6A26E7A8-FBB5-4E65-9510-7C21682DDADC}"/>
+                </a:ext>
+              </a:extLst>
+            </p:cNvPr>
+            <p:cNvPicPr>
+              <a:picLocks noChangeAspect="1"/>
+            </p:cNvPicPr>
+            <p:nvPr/>
+          </p:nvPicPr>
+          <p:blipFill>
+            <a:blip r:embed="rId23" cstate="hqprint">
+              <a:extLst>
+                <a:ext uri="{28A0092B-C50C-407E-A947-70E740481C1C}">
+                  <a14:useLocalDpi xmlns:a14="http://schemas.microsoft.com/office/drawing/2010/main" val="0"/>
+                </a:ext>
+              </a:extLst>
+            </a:blip>
+            <a:stretch>
+              <a:fillRect/>
+            </a:stretch>
+          </p:blipFill>
+          <p:spPr>
+            <a:xfrm>
+              <a:off x="6670557" y="3390870"/>
+              <a:ext cx="1057818" cy="1057818"/>
+            </a:xfrm>
+            <a:prstGeom prst="rect">
+              <a:avLst/>
+            </a:prstGeom>
+          </p:spPr>
+        </p:pic>
+        <p:sp>
+          <p:nvSpPr>
+            <p:cNvPr id="84" name="CaixaDeTexto 83">
+              <a:extLst>
+                <a:ext uri="{FF2B5EF4-FFF2-40B4-BE49-F238E27FC236}">
+                  <a16:creationId xmlns:a16="http://schemas.microsoft.com/office/drawing/2014/main" id="{85A0D3AA-7DA8-4BB6-A2F7-B0C9479944D8}"/>
+                </a:ext>
+              </a:extLst>
+            </p:cNvPr>
+            <p:cNvSpPr txBox="1"/>
+            <p:nvPr/>
+          </p:nvSpPr>
+          <p:spPr>
+            <a:xfrm>
+              <a:off x="6728186" y="3659091"/>
+              <a:ext cx="917534" cy="246221"/>
+            </a:xfrm>
+            <a:prstGeom prst="rect">
+              <a:avLst/>
+            </a:prstGeom>
+            <a:noFill/>
+          </p:spPr>
+          <p:txBody>
+            <a:bodyPr wrap="square" rtlCol="0">
+              <a:spAutoFit/>
+            </a:bodyPr>
+            <a:lstStyle/>
+            <a:p>
+              <a:pPr algn="ctr"/>
+              <a:r>
+                <a:rPr lang="pt-BR" sz="1000" dirty="0">
+                  <a:solidFill>
+                    <a:schemeClr val="bg2">
+                      <a:lumMod val="50000"/>
+                    </a:schemeClr>
+                  </a:solidFill>
+                  <a:latin typeface="Arial" panose="020B0604020202020204" pitchFamily="34" charset="0"/>
+                  <a:cs typeface="Arial" panose="020B0604020202020204" pitchFamily="34" charset="0"/>
+                </a:rPr>
+                <a:t>SVR</a:t>
+              </a:r>
+            </a:p>
+          </p:txBody>
+        </p:sp>
+      </p:grpSp>
+      <p:grpSp>
+        <p:nvGrpSpPr>
+          <p:cNvPr id="9" name="Agrupar 8"/>
+          <p:cNvGrpSpPr/>
+          <p:nvPr/>
+        </p:nvGrpSpPr>
+        <p:grpSpPr>
+          <a:xfrm>
+            <a:off x="10594411" y="1128780"/>
+            <a:ext cx="1151806" cy="2280469"/>
+            <a:chOff x="10594411" y="1220221"/>
+            <a:chExt cx="1151806" cy="2280469"/>
+          </a:xfrm>
+        </p:grpSpPr>
+        <p:sp>
+          <p:nvSpPr>
+            <p:cNvPr id="79" name="Retângulo 78">
+              <a:extLst>
+                <a:ext uri="{FF2B5EF4-FFF2-40B4-BE49-F238E27FC236}">
+                  <a16:creationId xmlns:a16="http://schemas.microsoft.com/office/drawing/2014/main" id="{CE467177-4BBF-4DAE-AC24-319BF77F6831}"/>
+                </a:ext>
+              </a:extLst>
+            </p:cNvPr>
+            <p:cNvSpPr/>
+            <p:nvPr/>
+          </p:nvSpPr>
+          <p:spPr>
+            <a:xfrm rot="5400000">
+              <a:off x="10044575" y="1770057"/>
+              <a:ext cx="2251477" cy="1151806"/>
+            </a:xfrm>
+            <a:prstGeom prst="rect">
+              <a:avLst/>
+            </a:prstGeom>
+            <a:solidFill>
+              <a:srgbClr val="D5DCED">
+                <a:alpha val="25098"/>
+              </a:srgbClr>
+            </a:solidFill>
+            <a:ln>
+              <a:noFill/>
+            </a:ln>
+          </p:spPr>
+          <p:style>
+            <a:lnRef idx="2">
+              <a:schemeClr val="accent1">
+                <a:shade val="50000"/>
+              </a:schemeClr>
+            </a:lnRef>
+            <a:fillRef idx="1">
+              <a:schemeClr val="accent1"/>
+            </a:fillRef>
+            <a:effectRef idx="0">
+              <a:schemeClr val="accent1"/>
+            </a:effectRef>
+            <a:fontRef idx="minor">
+              <a:schemeClr val="lt1"/>
+            </a:fontRef>
+          </p:style>
+          <p:txBody>
+            <a:bodyPr vert="horz" lIns="0" tIns="0" rIns="0" bIns="0" rtlCol="0" anchor="t" anchorCtr="0"/>
+            <a:lstStyle/>
+            <a:p>
+              <a:pPr algn="ctr"/>
+              <a:r>
+                <a:rPr lang="pt-BR" sz="1400" b="1" dirty="0">
+                  <a:solidFill>
+                    <a:schemeClr val="tx1"/>
+                  </a:solidFill>
+                  <a:latin typeface="Arial" panose="020B0604020202020204" pitchFamily="34" charset="0"/>
+                  <a:cs typeface="Arial" panose="020B0604020202020204" pitchFamily="34" charset="0"/>
+                </a:rPr>
+                <a:t>PREMIUM</a:t>
+              </a:r>
+            </a:p>
+          </p:txBody>
+        </p:sp>
+        <p:grpSp>
+          <p:nvGrpSpPr>
+            <p:cNvPr id="50" name="Agrupar 49"/>
+            <p:cNvGrpSpPr/>
+            <p:nvPr/>
+          </p:nvGrpSpPr>
+          <p:grpSpPr>
+            <a:xfrm>
+              <a:off x="10696918" y="1362215"/>
+              <a:ext cx="857042" cy="1043772"/>
+              <a:chOff x="10827548" y="1362215"/>
+              <a:chExt cx="857042" cy="1043772"/>
+            </a:xfrm>
+          </p:grpSpPr>
+          <p:pic>
+            <p:nvPicPr>
+              <p:cNvPr id="2" name="Imagem 1"/>
+              <p:cNvPicPr>
+                <a:picLocks noChangeAspect="1"/>
+              </p:cNvPicPr>
+              <p:nvPr/>
+            </p:nvPicPr>
+            <p:blipFill>
+              <a:blip r:embed="rId14" cstate="hqprint">
+                <a:duotone>
+                  <a:prstClr val="black"/>
+                  <a:schemeClr val="accent1">
+                    <a:tint val="45000"/>
+                    <a:satMod val="400000"/>
+                  </a:schemeClr>
+                </a:duotone>
+                <a:extLst>
+                  <a:ext uri="{28A0092B-C50C-407E-A947-70E740481C1C}">
+                    <a14:useLocalDpi xmlns:a14="http://schemas.microsoft.com/office/drawing/2010/main" val="0"/>
+                  </a:ext>
+                </a:extLst>
+              </a:blip>
+              <a:stretch>
+                <a:fillRect/>
+              </a:stretch>
+            </p:blipFill>
+            <p:spPr>
+              <a:xfrm>
+                <a:off x="11021966" y="1362215"/>
+                <a:ext cx="441456" cy="441456"/>
+              </a:xfrm>
+              <a:prstGeom prst="rect">
+                <a:avLst/>
+              </a:prstGeom>
+            </p:spPr>
+          </p:pic>
+          <p:pic>
+            <p:nvPicPr>
+              <p:cNvPr id="71" name="Imagem 70">
+                <a:extLst>
+                  <a:ext uri="{FF2B5EF4-FFF2-40B4-BE49-F238E27FC236}">
+                    <a16:creationId xmlns:a16="http://schemas.microsoft.com/office/drawing/2014/main" id="{93ABA89A-D539-4CB1-9201-60F0EDD0642B}"/>
+                  </a:ext>
+                </a:extLst>
+              </p:cNvPr>
+              <p:cNvPicPr>
+                <a:picLocks noChangeAspect="1"/>
+              </p:cNvPicPr>
+              <p:nvPr/>
+            </p:nvPicPr>
+            <p:blipFill>
+              <a:blip r:embed="rId15" cstate="hqprint">
+                <a:extLst>
+                  <a:ext uri="{28A0092B-C50C-407E-A947-70E740481C1C}">
+                    <a14:useLocalDpi xmlns:a14="http://schemas.microsoft.com/office/drawing/2010/main" val="0"/>
+                  </a:ext>
+                </a:extLst>
+              </a:blip>
+              <a:stretch>
+                <a:fillRect/>
+              </a:stretch>
+            </p:blipFill>
+            <p:spPr>
+              <a:xfrm>
+                <a:off x="10827548" y="1548945"/>
+                <a:ext cx="857042" cy="857042"/>
+              </a:xfrm>
+              <a:prstGeom prst="rect">
+                <a:avLst/>
+              </a:prstGeom>
+            </p:spPr>
+          </p:pic>
+        </p:grpSp>
+        <p:grpSp>
+          <p:nvGrpSpPr>
+            <p:cNvPr id="49" name="Agrupar 48"/>
+            <p:cNvGrpSpPr/>
+            <p:nvPr/>
+          </p:nvGrpSpPr>
+          <p:grpSpPr>
+            <a:xfrm>
+              <a:off x="10696918" y="2456918"/>
+              <a:ext cx="857042" cy="1043772"/>
+              <a:chOff x="10827548" y="2456918"/>
+              <a:chExt cx="857042" cy="1043772"/>
+            </a:xfrm>
+          </p:grpSpPr>
+          <p:pic>
+            <p:nvPicPr>
+              <p:cNvPr id="106" name="Imagem 105"/>
+              <p:cNvPicPr>
+                <a:picLocks noChangeAspect="1"/>
+              </p:cNvPicPr>
+              <p:nvPr/>
+            </p:nvPicPr>
+            <p:blipFill>
+              <a:blip r:embed="rId14" cstate="hqprint">
+                <a:duotone>
+                  <a:prstClr val="black"/>
+                  <a:schemeClr val="accent1">
+                    <a:tint val="45000"/>
+                    <a:satMod val="400000"/>
+                  </a:schemeClr>
+                </a:duotone>
+                <a:extLst>
+                  <a:ext uri="{28A0092B-C50C-407E-A947-70E740481C1C}">
+                    <a14:useLocalDpi xmlns:a14="http://schemas.microsoft.com/office/drawing/2010/main" val="0"/>
+                  </a:ext>
+                </a:extLst>
+              </a:blip>
+              <a:stretch>
+                <a:fillRect/>
+              </a:stretch>
+            </p:blipFill>
+            <p:spPr>
+              <a:xfrm>
+                <a:off x="11021966" y="2456918"/>
+                <a:ext cx="441456" cy="441456"/>
+              </a:xfrm>
+              <a:prstGeom prst="rect">
+                <a:avLst/>
+              </a:prstGeom>
+            </p:spPr>
+          </p:pic>
+          <p:pic>
+            <p:nvPicPr>
+              <p:cNvPr id="107" name="Imagem 106">
+                <a:extLst>
+                  <a:ext uri="{FF2B5EF4-FFF2-40B4-BE49-F238E27FC236}">
+                    <a16:creationId xmlns:a16="http://schemas.microsoft.com/office/drawing/2014/main" id="{93ABA89A-D539-4CB1-9201-60F0EDD0642B}"/>
+                  </a:ext>
+                </a:extLst>
+              </p:cNvPr>
+              <p:cNvPicPr>
+                <a:picLocks noChangeAspect="1"/>
+              </p:cNvPicPr>
+              <p:nvPr/>
+            </p:nvPicPr>
+            <p:blipFill>
+              <a:blip r:embed="rId15" cstate="hqprint">
+                <a:extLst>
+                  <a:ext uri="{28A0092B-C50C-407E-A947-70E740481C1C}">
+                    <a14:useLocalDpi xmlns:a14="http://schemas.microsoft.com/office/drawing/2010/main" val="0"/>
+                  </a:ext>
+                </a:extLst>
+              </a:blip>
+              <a:stretch>
+                <a:fillRect/>
+              </a:stretch>
+            </p:blipFill>
+            <p:spPr>
+              <a:xfrm>
+                <a:off x="10827548" y="2643648"/>
+                <a:ext cx="857042" cy="857042"/>
+              </a:xfrm>
+              <a:prstGeom prst="rect">
+                <a:avLst/>
+              </a:prstGeom>
+            </p:spPr>
+          </p:pic>
+        </p:grpSp>
+      </p:grpSp>
+      <p:grpSp>
+        <p:nvGrpSpPr>
+          <p:cNvPr id="10" name="Agrupar 9"/>
+          <p:cNvGrpSpPr/>
+          <p:nvPr/>
+        </p:nvGrpSpPr>
+        <p:grpSpPr>
+          <a:xfrm>
+            <a:off x="10595127" y="3570369"/>
+            <a:ext cx="1151806" cy="2280469"/>
+            <a:chOff x="10595127" y="3570369"/>
+            <a:chExt cx="1151806" cy="2280469"/>
+          </a:xfrm>
+        </p:grpSpPr>
+        <p:sp>
+          <p:nvSpPr>
+            <p:cNvPr id="108" name="Retângulo 107">
+              <a:extLst>
+                <a:ext uri="{FF2B5EF4-FFF2-40B4-BE49-F238E27FC236}">
+                  <a16:creationId xmlns:a16="http://schemas.microsoft.com/office/drawing/2014/main" id="{CE467177-4BBF-4DAE-AC24-319BF77F6831}"/>
+                </a:ext>
+              </a:extLst>
+            </p:cNvPr>
+            <p:cNvSpPr/>
+            <p:nvPr/>
+          </p:nvSpPr>
+          <p:spPr>
+            <a:xfrm rot="5400000">
+              <a:off x="10045291" y="4120205"/>
+              <a:ext cx="2251477" cy="1151806"/>
+            </a:xfrm>
+            <a:prstGeom prst="rect">
+              <a:avLst/>
+            </a:prstGeom>
+            <a:solidFill>
+              <a:srgbClr val="D5DCED">
+                <a:alpha val="25098"/>
+              </a:srgbClr>
+            </a:solidFill>
+            <a:ln>
+              <a:noFill/>
+            </a:ln>
+          </p:spPr>
+          <p:style>
+            <a:lnRef idx="2">
+              <a:schemeClr val="accent1">
+                <a:shade val="50000"/>
+              </a:schemeClr>
+            </a:lnRef>
+            <a:fillRef idx="1">
+              <a:schemeClr val="accent1"/>
+            </a:fillRef>
+            <a:effectRef idx="0">
+              <a:schemeClr val="accent1"/>
+            </a:effectRef>
+            <a:fontRef idx="minor">
+              <a:schemeClr val="lt1"/>
+            </a:fontRef>
+          </p:style>
+          <p:txBody>
+            <a:bodyPr vert="horz" lIns="0" tIns="0" rIns="0" bIns="0" rtlCol="0" anchor="t" anchorCtr="0"/>
+            <a:lstStyle/>
+            <a:p>
+              <a:pPr algn="ctr"/>
+              <a:r>
+                <a:rPr lang="pt-BR" sz="1400" b="1" dirty="0">
+                  <a:solidFill>
+                    <a:schemeClr val="tx1"/>
+                  </a:solidFill>
+                  <a:latin typeface="Arial" panose="020B0604020202020204" pitchFamily="34" charset="0"/>
+                  <a:cs typeface="Arial" panose="020B0604020202020204" pitchFamily="34" charset="0"/>
+                </a:rPr>
+                <a:t>PREMIUM</a:t>
+              </a:r>
+            </a:p>
+          </p:txBody>
+        </p:sp>
+        <p:grpSp>
+          <p:nvGrpSpPr>
+            <p:cNvPr id="47" name="Agrupar 46"/>
+            <p:cNvGrpSpPr/>
+            <p:nvPr/>
+          </p:nvGrpSpPr>
+          <p:grpSpPr>
+            <a:xfrm>
+              <a:off x="10697634" y="3712363"/>
+              <a:ext cx="857042" cy="1043772"/>
+              <a:chOff x="10828264" y="3712363"/>
+              <a:chExt cx="857042" cy="1043772"/>
+            </a:xfrm>
+          </p:grpSpPr>
+          <p:pic>
+            <p:nvPicPr>
+              <p:cNvPr id="109" name="Imagem 108"/>
+              <p:cNvPicPr>
+                <a:picLocks noChangeAspect="1"/>
+              </p:cNvPicPr>
+              <p:nvPr/>
+            </p:nvPicPr>
+            <p:blipFill>
+              <a:blip r:embed="rId14" cstate="hqprint">
+                <a:duotone>
+                  <a:prstClr val="black"/>
+                  <a:schemeClr val="accent1">
+                    <a:tint val="45000"/>
+                    <a:satMod val="400000"/>
+                  </a:schemeClr>
+                </a:duotone>
+                <a:extLst>
+                  <a:ext uri="{28A0092B-C50C-407E-A947-70E740481C1C}">
+                    <a14:useLocalDpi xmlns:a14="http://schemas.microsoft.com/office/drawing/2010/main" val="0"/>
+                  </a:ext>
+                </a:extLst>
+              </a:blip>
+              <a:stretch>
+                <a:fillRect/>
+              </a:stretch>
+            </p:blipFill>
+            <p:spPr>
+              <a:xfrm>
+                <a:off x="11035745" y="3712363"/>
+                <a:ext cx="441456" cy="441456"/>
+              </a:xfrm>
+              <a:prstGeom prst="rect">
+                <a:avLst/>
+              </a:prstGeom>
+            </p:spPr>
+          </p:pic>
+          <p:pic>
+            <p:nvPicPr>
+              <p:cNvPr id="110" name="Imagem 109">
+                <a:extLst>
+                  <a:ext uri="{FF2B5EF4-FFF2-40B4-BE49-F238E27FC236}">
+                    <a16:creationId xmlns:a16="http://schemas.microsoft.com/office/drawing/2014/main" id="{93ABA89A-D539-4CB1-9201-60F0EDD0642B}"/>
+                  </a:ext>
+                </a:extLst>
+              </p:cNvPr>
+              <p:cNvPicPr>
+                <a:picLocks noChangeAspect="1"/>
+              </p:cNvPicPr>
+              <p:nvPr/>
+            </p:nvPicPr>
+            <p:blipFill>
+              <a:blip r:embed="rId15" cstate="hqprint">
+                <a:extLst>
+                  <a:ext uri="{28A0092B-C50C-407E-A947-70E740481C1C}">
+                    <a14:useLocalDpi xmlns:a14="http://schemas.microsoft.com/office/drawing/2010/main" val="0"/>
+                  </a:ext>
+                </a:extLst>
+              </a:blip>
+              <a:stretch>
+                <a:fillRect/>
+              </a:stretch>
+            </p:blipFill>
+            <p:spPr>
+              <a:xfrm>
+                <a:off x="10828264" y="3899093"/>
+                <a:ext cx="857042" cy="857042"/>
+              </a:xfrm>
+              <a:prstGeom prst="rect">
+                <a:avLst/>
+              </a:prstGeom>
+            </p:spPr>
+          </p:pic>
+        </p:grpSp>
+        <p:grpSp>
+          <p:nvGrpSpPr>
+            <p:cNvPr id="46" name="Agrupar 45"/>
+            <p:cNvGrpSpPr/>
+            <p:nvPr/>
+          </p:nvGrpSpPr>
+          <p:grpSpPr>
+            <a:xfrm>
+              <a:off x="10697634" y="4807066"/>
+              <a:ext cx="857042" cy="1043772"/>
+              <a:chOff x="10828264" y="4807066"/>
+              <a:chExt cx="857042" cy="1043772"/>
+            </a:xfrm>
+          </p:grpSpPr>
+          <p:pic>
+            <p:nvPicPr>
+              <p:cNvPr id="112" name="Imagem 111"/>
+              <p:cNvPicPr>
+                <a:picLocks noChangeAspect="1"/>
+              </p:cNvPicPr>
+              <p:nvPr/>
+            </p:nvPicPr>
+            <p:blipFill>
+              <a:blip r:embed="rId14" cstate="hqprint">
+                <a:duotone>
+                  <a:prstClr val="black"/>
+                  <a:schemeClr val="accent1">
+                    <a:tint val="45000"/>
+                    <a:satMod val="400000"/>
+                  </a:schemeClr>
+                </a:duotone>
+                <a:extLst>
+                  <a:ext uri="{28A0092B-C50C-407E-A947-70E740481C1C}">
+                    <a14:useLocalDpi xmlns:a14="http://schemas.microsoft.com/office/drawing/2010/main" val="0"/>
+                  </a:ext>
+                </a:extLst>
+              </a:blip>
+              <a:stretch>
+                <a:fillRect/>
+              </a:stretch>
+            </p:blipFill>
+            <p:spPr>
+              <a:xfrm>
+                <a:off x="11035745" y="4807066"/>
+                <a:ext cx="441456" cy="441456"/>
+              </a:xfrm>
+              <a:prstGeom prst="rect">
+                <a:avLst/>
+              </a:prstGeom>
+            </p:spPr>
+          </p:pic>
+          <p:pic>
+            <p:nvPicPr>
+              <p:cNvPr id="113" name="Imagem 112">
+                <a:extLst>
+                  <a:ext uri="{FF2B5EF4-FFF2-40B4-BE49-F238E27FC236}">
+                    <a16:creationId xmlns:a16="http://schemas.microsoft.com/office/drawing/2014/main" id="{93ABA89A-D539-4CB1-9201-60F0EDD0642B}"/>
+                  </a:ext>
+                </a:extLst>
+              </p:cNvPr>
+              <p:cNvPicPr>
+                <a:picLocks noChangeAspect="1"/>
+              </p:cNvPicPr>
+              <p:nvPr/>
+            </p:nvPicPr>
+            <p:blipFill>
+              <a:blip r:embed="rId15" cstate="hqprint">
+                <a:extLst>
+                  <a:ext uri="{28A0092B-C50C-407E-A947-70E740481C1C}">
+                    <a14:useLocalDpi xmlns:a14="http://schemas.microsoft.com/office/drawing/2010/main" val="0"/>
+                  </a:ext>
+                </a:extLst>
+              </a:blip>
+              <a:stretch>
+                <a:fillRect/>
+              </a:stretch>
+            </p:blipFill>
+            <p:spPr>
+              <a:xfrm>
+                <a:off x="10828264" y="4993796"/>
+                <a:ext cx="857042" cy="857042"/>
+              </a:xfrm>
+              <a:prstGeom prst="rect">
+                <a:avLst/>
+              </a:prstGeom>
+            </p:spPr>
+          </p:pic>
+        </p:grpSp>
+      </p:grpSp>
+      <p:sp>
+        <p:nvSpPr>
+          <p:cNvPr id="33" name="Retângulo Arredondado 32"/>
+          <p:cNvSpPr/>
+          <p:nvPr/>
+        </p:nvSpPr>
+        <p:spPr>
+          <a:xfrm>
+            <a:off x="10325072" y="872744"/>
+            <a:ext cx="1679693" cy="5075204"/>
+          </a:xfrm>
+          <a:prstGeom prst="roundRect">
+            <a:avLst/>
+          </a:prstGeom>
+          <a:noFill/>
+          <a:ln w="28575">
+            <a:solidFill>
+              <a:schemeClr val="bg1">
+                <a:lumMod val="65000"/>
+              </a:schemeClr>
+            </a:solidFill>
+            <a:prstDash val="sysDash"/>
+          </a:ln>
+        </p:spPr>
+        <p:style>
+          <a:lnRef idx="2">
+            <a:schemeClr val="accent1">
+              <a:shade val="50000"/>
+            </a:schemeClr>
+          </a:lnRef>
+          <a:fillRef idx="1">
+            <a:schemeClr val="accent1"/>
+          </a:fillRef>
+          <a:effectRef idx="0">
+            <a:schemeClr val="accent1"/>
+          </a:effectRef>
+          <a:fontRef idx="minor">
+            <a:schemeClr val="lt1"/>
+          </a:fontRef>
+        </p:style>
+        <p:txBody>
+          <a:bodyPr rtlCol="0" anchor="t" anchorCtr="1"/>
+          <a:lstStyle/>
+          <a:p>
+            <a:pPr algn="ctr"/>
+            <a:endParaRPr lang="pt-BR" sz="1400" b="1">
+              <a:solidFill>
+                <a:schemeClr val="accent5">
+                  <a:lumMod val="75000"/>
+                </a:schemeClr>
+              </a:solidFill>
+              <a:latin typeface="Arial" panose="020B0604020202020204" pitchFamily="34" charset="0"/>
+              <a:cs typeface="Arial" panose="020B0604020202020204" pitchFamily="34" charset="0"/>
+            </a:endParaRPr>
+          </a:p>
+        </p:txBody>
+      </p:sp>
+      <p:sp>
+        <p:nvSpPr>
+          <p:cNvPr id="76" name="CaixaDeTexto 75">
+            <a:extLst>
+              <a:ext uri="{FF2B5EF4-FFF2-40B4-BE49-F238E27FC236}">
+                <a16:creationId xmlns:a16="http://schemas.microsoft.com/office/drawing/2014/main" id="{5CCE3E46-CD58-417E-AC4D-E7EC3D413480}"/>
+              </a:ext>
+            </a:extLst>
+          </p:cNvPr>
+          <p:cNvSpPr txBox="1"/>
+          <p:nvPr/>
+        </p:nvSpPr>
+        <p:spPr>
+          <a:xfrm>
+            <a:off x="10775176" y="759899"/>
+            <a:ext cx="805028" cy="261610"/>
+          </a:xfrm>
+          <a:prstGeom prst="rect">
+            <a:avLst/>
+          </a:prstGeom>
+          <a:solidFill>
+            <a:schemeClr val="bg1"/>
+          </a:solidFill>
+        </p:spPr>
+        <p:txBody>
+          <a:bodyPr wrap="none" rtlCol="0">
+            <a:spAutoFit/>
+          </a:bodyPr>
+          <a:lstStyle/>
+          <a:p>
+            <a:pPr algn="ctr"/>
+            <a:r>
+              <a:rPr lang="pt-BR" sz="1100" b="1" dirty="0">
+                <a:solidFill>
+                  <a:schemeClr val="accent5">
+                    <a:lumMod val="75000"/>
+                  </a:schemeClr>
+                </a:solidFill>
+                <a:latin typeface="Arial" panose="020B0604020202020204" pitchFamily="34" charset="0"/>
+                <a:cs typeface="Arial" panose="020B0604020202020204" pitchFamily="34" charset="0"/>
+              </a:rPr>
+              <a:t>GAMERS</a:t>
+            </a:r>
+            <a:endParaRPr lang="pt-BR" sz="1100" dirty="0">
+              <a:latin typeface="Arial" panose="020B0604020202020204" pitchFamily="34" charset="0"/>
+              <a:cs typeface="Arial" panose="020B0604020202020204" pitchFamily="34" charset="0"/>
+            </a:endParaRPr>
+          </a:p>
+        </p:txBody>
+      </p:sp>
       <p:cxnSp>
         <p:nvCxnSpPr>
           <p:cNvPr id="14" name="Conector Angulado 13"/>
@@ -7442,86 +7487,6 @@
       </p:cxnSp>
       <p:cxnSp>
         <p:nvCxnSpPr>
-          <p:cNvPr id="55" name="Conector Angulado 54"/>
-          <p:cNvCxnSpPr/>
-          <p:nvPr/>
-        </p:nvCxnSpPr>
-        <p:spPr>
-          <a:xfrm>
-            <a:off x="2605302" y="388217"/>
-            <a:ext cx="2434570" cy="148976"/>
-          </a:xfrm>
-          <a:prstGeom prst="bentConnector3">
-            <a:avLst>
-              <a:gd name="adj1" fmla="val 92388"/>
-            </a:avLst>
-          </a:prstGeom>
-          <a:ln>
-            <a:solidFill>
-              <a:srgbClr val="0070C0"/>
-            </a:solidFill>
-            <a:prstDash val="dash"/>
-            <a:headEnd type="triangle"/>
-            <a:tailEnd type="triangle"/>
-          </a:ln>
-        </p:spPr>
-        <p:style>
-          <a:lnRef idx="1">
-            <a:schemeClr val="accent1"/>
-          </a:lnRef>
-          <a:fillRef idx="0">
-            <a:schemeClr val="accent1"/>
-          </a:fillRef>
-          <a:effectRef idx="0">
-            <a:schemeClr val="accent1"/>
-          </a:effectRef>
-          <a:fontRef idx="minor">
-            <a:schemeClr val="tx1"/>
-          </a:fontRef>
-        </p:style>
-      </p:cxnSp>
-      <p:cxnSp>
-        <p:nvCxnSpPr>
-          <p:cNvPr id="123" name="Conector Angulado 122"/>
-          <p:cNvCxnSpPr/>
-          <p:nvPr/>
-        </p:nvCxnSpPr>
-        <p:spPr>
-          <a:xfrm>
-            <a:off x="1216598" y="1402347"/>
-            <a:ext cx="2434570" cy="148976"/>
-          </a:xfrm>
-          <a:prstGeom prst="bentConnector3">
-            <a:avLst>
-              <a:gd name="adj1" fmla="val 92388"/>
-            </a:avLst>
-          </a:prstGeom>
-          <a:ln>
-            <a:solidFill>
-              <a:srgbClr val="0070C0"/>
-            </a:solidFill>
-            <a:prstDash val="dash"/>
-            <a:headEnd type="triangle"/>
-            <a:tailEnd type="triangle"/>
-          </a:ln>
-        </p:spPr>
-        <p:style>
-          <a:lnRef idx="1">
-            <a:schemeClr val="accent1"/>
-          </a:lnRef>
-          <a:fillRef idx="0">
-            <a:schemeClr val="accent1"/>
-          </a:fillRef>
-          <a:effectRef idx="0">
-            <a:schemeClr val="accent1"/>
-          </a:effectRef>
-          <a:fontRef idx="minor">
-            <a:schemeClr val="tx1"/>
-          </a:fontRef>
-        </p:style>
-      </p:cxnSp>
-      <p:cxnSp>
-        <p:nvCxnSpPr>
           <p:cNvPr id="64" name="Conector de Seta Reta 63"/>
           <p:cNvCxnSpPr>
             <a:stCxn id="102" idx="0"/>
@@ -7556,115 +7521,199 @@
           </a:fontRef>
         </p:style>
       </p:cxnSp>
-    </p:spTree>
-    <p:extLst>
-      <p:ext uri="{BB962C8B-B14F-4D97-AF65-F5344CB8AC3E}">
-        <p14:creationId xmlns:p14="http://schemas.microsoft.com/office/powerpoint/2010/main" val="3995093460"/>
-      </p:ext>
-    </p:extLst>
-  </p:cSld>
-  <p:clrMapOvr>
-    <a:masterClrMapping/>
-  </p:clrMapOvr>
-  <p:timing>
-    <p:tnLst>
-      <p:par>
-        <p:cTn id="1" dur="indefinite" restart="never" nodeType="tmRoot"/>
-      </p:par>
-    </p:tnLst>
-  </p:timing>
-</p:sld>
-</file>
-
-<file path=ppt/slides/slide2.xml><?xml version="1.0" encoding="utf-8"?>
-<p:sld xmlns:a="http://schemas.openxmlformats.org/drawingml/2006/main" xmlns:r="http://schemas.openxmlformats.org/officeDocument/2006/relationships" xmlns:p="http://schemas.openxmlformats.org/presentationml/2006/main">
-  <p:cSld>
-    <p:spTree>
-      <p:nvGrpSpPr>
-        <p:cNvPr id="1" name=""/>
-        <p:cNvGrpSpPr/>
-        <p:nvPr/>
-      </p:nvGrpSpPr>
-      <p:grpSpPr>
-        <a:xfrm>
-          <a:off x="0" y="0"/>
-          <a:ext cx="0" cy="0"/>
-          <a:chOff x="0" y="0"/>
-          <a:chExt cx="0" cy="0"/>
-        </a:xfrm>
-      </p:grpSpPr>
-      <p:sp>
-        <p:nvSpPr>
-          <p:cNvPr id="127" name="Balão de Fala: Retângulo 126">
-            <a:extLst>
-              <a:ext uri="{FF2B5EF4-FFF2-40B4-BE49-F238E27FC236}">
-                <a16:creationId xmlns:a16="http://schemas.microsoft.com/office/drawing/2014/main" id="{09609CEE-345F-4747-92D5-0ED775C7DD98}"/>
-              </a:ext>
-            </a:extLst>
-          </p:cNvPr>
-          <p:cNvSpPr/>
+      <p:cxnSp>
+        <p:nvCxnSpPr>
+          <p:cNvPr id="18" name="Conector em Curva 17"/>
+          <p:cNvCxnSpPr>
+            <a:stCxn id="83" idx="3"/>
+          </p:cNvCxnSpPr>
           <p:nvPr/>
-        </p:nvSpPr>
+        </p:nvCxnSpPr>
         <p:spPr>
-          <a:xfrm rot="16200000" flipH="1">
-            <a:off x="1651037" y="2910933"/>
-            <a:ext cx="2549545" cy="4428613"/>
+          <a:xfrm flipV="1">
+            <a:off x="7034040" y="3634268"/>
+            <a:ext cx="1674562" cy="773316"/>
           </a:xfrm>
-          <a:prstGeom prst="wedgeRectCallout">
-            <a:avLst>
-              <a:gd name="adj1" fmla="val -18827"/>
-              <a:gd name="adj2" fmla="val 57166"/>
-            </a:avLst>
+          <a:prstGeom prst="curvedConnector3">
+            <a:avLst/>
           </a:prstGeom>
-          <a:solidFill>
-            <a:srgbClr val="D5DCED">
-              <a:alpha val="73000"/>
-            </a:srgbClr>
-          </a:solidFill>
           <a:ln>
-            <a:noFill/>
+            <a:solidFill>
+              <a:srgbClr val="0070C0"/>
+            </a:solidFill>
+            <a:headEnd type="triangle"/>
+            <a:tailEnd type="triangle"/>
           </a:ln>
         </p:spPr>
         <p:style>
-          <a:lnRef idx="2">
-            <a:schemeClr val="accent1">
-              <a:shade val="50000"/>
-            </a:schemeClr>
+          <a:lnRef idx="1">
+            <a:schemeClr val="accent1"/>
           </a:lnRef>
-          <a:fillRef idx="1">
+          <a:fillRef idx="0">
             <a:schemeClr val="accent1"/>
           </a:fillRef>
           <a:effectRef idx="0">
             <a:schemeClr val="accent1"/>
           </a:effectRef>
           <a:fontRef idx="minor">
-            <a:schemeClr val="lt1"/>
+            <a:schemeClr val="tx1"/>
           </a:fontRef>
         </p:style>
-        <p:txBody>
-          <a:bodyPr rot="0" spcFirstLastPara="0" vertOverflow="overflow" horzOverflow="overflow" vert="horz" wrap="square" lIns="0" tIns="0" rIns="0" bIns="0" numCol="1" spcCol="0" rtlCol="0" fromWordArt="0" anchor="t" anchorCtr="0" forceAA="0" compatLnSpc="1">
-            <a:prstTxWarp prst="textNoShape">
+      </p:cxnSp>
+      <p:cxnSp>
+        <p:nvCxnSpPr>
+          <p:cNvPr id="20" name="Conector Angulado 19"/>
+          <p:cNvCxnSpPr/>
+          <p:nvPr/>
+        </p:nvCxnSpPr>
+        <p:spPr>
+          <a:xfrm rot="16200000" flipH="1">
+            <a:off x="197713" y="2848900"/>
+            <a:ext cx="2850261" cy="554765"/>
+          </a:xfrm>
+          <a:prstGeom prst="bentConnector3">
+            <a:avLst>
+              <a:gd name="adj1" fmla="val -127"/>
+            </a:avLst>
+          </a:prstGeom>
+          <a:ln>
+            <a:headEnd type="triangle"/>
+            <a:tailEnd type="triangle"/>
+          </a:ln>
+        </p:spPr>
+        <p:style>
+          <a:lnRef idx="1">
+            <a:schemeClr val="accent1"/>
+          </a:lnRef>
+          <a:fillRef idx="0">
+            <a:schemeClr val="accent1"/>
+          </a:fillRef>
+          <a:effectRef idx="0">
+            <a:schemeClr val="accent1"/>
+          </a:effectRef>
+          <a:fontRef idx="minor">
+            <a:schemeClr val="tx1"/>
+          </a:fontRef>
+        </p:style>
+      </p:cxnSp>
+      <p:cxnSp>
+        <p:nvCxnSpPr>
+          <p:cNvPr id="22" name="Conector de Seta Reta 21"/>
+          <p:cNvCxnSpPr/>
+          <p:nvPr/>
+        </p:nvCxnSpPr>
+        <p:spPr>
+          <a:xfrm flipH="1">
+            <a:off x="2235514" y="1046303"/>
+            <a:ext cx="11468" cy="3505111"/>
+          </a:xfrm>
+          <a:prstGeom prst="straightConnector1">
+            <a:avLst/>
+          </a:prstGeom>
+          <a:ln>
+            <a:headEnd type="triangle"/>
+            <a:tailEnd type="triangle"/>
+          </a:ln>
+        </p:spPr>
+        <p:style>
+          <a:lnRef idx="1">
+            <a:schemeClr val="accent1"/>
+          </a:lnRef>
+          <a:fillRef idx="0">
+            <a:schemeClr val="accent1"/>
+          </a:fillRef>
+          <a:effectRef idx="0">
+            <a:schemeClr val="accent1"/>
+          </a:effectRef>
+          <a:fontRef idx="minor">
+            <a:schemeClr val="tx1"/>
+          </a:fontRef>
+        </p:style>
+      </p:cxnSp>
+      <p:grpSp>
+        <p:nvGrpSpPr>
+          <p:cNvPr id="48" name="Agrupar 47"/>
+          <p:cNvGrpSpPr/>
+          <p:nvPr/>
+        </p:nvGrpSpPr>
+        <p:grpSpPr>
+          <a:xfrm>
+            <a:off x="3709299" y="919991"/>
+            <a:ext cx="1010720" cy="426838"/>
+            <a:chOff x="3733358" y="934039"/>
+            <a:chExt cx="1010720" cy="426838"/>
+          </a:xfrm>
+        </p:grpSpPr>
+        <p:sp>
+          <p:nvSpPr>
+            <p:cNvPr id="31" name="CaixaDeTexto 30"/>
+            <p:cNvSpPr txBox="1"/>
+            <p:nvPr/>
+          </p:nvSpPr>
+          <p:spPr>
+            <a:xfrm>
+              <a:off x="4225987" y="1114656"/>
+              <a:ext cx="518091" cy="246221"/>
+            </a:xfrm>
+            <a:prstGeom prst="rect">
               <a:avLst/>
-            </a:prstTxWarp>
-            <a:noAutofit/>
-          </a:bodyPr>
-          <a:lstStyle/>
-          <a:p>
-            <a:pPr algn="ctr"/>
-            <a:endParaRPr lang="pt-BR" sz="1000" b="1" dirty="0">
-              <a:solidFill>
-                <a:schemeClr val="tx1"/>
-              </a:solidFill>
-              <a:latin typeface="Arial" panose="020B0604020202020204" pitchFamily="34" charset="0"/>
-              <a:cs typeface="Arial" panose="020B0604020202020204" pitchFamily="34" charset="0"/>
-            </a:endParaRPr>
-          </a:p>
-        </p:txBody>
-      </p:sp>
+            </a:prstGeom>
+            <a:noFill/>
+          </p:spPr>
+          <p:txBody>
+            <a:bodyPr wrap="none" rtlCol="0">
+              <a:spAutoFit/>
+            </a:bodyPr>
+            <a:lstStyle/>
+            <a:p>
+              <a:r>
+                <a:rPr lang="pt-BR" sz="1000" dirty="0" err="1" smtClean="0">
+                  <a:solidFill>
+                    <a:srgbClr val="0070C0"/>
+                  </a:solidFill>
+                  <a:latin typeface="Arial" panose="020B0604020202020204" pitchFamily="34" charset="0"/>
+                  <a:cs typeface="Arial" panose="020B0604020202020204" pitchFamily="34" charset="0"/>
+                </a:rPr>
+                <a:t>Azure</a:t>
+              </a:r>
+              <a:endParaRPr lang="pt-BR" sz="2000" dirty="0"/>
+            </a:p>
+          </p:txBody>
+        </p:sp>
+        <p:pic>
+          <p:nvPicPr>
+            <p:cNvPr id="26" name="Imagem 25"/>
+            <p:cNvPicPr>
+              <a:picLocks noChangeAspect="1"/>
+            </p:cNvPicPr>
+            <p:nvPr/>
+          </p:nvPicPr>
+          <p:blipFill rotWithShape="1">
+            <a:blip r:embed="rId24" cstate="hqprint">
+              <a:extLst>
+                <a:ext uri="{28A0092B-C50C-407E-A947-70E740481C1C}">
+                  <a14:useLocalDpi xmlns:a14="http://schemas.microsoft.com/office/drawing/2010/main" val="0"/>
+                </a:ext>
+              </a:extLst>
+            </a:blip>
+            <a:srcRect l="17186" t="6690" r="18702"/>
+            <a:stretch/>
+          </p:blipFill>
+          <p:spPr>
+            <a:xfrm>
+              <a:off x="3733358" y="934039"/>
+              <a:ext cx="553939" cy="423266"/>
+            </a:xfrm>
+            <a:prstGeom prst="rect">
+              <a:avLst/>
+            </a:prstGeom>
+          </p:spPr>
+        </p:pic>
+      </p:grpSp>
     </p:spTree>
     <p:extLst>
       <p:ext uri="{BB962C8B-B14F-4D97-AF65-F5344CB8AC3E}">
-        <p14:creationId xmlns:p14="http://schemas.microsoft.com/office/powerpoint/2010/main" val="833720319"/>
+        <p14:creationId xmlns:p14="http://schemas.microsoft.com/office/powerpoint/2010/main" val="3995093460"/>
       </p:ext>
     </p:extLst>
   </p:cSld>
